--- a/Presentation.pptx
+++ b/Presentation.pptx
@@ -11,10 +11,42 @@
     <p:sldId id="262" r:id="rId5"/>
     <p:sldId id="263" r:id="rId6"/>
     <p:sldId id="264" r:id="rId7"/>
-    <p:sldId id="265" r:id="rId8"/>
-    <p:sldId id="266" r:id="rId9"/>
-    <p:sldId id="267" r:id="rId10"/>
-    <p:sldId id="269" r:id="rId11"/>
+    <p:sldId id="267" r:id="rId8"/>
+    <p:sldId id="270" r:id="rId9"/>
+    <p:sldId id="271" r:id="rId10"/>
+    <p:sldId id="272" r:id="rId11"/>
+    <p:sldId id="294" r:id="rId12"/>
+    <p:sldId id="295" r:id="rId13"/>
+    <p:sldId id="273" r:id="rId14"/>
+    <p:sldId id="274" r:id="rId15"/>
+    <p:sldId id="275" r:id="rId16"/>
+    <p:sldId id="269" r:id="rId17"/>
+    <p:sldId id="302" r:id="rId18"/>
+    <p:sldId id="276" r:id="rId19"/>
+    <p:sldId id="301" r:id="rId20"/>
+    <p:sldId id="277" r:id="rId21"/>
+    <p:sldId id="297" r:id="rId22"/>
+    <p:sldId id="279" r:id="rId23"/>
+    <p:sldId id="280" r:id="rId24"/>
+    <p:sldId id="304" r:id="rId25"/>
+    <p:sldId id="281" r:id="rId26"/>
+    <p:sldId id="305" r:id="rId27"/>
+    <p:sldId id="298" r:id="rId28"/>
+    <p:sldId id="300" r:id="rId29"/>
+    <p:sldId id="303" r:id="rId30"/>
+    <p:sldId id="291" r:id="rId31"/>
+    <p:sldId id="287" r:id="rId32"/>
+    <p:sldId id="288" r:id="rId33"/>
+    <p:sldId id="289" r:id="rId34"/>
+    <p:sldId id="290" r:id="rId35"/>
+    <p:sldId id="292" r:id="rId36"/>
+    <p:sldId id="299" r:id="rId37"/>
+    <p:sldId id="293" r:id="rId38"/>
+    <p:sldId id="282" r:id="rId39"/>
+    <p:sldId id="283" r:id="rId40"/>
+    <p:sldId id="284" r:id="rId41"/>
+    <p:sldId id="285" r:id="rId42"/>
+    <p:sldId id="286" r:id="rId43"/>
   </p:sldIdLst>
   <p:sldSz cx="12192000" cy="6858000"/>
   <p:notesSz cx="6858000" cy="9144000"/>
@@ -347,7 +379,7 @@
           <a:p>
             <a:fld id="{D00A6D17-AFED-46D7-A2B7-AF8F0FE509C6}" type="datetimeFigureOut">
               <a:rPr lang="en-US" smtClean="0"/>
-              <a:t>3/6/2016</a:t>
+              <a:t>3/8/2016</a:t>
             </a:fld>
             <a:endParaRPr lang="en-US"/>
           </a:p>
@@ -555,7 +587,7 @@
           <a:p>
             <a:fld id="{D00A6D17-AFED-46D7-A2B7-AF8F0FE509C6}" type="datetimeFigureOut">
               <a:rPr lang="en-US" smtClean="0"/>
-              <a:t>3/6/2016</a:t>
+              <a:t>3/8/2016</a:t>
             </a:fld>
             <a:endParaRPr lang="en-US"/>
           </a:p>
@@ -811,7 +843,7 @@
           <a:p>
             <a:fld id="{D00A6D17-AFED-46D7-A2B7-AF8F0FE509C6}" type="datetimeFigureOut">
               <a:rPr lang="en-US" smtClean="0"/>
-              <a:t>3/6/2016</a:t>
+              <a:t>3/8/2016</a:t>
             </a:fld>
             <a:endParaRPr lang="en-US"/>
           </a:p>
@@ -985,7 +1017,7 @@
           <a:p>
             <a:fld id="{D00A6D17-AFED-46D7-A2B7-AF8F0FE509C6}" type="datetimeFigureOut">
               <a:rPr lang="en-US" smtClean="0"/>
-              <a:t>3/6/2016</a:t>
+              <a:t>3/8/2016</a:t>
             </a:fld>
             <a:endParaRPr lang="en-US"/>
           </a:p>
@@ -1328,7 +1360,7 @@
           <a:p>
             <a:fld id="{D00A6D17-AFED-46D7-A2B7-AF8F0FE509C6}" type="datetimeFigureOut">
               <a:rPr lang="en-US" smtClean="0"/>
-              <a:t>3/6/2016</a:t>
+              <a:t>3/8/2016</a:t>
             </a:fld>
             <a:endParaRPr lang="en-US"/>
           </a:p>
@@ -1603,7 +1635,7 @@
           <a:p>
             <a:fld id="{D00A6D17-AFED-46D7-A2B7-AF8F0FE509C6}" type="datetimeFigureOut">
               <a:rPr lang="en-US" smtClean="0"/>
-              <a:t>3/6/2016</a:t>
+              <a:t>3/8/2016</a:t>
             </a:fld>
             <a:endParaRPr lang="en-US"/>
           </a:p>
@@ -1987,7 +2019,7 @@
           <a:p>
             <a:fld id="{D00A6D17-AFED-46D7-A2B7-AF8F0FE509C6}" type="datetimeFigureOut">
               <a:rPr lang="en-US" smtClean="0"/>
-              <a:t>3/6/2016</a:t>
+              <a:t>3/8/2016</a:t>
             </a:fld>
             <a:endParaRPr lang="en-US"/>
           </a:p>
@@ -2110,7 +2142,7 @@
           <a:p>
             <a:fld id="{D00A6D17-AFED-46D7-A2B7-AF8F0FE509C6}" type="datetimeFigureOut">
               <a:rPr lang="en-US" smtClean="0"/>
-              <a:t>3/6/2016</a:t>
+              <a:t>3/8/2016</a:t>
             </a:fld>
             <a:endParaRPr lang="en-US"/>
           </a:p>
@@ -2281,7 +2313,7 @@
           <a:p>
             <a:fld id="{D00A6D17-AFED-46D7-A2B7-AF8F0FE509C6}" type="datetimeFigureOut">
               <a:rPr lang="en-US" smtClean="0"/>
-              <a:t>3/6/2016</a:t>
+              <a:t>3/8/2016</a:t>
             </a:fld>
             <a:endParaRPr lang="en-US"/>
           </a:p>
@@ -2635,7 +2667,7 @@
           <a:p>
             <a:fld id="{D00A6D17-AFED-46D7-A2B7-AF8F0FE509C6}" type="datetimeFigureOut">
               <a:rPr lang="en-US" smtClean="0"/>
-              <a:t>3/6/2016</a:t>
+              <a:t>3/8/2016</a:t>
             </a:fld>
             <a:endParaRPr lang="en-US"/>
           </a:p>
@@ -3022,7 +3054,7 @@
           <a:p>
             <a:fld id="{D00A6D17-AFED-46D7-A2B7-AF8F0FE509C6}" type="datetimeFigureOut">
               <a:rPr lang="en-US" smtClean="0"/>
-              <a:t>3/6/2016</a:t>
+              <a:t>3/8/2016</a:t>
             </a:fld>
             <a:endParaRPr lang="en-US"/>
           </a:p>
@@ -3309,7 +3341,7 @@
           <a:p>
             <a:fld id="{D00A6D17-AFED-46D7-A2B7-AF8F0FE509C6}" type="datetimeFigureOut">
               <a:rPr lang="en-US" smtClean="0"/>
-              <a:t>3/6/2016</a:t>
+              <a:t>3/8/2016</a:t>
             </a:fld>
             <a:endParaRPr lang="en-US"/>
           </a:p>
@@ -3846,7 +3878,7 @@
         </p:nvSpPr>
         <p:spPr>
           <a:xfrm>
-            <a:off x="352930" y="3400926"/>
+            <a:off x="3946361" y="3288632"/>
             <a:ext cx="7395411" cy="2677656"/>
           </a:xfrm>
           <a:prstGeom prst="rect">
@@ -3860,12 +3892,14 @@
           </a:bodyPr>
           <a:lstStyle/>
           <a:p>
+            <a:pPr algn="r"/>
             <a:r>
               <a:rPr lang="en-US" sz="2400" b="1" dirty="0"/>
               <a:t>Presented by</a:t>
             </a:r>
           </a:p>
           <a:p>
+            <a:pPr algn="r"/>
             <a:r>
               <a:rPr lang="en-US" sz="2400" dirty="0" err="1"/>
               <a:t>Jalan</a:t>
@@ -3881,15 +3915,18 @@
             <a:endParaRPr lang="en-US" sz="2400" dirty="0"/>
           </a:p>
           <a:p>
+            <a:pPr algn="r"/>
             <a:endParaRPr lang="en-US" sz="2400" dirty="0"/>
           </a:p>
           <a:p>
+            <a:pPr algn="r"/>
             <a:r>
               <a:rPr lang="en-US" sz="2400" b="1" dirty="0"/>
               <a:t>Committee</a:t>
             </a:r>
           </a:p>
           <a:p>
+            <a:pPr algn="r"/>
             <a:r>
               <a:rPr lang="en-US" sz="2400" dirty="0" err="1"/>
               <a:t>Dr</a:t>
@@ -3908,6 +3945,7 @@
             </a:r>
           </a:p>
           <a:p>
+            <a:pPr algn="r"/>
             <a:r>
               <a:rPr lang="en-US" sz="2400" dirty="0" err="1"/>
               <a:t>Dr</a:t>
@@ -3931,6 +3969,7 @@
             <a:endParaRPr lang="en-US" sz="2400" dirty="0"/>
           </a:p>
           <a:p>
+            <a:pPr algn="r"/>
             <a:r>
               <a:rPr lang="en-US" sz="2400" dirty="0" err="1"/>
               <a:t>Dr</a:t>
@@ -3990,6 +4029,1738 @@
 </file>
 
 <file path=ppt/slides/slide10.xml><?xml version="1.0" encoding="utf-8"?>
+<p:sld xmlns:a="http://schemas.openxmlformats.org/drawingml/2006/main" xmlns:r="http://schemas.openxmlformats.org/officeDocument/2006/relationships" xmlns:p="http://schemas.openxmlformats.org/presentationml/2006/main">
+  <p:cSld>
+    <p:spTree>
+      <p:nvGrpSpPr>
+        <p:cNvPr id="1" name=""/>
+        <p:cNvGrpSpPr/>
+        <p:nvPr/>
+      </p:nvGrpSpPr>
+      <p:grpSpPr>
+        <a:xfrm>
+          <a:off x="0" y="0"/>
+          <a:ext cx="0" cy="0"/>
+          <a:chOff x="0" y="0"/>
+          <a:chExt cx="0" cy="0"/>
+        </a:xfrm>
+      </p:grpSpPr>
+      <p:graphicFrame>
+        <p:nvGraphicFramePr>
+          <p:cNvPr id="2" name="Object 4"/>
+          <p:cNvGraphicFramePr>
+            <a:graphicFrameLocks noChangeAspect="1"/>
+          </p:cNvGraphicFramePr>
+          <p:nvPr>
+            <p:extLst>
+              <p:ext uri="{D42A27DB-BD31-4B8C-83A1-F6EECF244321}">
+                <p14:modId xmlns:p14="http://schemas.microsoft.com/office/powerpoint/2010/main" val="20311356"/>
+              </p:ext>
+            </p:extLst>
+          </p:nvPr>
+        </p:nvGraphicFramePr>
+        <p:xfrm>
+          <a:off x="1905000" y="2895601"/>
+          <a:ext cx="4648200" cy="785292"/>
+        </p:xfrm>
+        <a:graphic>
+          <a:graphicData uri="http://schemas.openxmlformats.org/presentationml/2006/ole">
+            <mc:AlternateContent xmlns:mc="http://schemas.openxmlformats.org/markup-compatibility/2006">
+              <mc:Choice xmlns:v="urn:schemas-microsoft-com:vml" Requires="v">
+                <p:oleObj spid="_x0000_s1054" name="Equation" r:id="rId3" imgW="2705040" imgH="457200" progId="Equation.3">
+                  <p:embed/>
+                </p:oleObj>
+              </mc:Choice>
+              <mc:Fallback>
+                <p:oleObj name="Equation" r:id="rId3" imgW="2705040" imgH="457200" progId="Equation.3">
+                  <p:embed/>
+                  <p:pic>
+                    <p:nvPicPr>
+                      <p:cNvPr id="1058820" name="Object 4"/>
+                      <p:cNvPicPr>
+                        <a:picLocks noChangeAspect="1" noChangeArrowheads="1"/>
+                      </p:cNvPicPr>
+                      <p:nvPr/>
+                    </p:nvPicPr>
+                    <p:blipFill>
+                      <a:blip r:embed="rId4">
+                        <a:extLst>
+                          <a:ext uri="{28A0092B-C50C-407E-A947-70E740481C1C}">
+                            <a14:useLocalDpi xmlns:a14="http://schemas.microsoft.com/office/drawing/2010/main" val="0"/>
+                          </a:ext>
+                        </a:extLst>
+                      </a:blip>
+                      <a:srcRect/>
+                      <a:stretch>
+                        <a:fillRect/>
+                      </a:stretch>
+                    </p:blipFill>
+                    <p:spPr bwMode="auto">
+                      <a:xfrm>
+                        <a:off x="1905000" y="2895601"/>
+                        <a:ext cx="4648200" cy="785292"/>
+                      </a:xfrm>
+                      <a:prstGeom prst="rect">
+                        <a:avLst/>
+                      </a:prstGeom>
+                      <a:noFill/>
+                      <a:ln>
+                        <a:noFill/>
+                      </a:ln>
+                      <a:effectLst/>
+                      <a:extLst/>
+                    </p:spPr>
+                  </p:pic>
+                </p:oleObj>
+              </mc:Fallback>
+            </mc:AlternateContent>
+          </a:graphicData>
+        </a:graphic>
+      </p:graphicFrame>
+      <p:sp>
+        <p:nvSpPr>
+          <p:cNvPr id="3" name="Rectangle 3"/>
+          <p:cNvSpPr txBox="1">
+            <a:spLocks noChangeArrowheads="1"/>
+          </p:cNvSpPr>
+          <p:nvPr/>
+        </p:nvSpPr>
+        <p:spPr>
+          <a:xfrm>
+            <a:off x="457200" y="1676400"/>
+            <a:ext cx="8229600" cy="3408947"/>
+          </a:xfrm>
+          <a:prstGeom prst="rect">
+            <a:avLst/>
+          </a:prstGeom>
+        </p:spPr>
+        <p:txBody>
+          <a:bodyPr/>
+          <a:lstStyle>
+            <a:lvl1pPr marL="91440" indent="-91440" algn="l" defTabSz="914400" rtl="0" eaLnBrk="1" latinLnBrk="0" hangingPunct="1">
+              <a:lnSpc>
+                <a:spcPct val="90000"/>
+              </a:lnSpc>
+              <a:spcBef>
+                <a:spcPts val="1200"/>
+              </a:spcBef>
+              <a:spcAft>
+                <a:spcPts val="200"/>
+              </a:spcAft>
+              <a:buClr>
+                <a:schemeClr val="accent1"/>
+              </a:buClr>
+              <a:buSzPct val="100000"/>
+              <a:buFont typeface="Calibri" panose="020F0502020204030204" pitchFamily="34" charset="0"/>
+              <a:buChar char=" "/>
+              <a:defRPr sz="2000" kern="1200">
+                <a:solidFill>
+                  <a:schemeClr val="tx1">
+                    <a:lumMod val="75000"/>
+                    <a:lumOff val="25000"/>
+                  </a:schemeClr>
+                </a:solidFill>
+                <a:latin typeface="+mn-lt"/>
+                <a:ea typeface="+mn-ea"/>
+                <a:cs typeface="+mn-cs"/>
+              </a:defRPr>
+            </a:lvl1pPr>
+            <a:lvl2pPr marL="384048" indent="-182880" algn="l" defTabSz="914400" rtl="0" eaLnBrk="1" latinLnBrk="0" hangingPunct="1">
+              <a:lnSpc>
+                <a:spcPct val="90000"/>
+              </a:lnSpc>
+              <a:spcBef>
+                <a:spcPts val="200"/>
+              </a:spcBef>
+              <a:spcAft>
+                <a:spcPts val="400"/>
+              </a:spcAft>
+              <a:buClr>
+                <a:schemeClr val="accent1"/>
+              </a:buClr>
+              <a:buFont typeface="Calibri" pitchFamily="34" charset="0"/>
+              <a:buChar char="◦"/>
+              <a:defRPr sz="1800" kern="1200">
+                <a:solidFill>
+                  <a:schemeClr val="tx1">
+                    <a:lumMod val="75000"/>
+                    <a:lumOff val="25000"/>
+                  </a:schemeClr>
+                </a:solidFill>
+                <a:latin typeface="+mn-lt"/>
+                <a:ea typeface="+mn-ea"/>
+                <a:cs typeface="+mn-cs"/>
+              </a:defRPr>
+            </a:lvl2pPr>
+            <a:lvl3pPr marL="566928" indent="-182880" algn="l" defTabSz="914400" rtl="0" eaLnBrk="1" latinLnBrk="0" hangingPunct="1">
+              <a:lnSpc>
+                <a:spcPct val="90000"/>
+              </a:lnSpc>
+              <a:spcBef>
+                <a:spcPts val="200"/>
+              </a:spcBef>
+              <a:spcAft>
+                <a:spcPts val="400"/>
+              </a:spcAft>
+              <a:buClr>
+                <a:schemeClr val="accent1"/>
+              </a:buClr>
+              <a:buFont typeface="Calibri" pitchFamily="34" charset="0"/>
+              <a:buChar char="◦"/>
+              <a:defRPr sz="1400" kern="1200">
+                <a:solidFill>
+                  <a:schemeClr val="tx1">
+                    <a:lumMod val="75000"/>
+                    <a:lumOff val="25000"/>
+                  </a:schemeClr>
+                </a:solidFill>
+                <a:latin typeface="+mn-lt"/>
+                <a:ea typeface="+mn-ea"/>
+                <a:cs typeface="+mn-cs"/>
+              </a:defRPr>
+            </a:lvl3pPr>
+            <a:lvl4pPr marL="749808" indent="-182880" algn="l" defTabSz="914400" rtl="0" eaLnBrk="1" latinLnBrk="0" hangingPunct="1">
+              <a:lnSpc>
+                <a:spcPct val="90000"/>
+              </a:lnSpc>
+              <a:spcBef>
+                <a:spcPts val="200"/>
+              </a:spcBef>
+              <a:spcAft>
+                <a:spcPts val="400"/>
+              </a:spcAft>
+              <a:buClr>
+                <a:schemeClr val="accent1"/>
+              </a:buClr>
+              <a:buFont typeface="Calibri" pitchFamily="34" charset="0"/>
+              <a:buChar char="◦"/>
+              <a:defRPr sz="1400" kern="1200">
+                <a:solidFill>
+                  <a:schemeClr val="tx1">
+                    <a:lumMod val="75000"/>
+                    <a:lumOff val="25000"/>
+                  </a:schemeClr>
+                </a:solidFill>
+                <a:latin typeface="+mn-lt"/>
+                <a:ea typeface="+mn-ea"/>
+                <a:cs typeface="+mn-cs"/>
+              </a:defRPr>
+            </a:lvl4pPr>
+            <a:lvl5pPr marL="932688" indent="-182880" algn="l" defTabSz="914400" rtl="0" eaLnBrk="1" latinLnBrk="0" hangingPunct="1">
+              <a:lnSpc>
+                <a:spcPct val="90000"/>
+              </a:lnSpc>
+              <a:spcBef>
+                <a:spcPts val="200"/>
+              </a:spcBef>
+              <a:spcAft>
+                <a:spcPts val="400"/>
+              </a:spcAft>
+              <a:buClr>
+                <a:schemeClr val="accent1"/>
+              </a:buClr>
+              <a:buFont typeface="Calibri" pitchFamily="34" charset="0"/>
+              <a:buChar char="◦"/>
+              <a:defRPr sz="1400" kern="1200">
+                <a:solidFill>
+                  <a:schemeClr val="tx1">
+                    <a:lumMod val="75000"/>
+                    <a:lumOff val="25000"/>
+                  </a:schemeClr>
+                </a:solidFill>
+                <a:latin typeface="+mn-lt"/>
+                <a:ea typeface="+mn-ea"/>
+                <a:cs typeface="+mn-cs"/>
+              </a:defRPr>
+            </a:lvl5pPr>
+            <a:lvl6pPr marL="1100000" indent="-228600" algn="l" defTabSz="914400" rtl="0" eaLnBrk="1" latinLnBrk="0" hangingPunct="1">
+              <a:lnSpc>
+                <a:spcPct val="90000"/>
+              </a:lnSpc>
+              <a:spcBef>
+                <a:spcPts val="200"/>
+              </a:spcBef>
+              <a:spcAft>
+                <a:spcPts val="400"/>
+              </a:spcAft>
+              <a:buClr>
+                <a:schemeClr val="accent1"/>
+              </a:buClr>
+              <a:buFont typeface="Calibri" pitchFamily="34" charset="0"/>
+              <a:buChar char="◦"/>
+              <a:defRPr sz="1400" kern="1200">
+                <a:solidFill>
+                  <a:schemeClr val="tx1">
+                    <a:lumMod val="75000"/>
+                    <a:lumOff val="25000"/>
+                  </a:schemeClr>
+                </a:solidFill>
+                <a:latin typeface="+mn-lt"/>
+                <a:ea typeface="+mn-ea"/>
+                <a:cs typeface="+mn-cs"/>
+              </a:defRPr>
+            </a:lvl6pPr>
+            <a:lvl7pPr marL="1300000" indent="-228600" algn="l" defTabSz="914400" rtl="0" eaLnBrk="1" latinLnBrk="0" hangingPunct="1">
+              <a:lnSpc>
+                <a:spcPct val="90000"/>
+              </a:lnSpc>
+              <a:spcBef>
+                <a:spcPts val="200"/>
+              </a:spcBef>
+              <a:spcAft>
+                <a:spcPts val="400"/>
+              </a:spcAft>
+              <a:buClr>
+                <a:schemeClr val="accent1"/>
+              </a:buClr>
+              <a:buFont typeface="Calibri" pitchFamily="34" charset="0"/>
+              <a:buChar char="◦"/>
+              <a:defRPr sz="1400" kern="1200">
+                <a:solidFill>
+                  <a:schemeClr val="tx1">
+                    <a:lumMod val="75000"/>
+                    <a:lumOff val="25000"/>
+                  </a:schemeClr>
+                </a:solidFill>
+                <a:latin typeface="+mn-lt"/>
+                <a:ea typeface="+mn-ea"/>
+                <a:cs typeface="+mn-cs"/>
+              </a:defRPr>
+            </a:lvl7pPr>
+            <a:lvl8pPr marL="1500000" indent="-228600" algn="l" defTabSz="914400" rtl="0" eaLnBrk="1" latinLnBrk="0" hangingPunct="1">
+              <a:lnSpc>
+                <a:spcPct val="90000"/>
+              </a:lnSpc>
+              <a:spcBef>
+                <a:spcPts val="200"/>
+              </a:spcBef>
+              <a:spcAft>
+                <a:spcPts val="400"/>
+              </a:spcAft>
+              <a:buClr>
+                <a:schemeClr val="accent1"/>
+              </a:buClr>
+              <a:buFont typeface="Calibri" pitchFamily="34" charset="0"/>
+              <a:buChar char="◦"/>
+              <a:defRPr sz="1400" kern="1200">
+                <a:solidFill>
+                  <a:schemeClr val="tx1">
+                    <a:lumMod val="75000"/>
+                    <a:lumOff val="25000"/>
+                  </a:schemeClr>
+                </a:solidFill>
+                <a:latin typeface="+mn-lt"/>
+                <a:ea typeface="+mn-ea"/>
+                <a:cs typeface="+mn-cs"/>
+              </a:defRPr>
+            </a:lvl8pPr>
+            <a:lvl9pPr marL="1700000" indent="-228600" algn="l" defTabSz="914400" rtl="0" eaLnBrk="1" latinLnBrk="0" hangingPunct="1">
+              <a:lnSpc>
+                <a:spcPct val="90000"/>
+              </a:lnSpc>
+              <a:spcBef>
+                <a:spcPts val="200"/>
+              </a:spcBef>
+              <a:spcAft>
+                <a:spcPts val="400"/>
+              </a:spcAft>
+              <a:buClr>
+                <a:schemeClr val="accent1"/>
+              </a:buClr>
+              <a:buFont typeface="Calibri" pitchFamily="34" charset="0"/>
+              <a:buChar char="◦"/>
+              <a:defRPr sz="1400" kern="1200">
+                <a:solidFill>
+                  <a:schemeClr val="tx1">
+                    <a:lumMod val="75000"/>
+                    <a:lumOff val="25000"/>
+                  </a:schemeClr>
+                </a:solidFill>
+                <a:latin typeface="+mn-lt"/>
+                <a:ea typeface="+mn-ea"/>
+                <a:cs typeface="+mn-cs"/>
+              </a:defRPr>
+            </a:lvl9pPr>
+          </a:lstStyle>
+          <a:p>
+            <a:r>
+              <a:rPr lang="en-US" sz="2400" dirty="0"/>
+              <a:t>Compute distance between two points:</a:t>
+            </a:r>
+          </a:p>
+          <a:p>
+            <a:pPr lvl="1"/>
+            <a:r>
+              <a:rPr lang="en-US" sz="2400" dirty="0"/>
+              <a:t>Euclidean distance </a:t>
+            </a:r>
+          </a:p>
+          <a:p>
+            <a:pPr lvl="1"/>
+            <a:endParaRPr lang="en-US" dirty="0"/>
+          </a:p>
+          <a:p>
+            <a:pPr lvl="1"/>
+            <a:endParaRPr lang="en-US" dirty="0"/>
+          </a:p>
+          <a:p>
+            <a:pPr>
+              <a:buFont typeface="Monotype Sorts" pitchFamily="2" charset="2"/>
+              <a:buNone/>
+            </a:pPr>
+            <a:endParaRPr lang="en-US" dirty="0"/>
+          </a:p>
+        </p:txBody>
+      </p:sp>
+      <p:sp>
+        <p:nvSpPr>
+          <p:cNvPr id="4" name="Rectangle 2"/>
+          <p:cNvSpPr txBox="1">
+            <a:spLocks noChangeArrowheads="1"/>
+          </p:cNvSpPr>
+          <p:nvPr/>
+        </p:nvSpPr>
+        <p:spPr>
+          <a:xfrm>
+            <a:off x="457200" y="533400"/>
+            <a:ext cx="8229600" cy="990600"/>
+          </a:xfrm>
+          <a:prstGeom prst="rect">
+            <a:avLst/>
+          </a:prstGeom>
+        </p:spPr>
+        <p:txBody>
+          <a:bodyPr/>
+          <a:lstStyle>
+            <a:lvl1pPr algn="l" defTabSz="914400" rtl="0" eaLnBrk="1" latinLnBrk="0" hangingPunct="1">
+              <a:lnSpc>
+                <a:spcPct val="85000"/>
+              </a:lnSpc>
+              <a:spcBef>
+                <a:spcPct val="0"/>
+              </a:spcBef>
+              <a:buNone/>
+              <a:defRPr sz="4800" kern="1200" spc="-50" baseline="0">
+                <a:solidFill>
+                  <a:schemeClr val="tx1">
+                    <a:lumMod val="75000"/>
+                    <a:lumOff val="25000"/>
+                  </a:schemeClr>
+                </a:solidFill>
+                <a:latin typeface="+mj-lt"/>
+                <a:ea typeface="+mj-ea"/>
+                <a:cs typeface="+mj-cs"/>
+              </a:defRPr>
+            </a:lvl1pPr>
+          </a:lstStyle>
+          <a:p>
+            <a:r>
+              <a:rPr lang="en-US" dirty="0"/>
+              <a:t>Nearest Neighbor Classification</a:t>
+            </a:r>
+          </a:p>
+        </p:txBody>
+      </p:sp>
+    </p:spTree>
+    <p:extLst>
+      <p:ext uri="{BB962C8B-B14F-4D97-AF65-F5344CB8AC3E}">
+        <p14:creationId xmlns:p14="http://schemas.microsoft.com/office/powerpoint/2010/main" val="3120841041"/>
+      </p:ext>
+    </p:extLst>
+  </p:cSld>
+  <p:clrMapOvr>
+    <a:masterClrMapping/>
+  </p:clrMapOvr>
+</p:sld>
+</file>
+
+<file path=ppt/slides/slide11.xml><?xml version="1.0" encoding="utf-8"?>
+<p:sld xmlns:a="http://schemas.openxmlformats.org/drawingml/2006/main" xmlns:r="http://schemas.openxmlformats.org/officeDocument/2006/relationships" xmlns:p="http://schemas.openxmlformats.org/presentationml/2006/main">
+  <p:cSld>
+    <p:spTree>
+      <p:nvGrpSpPr>
+        <p:cNvPr id="1" name=""/>
+        <p:cNvGrpSpPr/>
+        <p:nvPr/>
+      </p:nvGrpSpPr>
+      <p:grpSpPr>
+        <a:xfrm>
+          <a:off x="0" y="0"/>
+          <a:ext cx="0" cy="0"/>
+          <a:chOff x="0" y="0"/>
+          <a:chExt cx="0" cy="0"/>
+        </a:xfrm>
+      </p:grpSpPr>
+      <p:sp>
+        <p:nvSpPr>
+          <p:cNvPr id="2" name="Title 2"/>
+          <p:cNvSpPr txBox="1">
+            <a:spLocks/>
+          </p:cNvSpPr>
+          <p:nvPr/>
+        </p:nvSpPr>
+        <p:spPr>
+          <a:xfrm>
+            <a:off x="457200" y="274638"/>
+            <a:ext cx="8229600" cy="1143000"/>
+          </a:xfrm>
+          <a:prstGeom prst="rect">
+            <a:avLst/>
+          </a:prstGeom>
+        </p:spPr>
+        <p:txBody>
+          <a:bodyPr/>
+          <a:lstStyle>
+            <a:lvl1pPr algn="l" defTabSz="914400" rtl="0" eaLnBrk="1" latinLnBrk="0" hangingPunct="1">
+              <a:lnSpc>
+                <a:spcPct val="85000"/>
+              </a:lnSpc>
+              <a:spcBef>
+                <a:spcPct val="0"/>
+              </a:spcBef>
+              <a:buNone/>
+              <a:defRPr sz="4800" kern="1200" spc="-50" baseline="0">
+                <a:solidFill>
+                  <a:schemeClr val="tx1">
+                    <a:lumMod val="75000"/>
+                    <a:lumOff val="25000"/>
+                  </a:schemeClr>
+                </a:solidFill>
+                <a:latin typeface="+mj-lt"/>
+                <a:ea typeface="+mj-ea"/>
+                <a:cs typeface="+mj-cs"/>
+              </a:defRPr>
+            </a:lvl1pPr>
+          </a:lstStyle>
+          <a:p>
+            <a:r>
+              <a:rPr lang="en-US"/>
+              <a:t>Association Rule Mining</a:t>
+            </a:r>
+            <a:endParaRPr lang="en-US" dirty="0"/>
+          </a:p>
+        </p:txBody>
+      </p:sp>
+      <p:sp>
+        <p:nvSpPr>
+          <p:cNvPr id="3" name="Content Placeholder 1"/>
+          <p:cNvSpPr txBox="1">
+            <a:spLocks/>
+          </p:cNvSpPr>
+          <p:nvPr/>
+        </p:nvSpPr>
+        <p:spPr>
+          <a:xfrm>
+            <a:off x="457200" y="1481328"/>
+            <a:ext cx="8229600" cy="4525963"/>
+          </a:xfrm>
+          <a:prstGeom prst="rect">
+            <a:avLst/>
+          </a:prstGeom>
+        </p:spPr>
+        <p:txBody>
+          <a:bodyPr/>
+          <a:lstStyle>
+            <a:lvl1pPr marL="91440" indent="-91440" algn="l" defTabSz="914400" rtl="0" eaLnBrk="1" latinLnBrk="0" hangingPunct="1">
+              <a:lnSpc>
+                <a:spcPct val="90000"/>
+              </a:lnSpc>
+              <a:spcBef>
+                <a:spcPts val="1200"/>
+              </a:spcBef>
+              <a:spcAft>
+                <a:spcPts val="200"/>
+              </a:spcAft>
+              <a:buClr>
+                <a:schemeClr val="accent1"/>
+              </a:buClr>
+              <a:buSzPct val="100000"/>
+              <a:buFont typeface="Calibri" panose="020F0502020204030204" pitchFamily="34" charset="0"/>
+              <a:buChar char=" "/>
+              <a:defRPr sz="2000" kern="1200">
+                <a:solidFill>
+                  <a:schemeClr val="tx1">
+                    <a:lumMod val="75000"/>
+                    <a:lumOff val="25000"/>
+                  </a:schemeClr>
+                </a:solidFill>
+                <a:latin typeface="+mn-lt"/>
+                <a:ea typeface="+mn-ea"/>
+                <a:cs typeface="+mn-cs"/>
+              </a:defRPr>
+            </a:lvl1pPr>
+            <a:lvl2pPr marL="384048" indent="-182880" algn="l" defTabSz="914400" rtl="0" eaLnBrk="1" latinLnBrk="0" hangingPunct="1">
+              <a:lnSpc>
+                <a:spcPct val="90000"/>
+              </a:lnSpc>
+              <a:spcBef>
+                <a:spcPts val="200"/>
+              </a:spcBef>
+              <a:spcAft>
+                <a:spcPts val="400"/>
+              </a:spcAft>
+              <a:buClr>
+                <a:schemeClr val="accent1"/>
+              </a:buClr>
+              <a:buFont typeface="Calibri" pitchFamily="34" charset="0"/>
+              <a:buChar char="◦"/>
+              <a:defRPr sz="1800" kern="1200">
+                <a:solidFill>
+                  <a:schemeClr val="tx1">
+                    <a:lumMod val="75000"/>
+                    <a:lumOff val="25000"/>
+                  </a:schemeClr>
+                </a:solidFill>
+                <a:latin typeface="+mn-lt"/>
+                <a:ea typeface="+mn-ea"/>
+                <a:cs typeface="+mn-cs"/>
+              </a:defRPr>
+            </a:lvl2pPr>
+            <a:lvl3pPr marL="566928" indent="-182880" algn="l" defTabSz="914400" rtl="0" eaLnBrk="1" latinLnBrk="0" hangingPunct="1">
+              <a:lnSpc>
+                <a:spcPct val="90000"/>
+              </a:lnSpc>
+              <a:spcBef>
+                <a:spcPts val="200"/>
+              </a:spcBef>
+              <a:spcAft>
+                <a:spcPts val="400"/>
+              </a:spcAft>
+              <a:buClr>
+                <a:schemeClr val="accent1"/>
+              </a:buClr>
+              <a:buFont typeface="Calibri" pitchFamily="34" charset="0"/>
+              <a:buChar char="◦"/>
+              <a:defRPr sz="1400" kern="1200">
+                <a:solidFill>
+                  <a:schemeClr val="tx1">
+                    <a:lumMod val="75000"/>
+                    <a:lumOff val="25000"/>
+                  </a:schemeClr>
+                </a:solidFill>
+                <a:latin typeface="+mn-lt"/>
+                <a:ea typeface="+mn-ea"/>
+                <a:cs typeface="+mn-cs"/>
+              </a:defRPr>
+            </a:lvl3pPr>
+            <a:lvl4pPr marL="749808" indent="-182880" algn="l" defTabSz="914400" rtl="0" eaLnBrk="1" latinLnBrk="0" hangingPunct="1">
+              <a:lnSpc>
+                <a:spcPct val="90000"/>
+              </a:lnSpc>
+              <a:spcBef>
+                <a:spcPts val="200"/>
+              </a:spcBef>
+              <a:spcAft>
+                <a:spcPts val="400"/>
+              </a:spcAft>
+              <a:buClr>
+                <a:schemeClr val="accent1"/>
+              </a:buClr>
+              <a:buFont typeface="Calibri" pitchFamily="34" charset="0"/>
+              <a:buChar char="◦"/>
+              <a:defRPr sz="1400" kern="1200">
+                <a:solidFill>
+                  <a:schemeClr val="tx1">
+                    <a:lumMod val="75000"/>
+                    <a:lumOff val="25000"/>
+                  </a:schemeClr>
+                </a:solidFill>
+                <a:latin typeface="+mn-lt"/>
+                <a:ea typeface="+mn-ea"/>
+                <a:cs typeface="+mn-cs"/>
+              </a:defRPr>
+            </a:lvl4pPr>
+            <a:lvl5pPr marL="932688" indent="-182880" algn="l" defTabSz="914400" rtl="0" eaLnBrk="1" latinLnBrk="0" hangingPunct="1">
+              <a:lnSpc>
+                <a:spcPct val="90000"/>
+              </a:lnSpc>
+              <a:spcBef>
+                <a:spcPts val="200"/>
+              </a:spcBef>
+              <a:spcAft>
+                <a:spcPts val="400"/>
+              </a:spcAft>
+              <a:buClr>
+                <a:schemeClr val="accent1"/>
+              </a:buClr>
+              <a:buFont typeface="Calibri" pitchFamily="34" charset="0"/>
+              <a:buChar char="◦"/>
+              <a:defRPr sz="1400" kern="1200">
+                <a:solidFill>
+                  <a:schemeClr val="tx1">
+                    <a:lumMod val="75000"/>
+                    <a:lumOff val="25000"/>
+                  </a:schemeClr>
+                </a:solidFill>
+                <a:latin typeface="+mn-lt"/>
+                <a:ea typeface="+mn-ea"/>
+                <a:cs typeface="+mn-cs"/>
+              </a:defRPr>
+            </a:lvl5pPr>
+            <a:lvl6pPr marL="1100000" indent="-228600" algn="l" defTabSz="914400" rtl="0" eaLnBrk="1" latinLnBrk="0" hangingPunct="1">
+              <a:lnSpc>
+                <a:spcPct val="90000"/>
+              </a:lnSpc>
+              <a:spcBef>
+                <a:spcPts val="200"/>
+              </a:spcBef>
+              <a:spcAft>
+                <a:spcPts val="400"/>
+              </a:spcAft>
+              <a:buClr>
+                <a:schemeClr val="accent1"/>
+              </a:buClr>
+              <a:buFont typeface="Calibri" pitchFamily="34" charset="0"/>
+              <a:buChar char="◦"/>
+              <a:defRPr sz="1400" kern="1200">
+                <a:solidFill>
+                  <a:schemeClr val="tx1">
+                    <a:lumMod val="75000"/>
+                    <a:lumOff val="25000"/>
+                  </a:schemeClr>
+                </a:solidFill>
+                <a:latin typeface="+mn-lt"/>
+                <a:ea typeface="+mn-ea"/>
+                <a:cs typeface="+mn-cs"/>
+              </a:defRPr>
+            </a:lvl6pPr>
+            <a:lvl7pPr marL="1300000" indent="-228600" algn="l" defTabSz="914400" rtl="0" eaLnBrk="1" latinLnBrk="0" hangingPunct="1">
+              <a:lnSpc>
+                <a:spcPct val="90000"/>
+              </a:lnSpc>
+              <a:spcBef>
+                <a:spcPts val="200"/>
+              </a:spcBef>
+              <a:spcAft>
+                <a:spcPts val="400"/>
+              </a:spcAft>
+              <a:buClr>
+                <a:schemeClr val="accent1"/>
+              </a:buClr>
+              <a:buFont typeface="Calibri" pitchFamily="34" charset="0"/>
+              <a:buChar char="◦"/>
+              <a:defRPr sz="1400" kern="1200">
+                <a:solidFill>
+                  <a:schemeClr val="tx1">
+                    <a:lumMod val="75000"/>
+                    <a:lumOff val="25000"/>
+                  </a:schemeClr>
+                </a:solidFill>
+                <a:latin typeface="+mn-lt"/>
+                <a:ea typeface="+mn-ea"/>
+                <a:cs typeface="+mn-cs"/>
+              </a:defRPr>
+            </a:lvl7pPr>
+            <a:lvl8pPr marL="1500000" indent="-228600" algn="l" defTabSz="914400" rtl="0" eaLnBrk="1" latinLnBrk="0" hangingPunct="1">
+              <a:lnSpc>
+                <a:spcPct val="90000"/>
+              </a:lnSpc>
+              <a:spcBef>
+                <a:spcPts val="200"/>
+              </a:spcBef>
+              <a:spcAft>
+                <a:spcPts val="400"/>
+              </a:spcAft>
+              <a:buClr>
+                <a:schemeClr val="accent1"/>
+              </a:buClr>
+              <a:buFont typeface="Calibri" pitchFamily="34" charset="0"/>
+              <a:buChar char="◦"/>
+              <a:defRPr sz="1400" kern="1200">
+                <a:solidFill>
+                  <a:schemeClr val="tx1">
+                    <a:lumMod val="75000"/>
+                    <a:lumOff val="25000"/>
+                  </a:schemeClr>
+                </a:solidFill>
+                <a:latin typeface="+mn-lt"/>
+                <a:ea typeface="+mn-ea"/>
+                <a:cs typeface="+mn-cs"/>
+              </a:defRPr>
+            </a:lvl8pPr>
+            <a:lvl9pPr marL="1700000" indent="-228600" algn="l" defTabSz="914400" rtl="0" eaLnBrk="1" latinLnBrk="0" hangingPunct="1">
+              <a:lnSpc>
+                <a:spcPct val="90000"/>
+              </a:lnSpc>
+              <a:spcBef>
+                <a:spcPts val="200"/>
+              </a:spcBef>
+              <a:spcAft>
+                <a:spcPts val="400"/>
+              </a:spcAft>
+              <a:buClr>
+                <a:schemeClr val="accent1"/>
+              </a:buClr>
+              <a:buFont typeface="Calibri" pitchFamily="34" charset="0"/>
+              <a:buChar char="◦"/>
+              <a:defRPr sz="1400" kern="1200">
+                <a:solidFill>
+                  <a:schemeClr val="tx1">
+                    <a:lumMod val="75000"/>
+                    <a:lumOff val="25000"/>
+                  </a:schemeClr>
+                </a:solidFill>
+                <a:latin typeface="+mn-lt"/>
+                <a:ea typeface="+mn-ea"/>
+                <a:cs typeface="+mn-cs"/>
+              </a:defRPr>
+            </a:lvl9pPr>
+          </a:lstStyle>
+          <a:p>
+            <a:pPr algn="just">
+              <a:buSzPct val="80000"/>
+            </a:pPr>
+            <a:r>
+              <a:rPr lang="en-US" sz="2400" dirty="0"/>
+              <a:t>Association rule mining</a:t>
+            </a:r>
+          </a:p>
+          <a:p>
+            <a:pPr marL="393192" lvl="1" indent="0" algn="just">
+              <a:buSzPct val="80000"/>
+              <a:buFont typeface="Calibri" pitchFamily="34" charset="0"/>
+              <a:buNone/>
+            </a:pPr>
+            <a:r>
+              <a:rPr lang="en-US" sz="2400" dirty="0"/>
+              <a:t>Finding frequent patterns, associations, correlations against a larger data set.</a:t>
+            </a:r>
+          </a:p>
+          <a:p>
+            <a:pPr marL="393192" lvl="1" indent="0" algn="just">
+              <a:buSzPct val="80000"/>
+              <a:buFont typeface="Calibri" pitchFamily="34" charset="0"/>
+              <a:buNone/>
+            </a:pPr>
+            <a:endParaRPr lang="en-US" sz="2400" dirty="0"/>
+          </a:p>
+          <a:p>
+            <a:pPr marL="342900" indent="-342900"/>
+            <a:r>
+              <a:rPr lang="en-US" sz="2400" dirty="0"/>
+              <a:t>Item set</a:t>
+            </a:r>
+          </a:p>
+          <a:p>
+            <a:pPr marL="742950" lvl="1" indent="-285750"/>
+            <a:r>
+              <a:rPr lang="en-US" sz="2400" dirty="0"/>
+              <a:t>A collection of one or more items</a:t>
+            </a:r>
+          </a:p>
+          <a:p>
+            <a:pPr marL="1143000" lvl="2"/>
+            <a:r>
+              <a:rPr lang="en-US" sz="2400" dirty="0"/>
+              <a:t>Example: {iPhone, charger}</a:t>
+            </a:r>
+          </a:p>
+          <a:p>
+            <a:pPr marL="742950" lvl="1" indent="-285750"/>
+            <a:r>
+              <a:rPr lang="en-US" sz="2400" dirty="0"/>
+              <a:t>k-item set</a:t>
+            </a:r>
+          </a:p>
+          <a:p>
+            <a:pPr marL="1143000" lvl="2"/>
+            <a:r>
+              <a:rPr lang="en-US" sz="2400" dirty="0"/>
+              <a:t>An item set that contains k items</a:t>
+            </a:r>
+            <a:endParaRPr lang="en-US" sz="2400" b="1" dirty="0"/>
+          </a:p>
+          <a:p>
+            <a:endParaRPr lang="en-US" sz="2400" dirty="0"/>
+          </a:p>
+        </p:txBody>
+      </p:sp>
+    </p:spTree>
+    <p:extLst>
+      <p:ext uri="{BB962C8B-B14F-4D97-AF65-F5344CB8AC3E}">
+        <p14:creationId xmlns:p14="http://schemas.microsoft.com/office/powerpoint/2010/main" val="3586365579"/>
+      </p:ext>
+    </p:extLst>
+  </p:cSld>
+  <p:clrMapOvr>
+    <a:masterClrMapping/>
+  </p:clrMapOvr>
+</p:sld>
+</file>
+
+<file path=ppt/slides/slide12.xml><?xml version="1.0" encoding="utf-8"?>
+<p:sld xmlns:a="http://schemas.openxmlformats.org/drawingml/2006/main" xmlns:r="http://schemas.openxmlformats.org/officeDocument/2006/relationships" xmlns:p="http://schemas.openxmlformats.org/presentationml/2006/main">
+  <p:cSld>
+    <p:spTree>
+      <p:nvGrpSpPr>
+        <p:cNvPr id="1" name=""/>
+        <p:cNvGrpSpPr/>
+        <p:nvPr/>
+      </p:nvGrpSpPr>
+      <p:grpSpPr>
+        <a:xfrm>
+          <a:off x="0" y="0"/>
+          <a:ext cx="0" cy="0"/>
+          <a:chOff x="0" y="0"/>
+          <a:chExt cx="0" cy="0"/>
+        </a:xfrm>
+      </p:grpSpPr>
+      <p:sp>
+        <p:nvSpPr>
+          <p:cNvPr id="2" name="Title 2"/>
+          <p:cNvSpPr txBox="1">
+            <a:spLocks/>
+          </p:cNvSpPr>
+          <p:nvPr/>
+        </p:nvSpPr>
+        <p:spPr>
+          <a:xfrm>
+            <a:off x="457200" y="274638"/>
+            <a:ext cx="8229600" cy="1143000"/>
+          </a:xfrm>
+          <a:prstGeom prst="rect">
+            <a:avLst/>
+          </a:prstGeom>
+        </p:spPr>
+        <p:txBody>
+          <a:bodyPr/>
+          <a:lstStyle>
+            <a:lvl1pPr algn="l" defTabSz="914400" rtl="0" eaLnBrk="1" latinLnBrk="0" hangingPunct="1">
+              <a:lnSpc>
+                <a:spcPct val="85000"/>
+              </a:lnSpc>
+              <a:spcBef>
+                <a:spcPct val="0"/>
+              </a:spcBef>
+              <a:buNone/>
+              <a:defRPr sz="4800" kern="1200" spc="-50" baseline="0">
+                <a:solidFill>
+                  <a:schemeClr val="tx1">
+                    <a:lumMod val="75000"/>
+                    <a:lumOff val="25000"/>
+                  </a:schemeClr>
+                </a:solidFill>
+                <a:latin typeface="+mj-lt"/>
+                <a:ea typeface="+mj-ea"/>
+                <a:cs typeface="+mj-cs"/>
+              </a:defRPr>
+            </a:lvl1pPr>
+          </a:lstStyle>
+          <a:p>
+            <a:r>
+              <a:rPr lang="en-US"/>
+              <a:t>Association Rule</a:t>
+            </a:r>
+            <a:endParaRPr lang="en-US" dirty="0"/>
+          </a:p>
+        </p:txBody>
+      </p:sp>
+      <p:sp>
+        <p:nvSpPr>
+          <p:cNvPr id="3" name="Content Placeholder 1"/>
+          <p:cNvSpPr txBox="1">
+            <a:spLocks/>
+          </p:cNvSpPr>
+          <p:nvPr/>
+        </p:nvSpPr>
+        <p:spPr>
+          <a:xfrm>
+            <a:off x="457200" y="1481328"/>
+            <a:ext cx="5029200" cy="4525963"/>
+          </a:xfrm>
+          <a:prstGeom prst="rect">
+            <a:avLst/>
+          </a:prstGeom>
+        </p:spPr>
+        <p:txBody>
+          <a:bodyPr/>
+          <a:lstStyle>
+            <a:lvl1pPr marL="91440" indent="-91440" algn="l" defTabSz="914400" rtl="0" eaLnBrk="1" latinLnBrk="0" hangingPunct="1">
+              <a:lnSpc>
+                <a:spcPct val="90000"/>
+              </a:lnSpc>
+              <a:spcBef>
+                <a:spcPts val="1200"/>
+              </a:spcBef>
+              <a:spcAft>
+                <a:spcPts val="200"/>
+              </a:spcAft>
+              <a:buClr>
+                <a:schemeClr val="accent1"/>
+              </a:buClr>
+              <a:buSzPct val="100000"/>
+              <a:buFont typeface="Calibri" panose="020F0502020204030204" pitchFamily="34" charset="0"/>
+              <a:buChar char=" "/>
+              <a:defRPr sz="2000" kern="1200">
+                <a:solidFill>
+                  <a:schemeClr val="tx1">
+                    <a:lumMod val="75000"/>
+                    <a:lumOff val="25000"/>
+                  </a:schemeClr>
+                </a:solidFill>
+                <a:latin typeface="+mn-lt"/>
+                <a:ea typeface="+mn-ea"/>
+                <a:cs typeface="+mn-cs"/>
+              </a:defRPr>
+            </a:lvl1pPr>
+            <a:lvl2pPr marL="384048" indent="-182880" algn="l" defTabSz="914400" rtl="0" eaLnBrk="1" latinLnBrk="0" hangingPunct="1">
+              <a:lnSpc>
+                <a:spcPct val="90000"/>
+              </a:lnSpc>
+              <a:spcBef>
+                <a:spcPts val="200"/>
+              </a:spcBef>
+              <a:spcAft>
+                <a:spcPts val="400"/>
+              </a:spcAft>
+              <a:buClr>
+                <a:schemeClr val="accent1"/>
+              </a:buClr>
+              <a:buFont typeface="Calibri" pitchFamily="34" charset="0"/>
+              <a:buChar char="◦"/>
+              <a:defRPr sz="1800" kern="1200">
+                <a:solidFill>
+                  <a:schemeClr val="tx1">
+                    <a:lumMod val="75000"/>
+                    <a:lumOff val="25000"/>
+                  </a:schemeClr>
+                </a:solidFill>
+                <a:latin typeface="+mn-lt"/>
+                <a:ea typeface="+mn-ea"/>
+                <a:cs typeface="+mn-cs"/>
+              </a:defRPr>
+            </a:lvl2pPr>
+            <a:lvl3pPr marL="566928" indent="-182880" algn="l" defTabSz="914400" rtl="0" eaLnBrk="1" latinLnBrk="0" hangingPunct="1">
+              <a:lnSpc>
+                <a:spcPct val="90000"/>
+              </a:lnSpc>
+              <a:spcBef>
+                <a:spcPts val="200"/>
+              </a:spcBef>
+              <a:spcAft>
+                <a:spcPts val="400"/>
+              </a:spcAft>
+              <a:buClr>
+                <a:schemeClr val="accent1"/>
+              </a:buClr>
+              <a:buFont typeface="Calibri" pitchFamily="34" charset="0"/>
+              <a:buChar char="◦"/>
+              <a:defRPr sz="1400" kern="1200">
+                <a:solidFill>
+                  <a:schemeClr val="tx1">
+                    <a:lumMod val="75000"/>
+                    <a:lumOff val="25000"/>
+                  </a:schemeClr>
+                </a:solidFill>
+                <a:latin typeface="+mn-lt"/>
+                <a:ea typeface="+mn-ea"/>
+                <a:cs typeface="+mn-cs"/>
+              </a:defRPr>
+            </a:lvl3pPr>
+            <a:lvl4pPr marL="749808" indent="-182880" algn="l" defTabSz="914400" rtl="0" eaLnBrk="1" latinLnBrk="0" hangingPunct="1">
+              <a:lnSpc>
+                <a:spcPct val="90000"/>
+              </a:lnSpc>
+              <a:spcBef>
+                <a:spcPts val="200"/>
+              </a:spcBef>
+              <a:spcAft>
+                <a:spcPts val="400"/>
+              </a:spcAft>
+              <a:buClr>
+                <a:schemeClr val="accent1"/>
+              </a:buClr>
+              <a:buFont typeface="Calibri" pitchFamily="34" charset="0"/>
+              <a:buChar char="◦"/>
+              <a:defRPr sz="1400" kern="1200">
+                <a:solidFill>
+                  <a:schemeClr val="tx1">
+                    <a:lumMod val="75000"/>
+                    <a:lumOff val="25000"/>
+                  </a:schemeClr>
+                </a:solidFill>
+                <a:latin typeface="+mn-lt"/>
+                <a:ea typeface="+mn-ea"/>
+                <a:cs typeface="+mn-cs"/>
+              </a:defRPr>
+            </a:lvl4pPr>
+            <a:lvl5pPr marL="932688" indent="-182880" algn="l" defTabSz="914400" rtl="0" eaLnBrk="1" latinLnBrk="0" hangingPunct="1">
+              <a:lnSpc>
+                <a:spcPct val="90000"/>
+              </a:lnSpc>
+              <a:spcBef>
+                <a:spcPts val="200"/>
+              </a:spcBef>
+              <a:spcAft>
+                <a:spcPts val="400"/>
+              </a:spcAft>
+              <a:buClr>
+                <a:schemeClr val="accent1"/>
+              </a:buClr>
+              <a:buFont typeface="Calibri" pitchFamily="34" charset="0"/>
+              <a:buChar char="◦"/>
+              <a:defRPr sz="1400" kern="1200">
+                <a:solidFill>
+                  <a:schemeClr val="tx1">
+                    <a:lumMod val="75000"/>
+                    <a:lumOff val="25000"/>
+                  </a:schemeClr>
+                </a:solidFill>
+                <a:latin typeface="+mn-lt"/>
+                <a:ea typeface="+mn-ea"/>
+                <a:cs typeface="+mn-cs"/>
+              </a:defRPr>
+            </a:lvl5pPr>
+            <a:lvl6pPr marL="1100000" indent="-228600" algn="l" defTabSz="914400" rtl="0" eaLnBrk="1" latinLnBrk="0" hangingPunct="1">
+              <a:lnSpc>
+                <a:spcPct val="90000"/>
+              </a:lnSpc>
+              <a:spcBef>
+                <a:spcPts val="200"/>
+              </a:spcBef>
+              <a:spcAft>
+                <a:spcPts val="400"/>
+              </a:spcAft>
+              <a:buClr>
+                <a:schemeClr val="accent1"/>
+              </a:buClr>
+              <a:buFont typeface="Calibri" pitchFamily="34" charset="0"/>
+              <a:buChar char="◦"/>
+              <a:defRPr sz="1400" kern="1200">
+                <a:solidFill>
+                  <a:schemeClr val="tx1">
+                    <a:lumMod val="75000"/>
+                    <a:lumOff val="25000"/>
+                  </a:schemeClr>
+                </a:solidFill>
+                <a:latin typeface="+mn-lt"/>
+                <a:ea typeface="+mn-ea"/>
+                <a:cs typeface="+mn-cs"/>
+              </a:defRPr>
+            </a:lvl6pPr>
+            <a:lvl7pPr marL="1300000" indent="-228600" algn="l" defTabSz="914400" rtl="0" eaLnBrk="1" latinLnBrk="0" hangingPunct="1">
+              <a:lnSpc>
+                <a:spcPct val="90000"/>
+              </a:lnSpc>
+              <a:spcBef>
+                <a:spcPts val="200"/>
+              </a:spcBef>
+              <a:spcAft>
+                <a:spcPts val="400"/>
+              </a:spcAft>
+              <a:buClr>
+                <a:schemeClr val="accent1"/>
+              </a:buClr>
+              <a:buFont typeface="Calibri" pitchFamily="34" charset="0"/>
+              <a:buChar char="◦"/>
+              <a:defRPr sz="1400" kern="1200">
+                <a:solidFill>
+                  <a:schemeClr val="tx1">
+                    <a:lumMod val="75000"/>
+                    <a:lumOff val="25000"/>
+                  </a:schemeClr>
+                </a:solidFill>
+                <a:latin typeface="+mn-lt"/>
+                <a:ea typeface="+mn-ea"/>
+                <a:cs typeface="+mn-cs"/>
+              </a:defRPr>
+            </a:lvl7pPr>
+            <a:lvl8pPr marL="1500000" indent="-228600" algn="l" defTabSz="914400" rtl="0" eaLnBrk="1" latinLnBrk="0" hangingPunct="1">
+              <a:lnSpc>
+                <a:spcPct val="90000"/>
+              </a:lnSpc>
+              <a:spcBef>
+                <a:spcPts val="200"/>
+              </a:spcBef>
+              <a:spcAft>
+                <a:spcPts val="400"/>
+              </a:spcAft>
+              <a:buClr>
+                <a:schemeClr val="accent1"/>
+              </a:buClr>
+              <a:buFont typeface="Calibri" pitchFamily="34" charset="0"/>
+              <a:buChar char="◦"/>
+              <a:defRPr sz="1400" kern="1200">
+                <a:solidFill>
+                  <a:schemeClr val="tx1">
+                    <a:lumMod val="75000"/>
+                    <a:lumOff val="25000"/>
+                  </a:schemeClr>
+                </a:solidFill>
+                <a:latin typeface="+mn-lt"/>
+                <a:ea typeface="+mn-ea"/>
+                <a:cs typeface="+mn-cs"/>
+              </a:defRPr>
+            </a:lvl8pPr>
+            <a:lvl9pPr marL="1700000" indent="-228600" algn="l" defTabSz="914400" rtl="0" eaLnBrk="1" latinLnBrk="0" hangingPunct="1">
+              <a:lnSpc>
+                <a:spcPct val="90000"/>
+              </a:lnSpc>
+              <a:spcBef>
+                <a:spcPts val="200"/>
+              </a:spcBef>
+              <a:spcAft>
+                <a:spcPts val="400"/>
+              </a:spcAft>
+              <a:buClr>
+                <a:schemeClr val="accent1"/>
+              </a:buClr>
+              <a:buFont typeface="Calibri" pitchFamily="34" charset="0"/>
+              <a:buChar char="◦"/>
+              <a:defRPr sz="1400" kern="1200">
+                <a:solidFill>
+                  <a:schemeClr val="tx1">
+                    <a:lumMod val="75000"/>
+                    <a:lumOff val="25000"/>
+                  </a:schemeClr>
+                </a:solidFill>
+                <a:latin typeface="+mn-lt"/>
+                <a:ea typeface="+mn-ea"/>
+                <a:cs typeface="+mn-cs"/>
+              </a:defRPr>
+            </a:lvl9pPr>
+          </a:lstStyle>
+          <a:p>
+            <a:pPr marL="342900" indent="-342900">
+              <a:spcBef>
+                <a:spcPct val="10000"/>
+              </a:spcBef>
+              <a:spcAft>
+                <a:spcPts val="400"/>
+              </a:spcAft>
+              <a:buClr>
+                <a:srgbClr val="0C7B9C"/>
+              </a:buClr>
+              <a:buSzPct val="75000"/>
+              <a:buFont typeface="Monotype Sorts" pitchFamily="2" charset="2"/>
+              <a:buChar char="l"/>
+            </a:pPr>
+            <a:r>
+              <a:rPr lang="en-US" sz="2400" dirty="0"/>
+              <a:t>Association Rule</a:t>
+            </a:r>
+          </a:p>
+          <a:p>
+            <a:pPr marL="342900" indent="-342900">
+              <a:spcBef>
+                <a:spcPct val="10000"/>
+              </a:spcBef>
+              <a:spcAft>
+                <a:spcPts val="400"/>
+              </a:spcAft>
+              <a:buClr>
+                <a:srgbClr val="0C7B9C"/>
+              </a:buClr>
+              <a:buSzPct val="75000"/>
+              <a:buFont typeface="Monotype Sorts" pitchFamily="2" charset="2"/>
+              <a:buChar char="l"/>
+            </a:pPr>
+            <a:endParaRPr lang="en-US" sz="2400" dirty="0"/>
+          </a:p>
+          <a:p>
+            <a:pPr marL="457200" lvl="1" indent="0" algn="ctr">
+              <a:spcBef>
+                <a:spcPct val="10000"/>
+              </a:spcBef>
+              <a:buClr>
+                <a:srgbClr val="0C7B9C"/>
+              </a:buClr>
+              <a:buSzPct val="100000"/>
+              <a:buNone/>
+            </a:pPr>
+            <a:r>
+              <a:rPr lang="en-US" sz="2400" dirty="0"/>
+              <a:t>X </a:t>
+            </a:r>
+            <a:r>
+              <a:rPr lang="en-US" sz="2400" dirty="0">
+                <a:sym typeface="Symbol" pitchFamily="18" charset="2"/>
+              </a:rPr>
+              <a:t> Y </a:t>
+            </a:r>
+          </a:p>
+          <a:p>
+            <a:pPr marL="457200" lvl="1" indent="0">
+              <a:spcBef>
+                <a:spcPct val="10000"/>
+              </a:spcBef>
+              <a:buClr>
+                <a:srgbClr val="0C7B9C"/>
+              </a:buClr>
+              <a:buSzPct val="100000"/>
+              <a:buNone/>
+            </a:pPr>
+            <a:r>
+              <a:rPr lang="en-US" sz="2400" dirty="0">
+                <a:sym typeface="Symbol" pitchFamily="18" charset="2"/>
+              </a:rPr>
+              <a:t>X and Y are item sets</a:t>
+            </a:r>
+          </a:p>
+          <a:p>
+            <a:pPr marL="457200" lvl="1" indent="0">
+              <a:spcBef>
+                <a:spcPct val="10000"/>
+              </a:spcBef>
+              <a:buClr>
+                <a:srgbClr val="0C7B9C"/>
+              </a:buClr>
+              <a:buSzPct val="100000"/>
+              <a:buNone/>
+            </a:pPr>
+            <a:endParaRPr lang="en-US" sz="2400" dirty="0">
+              <a:sym typeface="Symbol" pitchFamily="18" charset="2"/>
+            </a:endParaRPr>
+          </a:p>
+          <a:p>
+            <a:pPr marL="342900" indent="-342900">
+              <a:spcBef>
+                <a:spcPct val="10000"/>
+              </a:spcBef>
+              <a:spcAft>
+                <a:spcPts val="400"/>
+              </a:spcAft>
+              <a:buClr>
+                <a:srgbClr val="0C7B9C"/>
+              </a:buClr>
+              <a:buSzPct val="75000"/>
+              <a:buFont typeface="Monotype Sorts" pitchFamily="2" charset="2"/>
+              <a:buChar char="l"/>
+            </a:pPr>
+            <a:r>
+              <a:rPr lang="en-US" sz="2400" dirty="0"/>
+              <a:t>Rule Evaluation Metrics</a:t>
+            </a:r>
+          </a:p>
+          <a:p>
+            <a:pPr marL="342900" indent="-342900">
+              <a:spcBef>
+                <a:spcPct val="10000"/>
+              </a:spcBef>
+              <a:spcAft>
+                <a:spcPts val="400"/>
+              </a:spcAft>
+              <a:buClr>
+                <a:srgbClr val="0C7B9C"/>
+              </a:buClr>
+              <a:buSzPct val="75000"/>
+              <a:buFont typeface="Monotype Sorts" pitchFamily="2" charset="2"/>
+              <a:buChar char="l"/>
+            </a:pPr>
+            <a:endParaRPr lang="en-US" sz="2400" dirty="0"/>
+          </a:p>
+          <a:p>
+            <a:r>
+              <a:rPr lang="en-US" sz="2400" dirty="0"/>
+              <a:t>Support   	= frq(X,Y)/N</a:t>
+            </a:r>
+          </a:p>
+          <a:p>
+            <a:pPr marL="457200" lvl="1" indent="0">
+              <a:spcBef>
+                <a:spcPct val="10000"/>
+              </a:spcBef>
+              <a:buClr>
+                <a:srgbClr val="0C7B9C"/>
+              </a:buClr>
+              <a:buSzPct val="100000"/>
+              <a:buNone/>
+            </a:pPr>
+            <a:endParaRPr lang="en-US" sz="2400" dirty="0"/>
+          </a:p>
+          <a:p>
+            <a:r>
+              <a:rPr lang="en-US" sz="2400" dirty="0"/>
+              <a:t>Confidence 	= frq(X,Y)/frq(X)</a:t>
+            </a:r>
+          </a:p>
+          <a:p>
+            <a:endParaRPr lang="en-US" sz="2400" dirty="0"/>
+          </a:p>
+        </p:txBody>
+      </p:sp>
+    </p:spTree>
+    <p:extLst>
+      <p:ext uri="{BB962C8B-B14F-4D97-AF65-F5344CB8AC3E}">
+        <p14:creationId xmlns:p14="http://schemas.microsoft.com/office/powerpoint/2010/main" val="3351198805"/>
+      </p:ext>
+    </p:extLst>
+  </p:cSld>
+  <p:clrMapOvr>
+    <a:masterClrMapping/>
+  </p:clrMapOvr>
+</p:sld>
+</file>
+
+<file path=ppt/slides/slide13.xml><?xml version="1.0" encoding="utf-8"?>
+<p:sld xmlns:a="http://schemas.openxmlformats.org/drawingml/2006/main" xmlns:r="http://schemas.openxmlformats.org/officeDocument/2006/relationships" xmlns:p="http://schemas.openxmlformats.org/presentationml/2006/main">
+  <p:cSld>
+    <p:spTree>
+      <p:nvGrpSpPr>
+        <p:cNvPr id="1" name=""/>
+        <p:cNvGrpSpPr/>
+        <p:nvPr/>
+      </p:nvGrpSpPr>
+      <p:grpSpPr>
+        <a:xfrm>
+          <a:off x="0" y="0"/>
+          <a:ext cx="0" cy="0"/>
+          <a:chOff x="0" y="0"/>
+          <a:chExt cx="0" cy="0"/>
+        </a:xfrm>
+      </p:grpSpPr>
+      <p:sp>
+        <p:nvSpPr>
+          <p:cNvPr id="2" name="TextBox 1"/>
+          <p:cNvSpPr txBox="1"/>
+          <p:nvPr/>
+        </p:nvSpPr>
+        <p:spPr>
+          <a:xfrm>
+            <a:off x="705853" y="368968"/>
+            <a:ext cx="7956884" cy="584775"/>
+          </a:xfrm>
+          <a:prstGeom prst="rect">
+            <a:avLst/>
+          </a:prstGeom>
+          <a:noFill/>
+        </p:spPr>
+        <p:txBody>
+          <a:bodyPr wrap="square" rtlCol="0">
+            <a:spAutoFit/>
+          </a:bodyPr>
+          <a:lstStyle/>
+          <a:p>
+            <a:r>
+              <a:rPr lang="en-US" sz="3200" dirty="0"/>
+              <a:t>Bootstrapping algorithm</a:t>
+            </a:r>
+          </a:p>
+        </p:txBody>
+      </p:sp>
+      <p:sp>
+        <p:nvSpPr>
+          <p:cNvPr id="3" name="TextBox 2"/>
+          <p:cNvSpPr txBox="1"/>
+          <p:nvPr/>
+        </p:nvSpPr>
+        <p:spPr>
+          <a:xfrm>
+            <a:off x="850232" y="1475874"/>
+            <a:ext cx="9673389" cy="3539430"/>
+          </a:xfrm>
+          <a:prstGeom prst="rect">
+            <a:avLst/>
+          </a:prstGeom>
+          <a:noFill/>
+        </p:spPr>
+        <p:txBody>
+          <a:bodyPr wrap="square" rtlCol="0">
+            <a:spAutoFit/>
+          </a:bodyPr>
+          <a:lstStyle/>
+          <a:p>
+            <a:r>
+              <a:rPr lang="en-US" sz="3200" dirty="0">
+                <a:solidFill>
+                  <a:schemeClr val="tx1">
+                    <a:lumMod val="75000"/>
+                    <a:lumOff val="25000"/>
+                  </a:schemeClr>
+                </a:solidFill>
+              </a:rPr>
+              <a:t>Not an algorithm as such, it’s a process</a:t>
+            </a:r>
+          </a:p>
+          <a:p>
+            <a:endParaRPr lang="en-US" sz="3200" dirty="0">
+              <a:solidFill>
+                <a:schemeClr val="tx1">
+                  <a:lumMod val="75000"/>
+                  <a:lumOff val="25000"/>
+                </a:schemeClr>
+              </a:solidFill>
+            </a:endParaRPr>
+          </a:p>
+          <a:p>
+            <a:r>
+              <a:rPr lang="en-US" sz="3200" dirty="0">
+                <a:solidFill>
+                  <a:schemeClr val="tx1">
+                    <a:lumMod val="75000"/>
+                    <a:lumOff val="25000"/>
+                  </a:schemeClr>
+                </a:solidFill>
+              </a:rPr>
+              <a:t>Two main key steps</a:t>
+            </a:r>
+          </a:p>
+          <a:p>
+            <a:endParaRPr lang="en-US" sz="3200" dirty="0">
+              <a:solidFill>
+                <a:schemeClr val="tx1">
+                  <a:lumMod val="75000"/>
+                  <a:lumOff val="25000"/>
+                </a:schemeClr>
+              </a:solidFill>
+            </a:endParaRPr>
+          </a:p>
+          <a:p>
+            <a:pPr marL="285750" indent="-285750">
+              <a:buFont typeface="Wingdings" panose="05000000000000000000" pitchFamily="2" charset="2"/>
+              <a:buChar char="q"/>
+            </a:pPr>
+            <a:r>
+              <a:rPr lang="en-US" sz="3200" dirty="0">
+                <a:solidFill>
+                  <a:schemeClr val="tx1">
+                    <a:lumMod val="75000"/>
+                    <a:lumOff val="25000"/>
+                  </a:schemeClr>
+                </a:solidFill>
+              </a:rPr>
+              <a:t>Pattern generation</a:t>
+            </a:r>
+          </a:p>
+          <a:p>
+            <a:pPr marL="285750" indent="-285750">
+              <a:buFont typeface="Wingdings" panose="05000000000000000000" pitchFamily="2" charset="2"/>
+              <a:buChar char="q"/>
+            </a:pPr>
+            <a:r>
+              <a:rPr lang="en-US" sz="3200" dirty="0">
+                <a:solidFill>
+                  <a:schemeClr val="tx1">
+                    <a:lumMod val="75000"/>
+                    <a:lumOff val="25000"/>
+                  </a:schemeClr>
+                </a:solidFill>
+              </a:rPr>
+              <a:t>Pattern evaluation</a:t>
+            </a:r>
+          </a:p>
+          <a:p>
+            <a:endParaRPr lang="en-US" sz="3200" dirty="0"/>
+          </a:p>
+        </p:txBody>
+      </p:sp>
+    </p:spTree>
+    <p:extLst>
+      <p:ext uri="{BB962C8B-B14F-4D97-AF65-F5344CB8AC3E}">
+        <p14:creationId xmlns:p14="http://schemas.microsoft.com/office/powerpoint/2010/main" val="3038310755"/>
+      </p:ext>
+    </p:extLst>
+  </p:cSld>
+  <p:clrMapOvr>
+    <a:masterClrMapping/>
+  </p:clrMapOvr>
+</p:sld>
+</file>
+
+<file path=ppt/slides/slide14.xml><?xml version="1.0" encoding="utf-8"?>
+<p:sld xmlns:a="http://schemas.openxmlformats.org/drawingml/2006/main" xmlns:r="http://schemas.openxmlformats.org/officeDocument/2006/relationships" xmlns:p="http://schemas.openxmlformats.org/presentationml/2006/main">
+  <p:cSld>
+    <p:spTree>
+      <p:nvGrpSpPr>
+        <p:cNvPr id="1" name=""/>
+        <p:cNvGrpSpPr/>
+        <p:nvPr/>
+      </p:nvGrpSpPr>
+      <p:grpSpPr>
+        <a:xfrm>
+          <a:off x="0" y="0"/>
+          <a:ext cx="0" cy="0"/>
+          <a:chOff x="0" y="0"/>
+          <a:chExt cx="0" cy="0"/>
+        </a:xfrm>
+      </p:grpSpPr>
+      <p:sp>
+        <p:nvSpPr>
+          <p:cNvPr id="2" name="TextBox 1"/>
+          <p:cNvSpPr txBox="1"/>
+          <p:nvPr/>
+        </p:nvSpPr>
+        <p:spPr>
+          <a:xfrm>
+            <a:off x="946484" y="850232"/>
+            <a:ext cx="9962148" cy="5262979"/>
+          </a:xfrm>
+          <a:prstGeom prst="rect">
+            <a:avLst/>
+          </a:prstGeom>
+          <a:noFill/>
+        </p:spPr>
+        <p:txBody>
+          <a:bodyPr wrap="square" rtlCol="0">
+            <a:spAutoFit/>
+          </a:bodyPr>
+          <a:lstStyle/>
+          <a:p>
+            <a:r>
+              <a:rPr lang="en-US" sz="2400" b="1" dirty="0"/>
+              <a:t>Lexical patterns:</a:t>
+            </a:r>
+            <a:r>
+              <a:rPr lang="en-US" sz="2400" dirty="0"/>
+              <a:t> These patterns indicate sequential patterns consisting of only words and symbols ($C, #start, and #end).</a:t>
+            </a:r>
+          </a:p>
+          <a:p>
+            <a:r>
+              <a:rPr lang="en-US" sz="2400" dirty="0"/>
+              <a:t>Example: Which is better, Omaha or Lincoln?</a:t>
+            </a:r>
+          </a:p>
+          <a:p>
+            <a:r>
+              <a:rPr lang="en-US" sz="2400" dirty="0"/>
+              <a:t> </a:t>
+            </a:r>
+          </a:p>
+          <a:p>
+            <a:r>
+              <a:rPr lang="en-US" sz="2400" b="1" dirty="0"/>
+              <a:t>Generalized patterns:</a:t>
+            </a:r>
+            <a:r>
+              <a:rPr lang="en-US" sz="2400" dirty="0"/>
+              <a:t> A lexical pattern is too specific for matching. Lexical patterns are generalized by replacing one or more words with their POS tags. </a:t>
+            </a:r>
+          </a:p>
+          <a:p>
+            <a:r>
+              <a:rPr lang="en-US" sz="2400" dirty="0"/>
+              <a:t>Example: Which city is better, Omaha or Lincoln?</a:t>
+            </a:r>
+          </a:p>
+          <a:p>
+            <a:r>
+              <a:rPr lang="en-US" sz="2400" dirty="0"/>
+              <a:t> </a:t>
+            </a:r>
+          </a:p>
+          <a:p>
+            <a:r>
+              <a:rPr lang="en-US" sz="2400" b="1" dirty="0"/>
+              <a:t>Specialized patterns:</a:t>
+            </a:r>
+            <a:r>
+              <a:rPr lang="en-US" sz="2400" dirty="0"/>
+              <a:t> Pattern specialization by adding POS tags to all comparator slots.</a:t>
+            </a:r>
+          </a:p>
+          <a:p>
+            <a:r>
+              <a:rPr lang="en-US" sz="2400" dirty="0"/>
+              <a:t> For example, from the lexical pattern “&lt;$C or $C&gt;” and the question “Omaha or Lincoln?”, “&lt;$C=NN or $C=NN?&gt;” will be produced as a specialized pattern.</a:t>
+            </a:r>
+          </a:p>
+          <a:p>
+            <a:r>
+              <a:rPr lang="en-US" sz="2400" dirty="0"/>
+              <a:t>Example: Omaha or Lincoln?</a:t>
+            </a:r>
+          </a:p>
+          <a:p>
+            <a:endParaRPr lang="en-US" sz="2400" dirty="0"/>
+          </a:p>
+        </p:txBody>
+      </p:sp>
+    </p:spTree>
+    <p:extLst>
+      <p:ext uri="{BB962C8B-B14F-4D97-AF65-F5344CB8AC3E}">
+        <p14:creationId xmlns:p14="http://schemas.microsoft.com/office/powerpoint/2010/main" val="2110153769"/>
+      </p:ext>
+    </p:extLst>
+  </p:cSld>
+  <p:clrMapOvr>
+    <a:masterClrMapping/>
+  </p:clrMapOvr>
+</p:sld>
+</file>
+
+<file path=ppt/slides/slide15.xml><?xml version="1.0" encoding="utf-8"?>
+<p:sld xmlns:a="http://schemas.openxmlformats.org/drawingml/2006/main" xmlns:r="http://schemas.openxmlformats.org/officeDocument/2006/relationships" xmlns:p="http://schemas.openxmlformats.org/presentationml/2006/main">
+  <p:cSld>
+    <p:spTree>
+      <p:nvGrpSpPr>
+        <p:cNvPr id="1" name=""/>
+        <p:cNvGrpSpPr/>
+        <p:nvPr/>
+      </p:nvGrpSpPr>
+      <p:grpSpPr>
+        <a:xfrm>
+          <a:off x="0" y="0"/>
+          <a:ext cx="0" cy="0"/>
+          <a:chOff x="0" y="0"/>
+          <a:chExt cx="0" cy="0"/>
+        </a:xfrm>
+      </p:grpSpPr>
+      <p:pic>
+        <p:nvPicPr>
+          <p:cNvPr id="2" name="Picture 1"/>
+          <p:cNvPicPr/>
+          <p:nvPr/>
+        </p:nvPicPr>
+        <p:blipFill>
+          <a:blip r:embed="rId2"/>
+          <a:stretch>
+            <a:fillRect/>
+          </a:stretch>
+        </p:blipFill>
+        <p:spPr>
+          <a:xfrm>
+            <a:off x="2935706" y="2358189"/>
+            <a:ext cx="4469982" cy="1636295"/>
+          </a:xfrm>
+          <a:prstGeom prst="rect">
+            <a:avLst/>
+          </a:prstGeom>
+        </p:spPr>
+      </p:pic>
+      <p:sp>
+        <p:nvSpPr>
+          <p:cNvPr id="3" name="TextBox 2"/>
+          <p:cNvSpPr txBox="1"/>
+          <p:nvPr/>
+        </p:nvSpPr>
+        <p:spPr>
+          <a:xfrm>
+            <a:off x="866274" y="577516"/>
+            <a:ext cx="5855368" cy="646331"/>
+          </a:xfrm>
+          <a:prstGeom prst="rect">
+            <a:avLst/>
+          </a:prstGeom>
+          <a:noFill/>
+        </p:spPr>
+        <p:txBody>
+          <a:bodyPr wrap="square" rtlCol="0">
+            <a:spAutoFit/>
+          </a:bodyPr>
+          <a:lstStyle/>
+          <a:p>
+            <a:r>
+              <a:rPr lang="en-US" sz="3600" dirty="0"/>
+              <a:t>Pattern Evaluation</a:t>
+            </a:r>
+          </a:p>
+        </p:txBody>
+      </p:sp>
+    </p:spTree>
+    <p:extLst>
+      <p:ext uri="{BB962C8B-B14F-4D97-AF65-F5344CB8AC3E}">
+        <p14:creationId xmlns:p14="http://schemas.microsoft.com/office/powerpoint/2010/main" val="1103255108"/>
+      </p:ext>
+    </p:extLst>
+  </p:cSld>
+  <p:clrMapOvr>
+    <a:masterClrMapping/>
+  </p:clrMapOvr>
+</p:sld>
+</file>
+
+<file path=ppt/slides/slide16.xml><?xml version="1.0" encoding="utf-8"?>
 <p:sld xmlns:a="http://schemas.openxmlformats.org/drawingml/2006/main" xmlns:r="http://schemas.openxmlformats.org/officeDocument/2006/relationships" xmlns:p="http://schemas.openxmlformats.org/presentationml/2006/main">
   <p:cSld>
     <p:spTree>
@@ -4062,6 +5833,579 @@
     <p:extLst>
       <p:ext uri="{BB962C8B-B14F-4D97-AF65-F5344CB8AC3E}">
         <p14:creationId xmlns:p14="http://schemas.microsoft.com/office/powerpoint/2010/main" val="4081756684"/>
+      </p:ext>
+    </p:extLst>
+  </p:cSld>
+  <p:clrMapOvr>
+    <a:masterClrMapping/>
+  </p:clrMapOvr>
+</p:sld>
+</file>
+
+<file path=ppt/slides/slide17.xml><?xml version="1.0" encoding="utf-8"?>
+<p:sld xmlns:a="http://schemas.openxmlformats.org/drawingml/2006/main" xmlns:r="http://schemas.openxmlformats.org/officeDocument/2006/relationships" xmlns:p="http://schemas.openxmlformats.org/presentationml/2006/main">
+  <p:cSld>
+    <p:spTree>
+      <p:nvGrpSpPr>
+        <p:cNvPr id="1" name=""/>
+        <p:cNvGrpSpPr/>
+        <p:nvPr/>
+      </p:nvGrpSpPr>
+      <p:grpSpPr>
+        <a:xfrm>
+          <a:off x="0" y="0"/>
+          <a:ext cx="0" cy="0"/>
+          <a:chOff x="0" y="0"/>
+          <a:chExt cx="0" cy="0"/>
+        </a:xfrm>
+      </p:grpSpPr>
+      <p:sp>
+        <p:nvSpPr>
+          <p:cNvPr id="2" name="Title 2"/>
+          <p:cNvSpPr txBox="1">
+            <a:spLocks/>
+          </p:cNvSpPr>
+          <p:nvPr/>
+        </p:nvSpPr>
+        <p:spPr>
+          <a:xfrm>
+            <a:off x="457200" y="595478"/>
+            <a:ext cx="8229600" cy="1143000"/>
+          </a:xfrm>
+          <a:prstGeom prst="rect">
+            <a:avLst/>
+          </a:prstGeom>
+        </p:spPr>
+        <p:txBody>
+          <a:bodyPr/>
+          <a:lstStyle>
+            <a:lvl1pPr algn="l" defTabSz="914400" rtl="0" eaLnBrk="1" latinLnBrk="0" hangingPunct="1">
+              <a:lnSpc>
+                <a:spcPct val="85000"/>
+              </a:lnSpc>
+              <a:spcBef>
+                <a:spcPct val="0"/>
+              </a:spcBef>
+              <a:buNone/>
+              <a:defRPr sz="4800" kern="1200" spc="-50" baseline="0">
+                <a:solidFill>
+                  <a:schemeClr val="tx1">
+                    <a:lumMod val="75000"/>
+                    <a:lumOff val="25000"/>
+                  </a:schemeClr>
+                </a:solidFill>
+                <a:latin typeface="+mj-lt"/>
+                <a:ea typeface="+mj-ea"/>
+                <a:cs typeface="+mj-cs"/>
+              </a:defRPr>
+            </a:lvl1pPr>
+          </a:lstStyle>
+          <a:p>
+            <a:r>
+              <a:rPr lang="en-US" dirty="0"/>
+              <a:t>Development Environment</a:t>
+            </a:r>
+          </a:p>
+        </p:txBody>
+      </p:sp>
+      <p:sp>
+        <p:nvSpPr>
+          <p:cNvPr id="3" name="Content Placeholder 1"/>
+          <p:cNvSpPr txBox="1">
+            <a:spLocks/>
+          </p:cNvSpPr>
+          <p:nvPr/>
+        </p:nvSpPr>
+        <p:spPr>
+          <a:xfrm>
+            <a:off x="457200" y="1481328"/>
+            <a:ext cx="8229600" cy="4525963"/>
+          </a:xfrm>
+          <a:prstGeom prst="rect">
+            <a:avLst/>
+          </a:prstGeom>
+        </p:spPr>
+        <p:txBody>
+          <a:bodyPr>
+            <a:normAutofit/>
+          </a:bodyPr>
+          <a:lstStyle>
+            <a:lvl1pPr marL="91440" indent="-91440" algn="l" defTabSz="914400" rtl="0" eaLnBrk="1" latinLnBrk="0" hangingPunct="1">
+              <a:lnSpc>
+                <a:spcPct val="90000"/>
+              </a:lnSpc>
+              <a:spcBef>
+                <a:spcPts val="1200"/>
+              </a:spcBef>
+              <a:spcAft>
+                <a:spcPts val="200"/>
+              </a:spcAft>
+              <a:buClr>
+                <a:schemeClr val="accent1"/>
+              </a:buClr>
+              <a:buSzPct val="100000"/>
+              <a:buFont typeface="Calibri" panose="020F0502020204030204" pitchFamily="34" charset="0"/>
+              <a:buChar char=" "/>
+              <a:defRPr sz="2000" kern="1200">
+                <a:solidFill>
+                  <a:schemeClr val="tx1">
+                    <a:lumMod val="75000"/>
+                    <a:lumOff val="25000"/>
+                  </a:schemeClr>
+                </a:solidFill>
+                <a:latin typeface="+mn-lt"/>
+                <a:ea typeface="+mn-ea"/>
+                <a:cs typeface="+mn-cs"/>
+              </a:defRPr>
+            </a:lvl1pPr>
+            <a:lvl2pPr marL="384048" indent="-182880" algn="l" defTabSz="914400" rtl="0" eaLnBrk="1" latinLnBrk="0" hangingPunct="1">
+              <a:lnSpc>
+                <a:spcPct val="90000"/>
+              </a:lnSpc>
+              <a:spcBef>
+                <a:spcPts val="200"/>
+              </a:spcBef>
+              <a:spcAft>
+                <a:spcPts val="400"/>
+              </a:spcAft>
+              <a:buClr>
+                <a:schemeClr val="accent1"/>
+              </a:buClr>
+              <a:buFont typeface="Calibri" pitchFamily="34" charset="0"/>
+              <a:buChar char="◦"/>
+              <a:defRPr sz="1800" kern="1200">
+                <a:solidFill>
+                  <a:schemeClr val="tx1">
+                    <a:lumMod val="75000"/>
+                    <a:lumOff val="25000"/>
+                  </a:schemeClr>
+                </a:solidFill>
+                <a:latin typeface="+mn-lt"/>
+                <a:ea typeface="+mn-ea"/>
+                <a:cs typeface="+mn-cs"/>
+              </a:defRPr>
+            </a:lvl2pPr>
+            <a:lvl3pPr marL="566928" indent="-182880" algn="l" defTabSz="914400" rtl="0" eaLnBrk="1" latinLnBrk="0" hangingPunct="1">
+              <a:lnSpc>
+                <a:spcPct val="90000"/>
+              </a:lnSpc>
+              <a:spcBef>
+                <a:spcPts val="200"/>
+              </a:spcBef>
+              <a:spcAft>
+                <a:spcPts val="400"/>
+              </a:spcAft>
+              <a:buClr>
+                <a:schemeClr val="accent1"/>
+              </a:buClr>
+              <a:buFont typeface="Calibri" pitchFamily="34" charset="0"/>
+              <a:buChar char="◦"/>
+              <a:defRPr sz="1400" kern="1200">
+                <a:solidFill>
+                  <a:schemeClr val="tx1">
+                    <a:lumMod val="75000"/>
+                    <a:lumOff val="25000"/>
+                  </a:schemeClr>
+                </a:solidFill>
+                <a:latin typeface="+mn-lt"/>
+                <a:ea typeface="+mn-ea"/>
+                <a:cs typeface="+mn-cs"/>
+              </a:defRPr>
+            </a:lvl3pPr>
+            <a:lvl4pPr marL="749808" indent="-182880" algn="l" defTabSz="914400" rtl="0" eaLnBrk="1" latinLnBrk="0" hangingPunct="1">
+              <a:lnSpc>
+                <a:spcPct val="90000"/>
+              </a:lnSpc>
+              <a:spcBef>
+                <a:spcPts val="200"/>
+              </a:spcBef>
+              <a:spcAft>
+                <a:spcPts val="400"/>
+              </a:spcAft>
+              <a:buClr>
+                <a:schemeClr val="accent1"/>
+              </a:buClr>
+              <a:buFont typeface="Calibri" pitchFamily="34" charset="0"/>
+              <a:buChar char="◦"/>
+              <a:defRPr sz="1400" kern="1200">
+                <a:solidFill>
+                  <a:schemeClr val="tx1">
+                    <a:lumMod val="75000"/>
+                    <a:lumOff val="25000"/>
+                  </a:schemeClr>
+                </a:solidFill>
+                <a:latin typeface="+mn-lt"/>
+                <a:ea typeface="+mn-ea"/>
+                <a:cs typeface="+mn-cs"/>
+              </a:defRPr>
+            </a:lvl4pPr>
+            <a:lvl5pPr marL="932688" indent="-182880" algn="l" defTabSz="914400" rtl="0" eaLnBrk="1" latinLnBrk="0" hangingPunct="1">
+              <a:lnSpc>
+                <a:spcPct val="90000"/>
+              </a:lnSpc>
+              <a:spcBef>
+                <a:spcPts val="200"/>
+              </a:spcBef>
+              <a:spcAft>
+                <a:spcPts val="400"/>
+              </a:spcAft>
+              <a:buClr>
+                <a:schemeClr val="accent1"/>
+              </a:buClr>
+              <a:buFont typeface="Calibri" pitchFamily="34" charset="0"/>
+              <a:buChar char="◦"/>
+              <a:defRPr sz="1400" kern="1200">
+                <a:solidFill>
+                  <a:schemeClr val="tx1">
+                    <a:lumMod val="75000"/>
+                    <a:lumOff val="25000"/>
+                  </a:schemeClr>
+                </a:solidFill>
+                <a:latin typeface="+mn-lt"/>
+                <a:ea typeface="+mn-ea"/>
+                <a:cs typeface="+mn-cs"/>
+              </a:defRPr>
+            </a:lvl5pPr>
+            <a:lvl6pPr marL="1100000" indent="-228600" algn="l" defTabSz="914400" rtl="0" eaLnBrk="1" latinLnBrk="0" hangingPunct="1">
+              <a:lnSpc>
+                <a:spcPct val="90000"/>
+              </a:lnSpc>
+              <a:spcBef>
+                <a:spcPts val="200"/>
+              </a:spcBef>
+              <a:spcAft>
+                <a:spcPts val="400"/>
+              </a:spcAft>
+              <a:buClr>
+                <a:schemeClr val="accent1"/>
+              </a:buClr>
+              <a:buFont typeface="Calibri" pitchFamily="34" charset="0"/>
+              <a:buChar char="◦"/>
+              <a:defRPr sz="1400" kern="1200">
+                <a:solidFill>
+                  <a:schemeClr val="tx1">
+                    <a:lumMod val="75000"/>
+                    <a:lumOff val="25000"/>
+                  </a:schemeClr>
+                </a:solidFill>
+                <a:latin typeface="+mn-lt"/>
+                <a:ea typeface="+mn-ea"/>
+                <a:cs typeface="+mn-cs"/>
+              </a:defRPr>
+            </a:lvl6pPr>
+            <a:lvl7pPr marL="1300000" indent="-228600" algn="l" defTabSz="914400" rtl="0" eaLnBrk="1" latinLnBrk="0" hangingPunct="1">
+              <a:lnSpc>
+                <a:spcPct val="90000"/>
+              </a:lnSpc>
+              <a:spcBef>
+                <a:spcPts val="200"/>
+              </a:spcBef>
+              <a:spcAft>
+                <a:spcPts val="400"/>
+              </a:spcAft>
+              <a:buClr>
+                <a:schemeClr val="accent1"/>
+              </a:buClr>
+              <a:buFont typeface="Calibri" pitchFamily="34" charset="0"/>
+              <a:buChar char="◦"/>
+              <a:defRPr sz="1400" kern="1200">
+                <a:solidFill>
+                  <a:schemeClr val="tx1">
+                    <a:lumMod val="75000"/>
+                    <a:lumOff val="25000"/>
+                  </a:schemeClr>
+                </a:solidFill>
+                <a:latin typeface="+mn-lt"/>
+                <a:ea typeface="+mn-ea"/>
+                <a:cs typeface="+mn-cs"/>
+              </a:defRPr>
+            </a:lvl7pPr>
+            <a:lvl8pPr marL="1500000" indent="-228600" algn="l" defTabSz="914400" rtl="0" eaLnBrk="1" latinLnBrk="0" hangingPunct="1">
+              <a:lnSpc>
+                <a:spcPct val="90000"/>
+              </a:lnSpc>
+              <a:spcBef>
+                <a:spcPts val="200"/>
+              </a:spcBef>
+              <a:spcAft>
+                <a:spcPts val="400"/>
+              </a:spcAft>
+              <a:buClr>
+                <a:schemeClr val="accent1"/>
+              </a:buClr>
+              <a:buFont typeface="Calibri" pitchFamily="34" charset="0"/>
+              <a:buChar char="◦"/>
+              <a:defRPr sz="1400" kern="1200">
+                <a:solidFill>
+                  <a:schemeClr val="tx1">
+                    <a:lumMod val="75000"/>
+                    <a:lumOff val="25000"/>
+                  </a:schemeClr>
+                </a:solidFill>
+                <a:latin typeface="+mn-lt"/>
+                <a:ea typeface="+mn-ea"/>
+                <a:cs typeface="+mn-cs"/>
+              </a:defRPr>
+            </a:lvl8pPr>
+            <a:lvl9pPr marL="1700000" indent="-228600" algn="l" defTabSz="914400" rtl="0" eaLnBrk="1" latinLnBrk="0" hangingPunct="1">
+              <a:lnSpc>
+                <a:spcPct val="90000"/>
+              </a:lnSpc>
+              <a:spcBef>
+                <a:spcPts val="200"/>
+              </a:spcBef>
+              <a:spcAft>
+                <a:spcPts val="400"/>
+              </a:spcAft>
+              <a:buClr>
+                <a:schemeClr val="accent1"/>
+              </a:buClr>
+              <a:buFont typeface="Calibri" pitchFamily="34" charset="0"/>
+              <a:buChar char="◦"/>
+              <a:defRPr sz="1400" kern="1200">
+                <a:solidFill>
+                  <a:schemeClr val="tx1">
+                    <a:lumMod val="75000"/>
+                    <a:lumOff val="25000"/>
+                  </a:schemeClr>
+                </a:solidFill>
+                <a:latin typeface="+mn-lt"/>
+                <a:ea typeface="+mn-ea"/>
+                <a:cs typeface="+mn-cs"/>
+              </a:defRPr>
+            </a:lvl9pPr>
+          </a:lstStyle>
+          <a:p>
+            <a:pPr lvl="1"/>
+            <a:endParaRPr lang="en-IN" sz="2400" dirty="0"/>
+          </a:p>
+          <a:p>
+            <a:pPr lvl="1"/>
+            <a:endParaRPr lang="en-IN" sz="2400" dirty="0"/>
+          </a:p>
+          <a:p>
+            <a:pPr lvl="1"/>
+            <a:r>
+              <a:rPr lang="en-IN" sz="2400" dirty="0"/>
+              <a:t>MySQL database</a:t>
+            </a:r>
+          </a:p>
+          <a:p>
+            <a:pPr lvl="1"/>
+            <a:r>
+              <a:rPr lang="en-IN" sz="2400" dirty="0"/>
+              <a:t>Eclipse IDE</a:t>
+            </a:r>
+          </a:p>
+          <a:p>
+            <a:pPr lvl="1"/>
+            <a:r>
+              <a:rPr lang="en-IN" sz="2400" dirty="0"/>
+              <a:t>Java / J2EE ( Web services )</a:t>
+            </a:r>
+          </a:p>
+          <a:p>
+            <a:pPr lvl="1"/>
+            <a:r>
+              <a:rPr lang="en-IN" sz="2400" dirty="0"/>
+              <a:t>Tomcat 7.0</a:t>
+            </a:r>
+          </a:p>
+        </p:txBody>
+      </p:sp>
+    </p:spTree>
+    <p:extLst>
+      <p:ext uri="{BB962C8B-B14F-4D97-AF65-F5344CB8AC3E}">
+        <p14:creationId xmlns:p14="http://schemas.microsoft.com/office/powerpoint/2010/main" val="2248439662"/>
+      </p:ext>
+    </p:extLst>
+  </p:cSld>
+  <p:clrMapOvr>
+    <a:masterClrMapping/>
+  </p:clrMapOvr>
+</p:sld>
+</file>
+
+<file path=ppt/slides/slide18.xml><?xml version="1.0" encoding="utf-8"?>
+<p:sld xmlns:a="http://schemas.openxmlformats.org/drawingml/2006/main" xmlns:r="http://schemas.openxmlformats.org/officeDocument/2006/relationships" xmlns:p="http://schemas.openxmlformats.org/presentationml/2006/main">
+  <p:cSld>
+    <p:spTree>
+      <p:nvGrpSpPr>
+        <p:cNvPr id="1" name=""/>
+        <p:cNvGrpSpPr/>
+        <p:nvPr/>
+      </p:nvGrpSpPr>
+      <p:grpSpPr>
+        <a:xfrm>
+          <a:off x="0" y="0"/>
+          <a:ext cx="0" cy="0"/>
+          <a:chOff x="0" y="0"/>
+          <a:chExt cx="0" cy="0"/>
+        </a:xfrm>
+      </p:grpSpPr>
+      <p:sp>
+        <p:nvSpPr>
+          <p:cNvPr id="2" name="TextBox 1"/>
+          <p:cNvSpPr txBox="1"/>
+          <p:nvPr/>
+        </p:nvSpPr>
+        <p:spPr>
+          <a:xfrm>
+            <a:off x="994611" y="304800"/>
+            <a:ext cx="7299157" cy="584775"/>
+          </a:xfrm>
+          <a:prstGeom prst="rect">
+            <a:avLst/>
+          </a:prstGeom>
+          <a:noFill/>
+        </p:spPr>
+        <p:txBody>
+          <a:bodyPr wrap="square" rtlCol="0">
+            <a:spAutoFit/>
+          </a:bodyPr>
+          <a:lstStyle/>
+          <a:p>
+            <a:r>
+              <a:rPr lang="en-US" sz="3200" dirty="0"/>
+              <a:t>Block Diagram</a:t>
+            </a:r>
+          </a:p>
+        </p:txBody>
+      </p:sp>
+      <p:pic>
+        <p:nvPicPr>
+          <p:cNvPr id="2050" name="Picture 1"/>
+          <p:cNvPicPr>
+            <a:picLocks noChangeAspect="1" noChangeArrowheads="1"/>
+          </p:cNvPicPr>
+          <p:nvPr/>
+        </p:nvPicPr>
+        <p:blipFill>
+          <a:blip r:embed="rId2">
+            <a:extLst>
+              <a:ext uri="{28A0092B-C50C-407E-A947-70E740481C1C}">
+                <a14:useLocalDpi xmlns:a14="http://schemas.microsoft.com/office/drawing/2010/main" val="0"/>
+              </a:ext>
+            </a:extLst>
+          </a:blip>
+          <a:srcRect/>
+          <a:stretch>
+            <a:fillRect/>
+          </a:stretch>
+        </p:blipFill>
+        <p:spPr bwMode="auto">
+          <a:xfrm>
+            <a:off x="2165684" y="1320215"/>
+            <a:ext cx="6384758" cy="4246395"/>
+          </a:xfrm>
+          <a:prstGeom prst="rect">
+            <a:avLst/>
+          </a:prstGeom>
+          <a:noFill/>
+          <a:ln>
+            <a:noFill/>
+          </a:ln>
+          <a:extLst>
+            <a:ext uri="{909E8E84-426E-40DD-AFC4-6F175D3DCCD1}">
+              <a14:hiddenFill xmlns:a14="http://schemas.microsoft.com/office/drawing/2010/main">
+                <a:solidFill>
+                  <a:srgbClr val="FFFFFF"/>
+                </a:solidFill>
+              </a14:hiddenFill>
+            </a:ext>
+            <a:ext uri="{91240B29-F687-4F45-9708-019B960494DF}">
+              <a14:hiddenLine xmlns:a14="http://schemas.microsoft.com/office/drawing/2010/main" w="9525">
+                <a:solidFill>
+                  <a:srgbClr val="000000"/>
+                </a:solidFill>
+                <a:miter lim="800000"/>
+                <a:headEnd/>
+                <a:tailEnd/>
+              </a14:hiddenLine>
+            </a:ext>
+          </a:extLst>
+        </p:spPr>
+      </p:pic>
+    </p:spTree>
+    <p:extLst>
+      <p:ext uri="{BB962C8B-B14F-4D97-AF65-F5344CB8AC3E}">
+        <p14:creationId xmlns:p14="http://schemas.microsoft.com/office/powerpoint/2010/main" val="2600845927"/>
+      </p:ext>
+    </p:extLst>
+  </p:cSld>
+  <p:clrMapOvr>
+    <a:masterClrMapping/>
+  </p:clrMapOvr>
+</p:sld>
+</file>
+
+<file path=ppt/slides/slide19.xml><?xml version="1.0" encoding="utf-8"?>
+<p:sld xmlns:a="http://schemas.openxmlformats.org/drawingml/2006/main" xmlns:r="http://schemas.openxmlformats.org/officeDocument/2006/relationships" xmlns:p="http://schemas.openxmlformats.org/presentationml/2006/main">
+  <p:cSld>
+    <p:spTree>
+      <p:nvGrpSpPr>
+        <p:cNvPr id="1" name=""/>
+        <p:cNvGrpSpPr/>
+        <p:nvPr/>
+      </p:nvGrpSpPr>
+      <p:grpSpPr>
+        <a:xfrm>
+          <a:off x="0" y="0"/>
+          <a:ext cx="0" cy="0"/>
+          <a:chOff x="0" y="0"/>
+          <a:chExt cx="0" cy="0"/>
+        </a:xfrm>
+      </p:grpSpPr>
+      <p:sp>
+        <p:nvSpPr>
+          <p:cNvPr id="2" name="TextBox 1"/>
+          <p:cNvSpPr txBox="1"/>
+          <p:nvPr/>
+        </p:nvSpPr>
+        <p:spPr>
+          <a:xfrm>
+            <a:off x="1026695" y="1283368"/>
+            <a:ext cx="8566484" cy="2246769"/>
+          </a:xfrm>
+          <a:prstGeom prst="rect">
+            <a:avLst/>
+          </a:prstGeom>
+          <a:noFill/>
+        </p:spPr>
+        <p:txBody>
+          <a:bodyPr wrap="square" rtlCol="0">
+            <a:spAutoFit/>
+          </a:bodyPr>
+          <a:lstStyle/>
+          <a:p>
+            <a:r>
+              <a:rPr lang="en-US" sz="2800" b="1" dirty="0"/>
+              <a:t>Comparative questions:</a:t>
+            </a:r>
+            <a:r>
+              <a:rPr lang="en-US" sz="2800" dirty="0"/>
+              <a:t> A question intended to compare entities of similar types.</a:t>
+            </a:r>
+          </a:p>
+          <a:p>
+            <a:endParaRPr lang="en-US" sz="2800" dirty="0"/>
+          </a:p>
+          <a:p>
+            <a:r>
+              <a:rPr lang="en-US" sz="2800" b="1" dirty="0"/>
+              <a:t>Comparators:</a:t>
+            </a:r>
+            <a:r>
+              <a:rPr lang="en-US" sz="2800" dirty="0"/>
+              <a:t> Entities in the comparative questions which are to be compared</a:t>
+            </a:r>
+          </a:p>
+        </p:txBody>
+      </p:sp>
+    </p:spTree>
+    <p:extLst>
+      <p:ext uri="{BB962C8B-B14F-4D97-AF65-F5344CB8AC3E}">
+        <p14:creationId xmlns:p14="http://schemas.microsoft.com/office/powerpoint/2010/main" val="3343917983"/>
       </p:ext>
     </p:extLst>
   </p:cSld>
@@ -4402,16 +6746,6 @@
             </a:pPr>
             <a:r>
               <a:rPr lang="en-US" dirty="0"/>
-              <a:t>Results</a:t>
-            </a:r>
-          </a:p>
-          <a:p>
-            <a:pPr>
-              <a:buFont typeface="Wingdings" panose="05000000000000000000" pitchFamily="2" charset="2"/>
-              <a:buChar char="v"/>
-            </a:pPr>
-            <a:r>
-              <a:rPr lang="en-US" dirty="0"/>
               <a:t>Challenges</a:t>
             </a:r>
           </a:p>
@@ -4501,6 +6835,1356 @@
     <p:extLst>
       <p:ext uri="{BB962C8B-B14F-4D97-AF65-F5344CB8AC3E}">
         <p14:creationId xmlns:p14="http://schemas.microsoft.com/office/powerpoint/2010/main" val="871780775"/>
+      </p:ext>
+    </p:extLst>
+  </p:cSld>
+  <p:clrMapOvr>
+    <a:masterClrMapping/>
+  </p:clrMapOvr>
+</p:sld>
+</file>
+
+<file path=ppt/slides/slide20.xml><?xml version="1.0" encoding="utf-8"?>
+<p:sld xmlns:a="http://schemas.openxmlformats.org/drawingml/2006/main" xmlns:r="http://schemas.openxmlformats.org/officeDocument/2006/relationships" xmlns:p="http://schemas.openxmlformats.org/presentationml/2006/main">
+  <p:cSld>
+    <p:spTree>
+      <p:nvGrpSpPr>
+        <p:cNvPr id="1" name=""/>
+        <p:cNvGrpSpPr/>
+        <p:nvPr/>
+      </p:nvGrpSpPr>
+      <p:grpSpPr>
+        <a:xfrm>
+          <a:off x="0" y="0"/>
+          <a:ext cx="0" cy="0"/>
+          <a:chOff x="0" y="0"/>
+          <a:chExt cx="0" cy="0"/>
+        </a:xfrm>
+      </p:grpSpPr>
+      <p:pic>
+        <p:nvPicPr>
+          <p:cNvPr id="3074" name="Picture 1"/>
+          <p:cNvPicPr>
+            <a:picLocks noChangeAspect="1" noChangeArrowheads="1"/>
+          </p:cNvPicPr>
+          <p:nvPr/>
+        </p:nvPicPr>
+        <p:blipFill>
+          <a:blip r:embed="rId2">
+            <a:extLst>
+              <a:ext uri="{28A0092B-C50C-407E-A947-70E740481C1C}">
+                <a14:useLocalDpi xmlns:a14="http://schemas.microsoft.com/office/drawing/2010/main" val="0"/>
+              </a:ext>
+            </a:extLst>
+          </a:blip>
+          <a:srcRect/>
+          <a:stretch>
+            <a:fillRect/>
+          </a:stretch>
+        </p:blipFill>
+        <p:spPr bwMode="auto">
+          <a:xfrm>
+            <a:off x="1925054" y="1138989"/>
+            <a:ext cx="7459578" cy="5111166"/>
+          </a:xfrm>
+          <a:prstGeom prst="rect">
+            <a:avLst/>
+          </a:prstGeom>
+          <a:noFill/>
+          <a:ln>
+            <a:noFill/>
+          </a:ln>
+          <a:extLst>
+            <a:ext uri="{909E8E84-426E-40DD-AFC4-6F175D3DCCD1}">
+              <a14:hiddenFill xmlns:a14="http://schemas.microsoft.com/office/drawing/2010/main">
+                <a:solidFill>
+                  <a:srgbClr val="FFFFFF"/>
+                </a:solidFill>
+              </a14:hiddenFill>
+            </a:ext>
+            <a:ext uri="{91240B29-F687-4F45-9708-019B960494DF}">
+              <a14:hiddenLine xmlns:a14="http://schemas.microsoft.com/office/drawing/2010/main" w="9525">
+                <a:solidFill>
+                  <a:srgbClr val="000000"/>
+                </a:solidFill>
+                <a:miter lim="800000"/>
+                <a:headEnd/>
+                <a:tailEnd/>
+              </a14:hiddenLine>
+            </a:ext>
+          </a:extLst>
+        </p:spPr>
+      </p:pic>
+      <p:sp>
+        <p:nvSpPr>
+          <p:cNvPr id="2" name="TextBox 1"/>
+          <p:cNvSpPr txBox="1"/>
+          <p:nvPr/>
+        </p:nvSpPr>
+        <p:spPr>
+          <a:xfrm>
+            <a:off x="753979" y="288758"/>
+            <a:ext cx="4876800" cy="584775"/>
+          </a:xfrm>
+          <a:prstGeom prst="rect">
+            <a:avLst/>
+          </a:prstGeom>
+          <a:noFill/>
+        </p:spPr>
+        <p:txBody>
+          <a:bodyPr wrap="square" rtlCol="0">
+            <a:spAutoFit/>
+          </a:bodyPr>
+          <a:lstStyle/>
+          <a:p>
+            <a:r>
+              <a:rPr lang="en-US" sz="3200" dirty="0"/>
+              <a:t>Program Flow</a:t>
+            </a:r>
+          </a:p>
+        </p:txBody>
+      </p:sp>
+    </p:spTree>
+    <p:extLst>
+      <p:ext uri="{BB962C8B-B14F-4D97-AF65-F5344CB8AC3E}">
+        <p14:creationId xmlns:p14="http://schemas.microsoft.com/office/powerpoint/2010/main" val="3008323414"/>
+      </p:ext>
+    </p:extLst>
+  </p:cSld>
+  <p:clrMapOvr>
+    <a:masterClrMapping/>
+  </p:clrMapOvr>
+</p:sld>
+</file>
+
+<file path=ppt/slides/slide21.xml><?xml version="1.0" encoding="utf-8"?>
+<p:sld xmlns:a="http://schemas.openxmlformats.org/drawingml/2006/main" xmlns:r="http://schemas.openxmlformats.org/officeDocument/2006/relationships" xmlns:p="http://schemas.openxmlformats.org/presentationml/2006/main">
+  <p:cSld>
+    <p:spTree>
+      <p:nvGrpSpPr>
+        <p:cNvPr id="1" name=""/>
+        <p:cNvGrpSpPr/>
+        <p:nvPr/>
+      </p:nvGrpSpPr>
+      <p:grpSpPr>
+        <a:xfrm>
+          <a:off x="0" y="0"/>
+          <a:ext cx="0" cy="0"/>
+          <a:chOff x="0" y="0"/>
+          <a:chExt cx="0" cy="0"/>
+        </a:xfrm>
+      </p:grpSpPr>
+      <p:sp>
+        <p:nvSpPr>
+          <p:cNvPr id="2" name="TextBox 1"/>
+          <p:cNvSpPr txBox="1"/>
+          <p:nvPr/>
+        </p:nvSpPr>
+        <p:spPr>
+          <a:xfrm>
+            <a:off x="1171074" y="1090870"/>
+            <a:ext cx="8229600" cy="4401205"/>
+          </a:xfrm>
+          <a:prstGeom prst="rect">
+            <a:avLst/>
+          </a:prstGeom>
+          <a:noFill/>
+        </p:spPr>
+        <p:txBody>
+          <a:bodyPr wrap="square" rtlCol="0">
+            <a:spAutoFit/>
+          </a:bodyPr>
+          <a:lstStyle/>
+          <a:p>
+            <a:pPr marL="285750" lvl="0" indent="-285750">
+              <a:buFont typeface="Wingdings" panose="05000000000000000000" pitchFamily="2" charset="2"/>
+              <a:buChar char="q"/>
+            </a:pPr>
+            <a:r>
+              <a:rPr lang="en-US" sz="2800" dirty="0"/>
+              <a:t>Take input from user.</a:t>
+            </a:r>
+          </a:p>
+          <a:p>
+            <a:pPr marL="285750" lvl="0" indent="-285750">
+              <a:buFont typeface="Wingdings" panose="05000000000000000000" pitchFamily="2" charset="2"/>
+              <a:buChar char="q"/>
+            </a:pPr>
+            <a:r>
+              <a:rPr lang="en-US" sz="2800" dirty="0"/>
+              <a:t>Check whether the input question is a valid question or not.</a:t>
+            </a:r>
+          </a:p>
+          <a:p>
+            <a:pPr marL="285750" lvl="0" indent="-285750">
+              <a:buFont typeface="Wingdings" panose="05000000000000000000" pitchFamily="2" charset="2"/>
+              <a:buChar char="q"/>
+            </a:pPr>
+            <a:r>
+              <a:rPr lang="en-US" sz="2800" dirty="0"/>
+              <a:t>If it’s a valid question, then the regular process should follow.</a:t>
+            </a:r>
+          </a:p>
+          <a:p>
+            <a:pPr marL="285750" lvl="0" indent="-285750">
+              <a:buFont typeface="Wingdings" panose="05000000000000000000" pitchFamily="2" charset="2"/>
+              <a:buChar char="q"/>
+            </a:pPr>
+            <a:r>
+              <a:rPr lang="en-US" sz="2800" dirty="0"/>
+              <a:t>Match the input with the existing question in the database and extract comparators from them.</a:t>
+            </a:r>
+          </a:p>
+          <a:p>
+            <a:pPr marL="285750" lvl="0" indent="-285750">
+              <a:buFont typeface="Wingdings" panose="05000000000000000000" pitchFamily="2" charset="2"/>
+              <a:buChar char="q"/>
+            </a:pPr>
+            <a:r>
+              <a:rPr lang="en-US" sz="2800" dirty="0"/>
+              <a:t>Extract comparators from the comparative questions.</a:t>
+            </a:r>
+          </a:p>
+          <a:p>
+            <a:pPr marL="285750" lvl="0" indent="-285750">
+              <a:buFont typeface="Wingdings" panose="05000000000000000000" pitchFamily="2" charset="2"/>
+              <a:buChar char="q"/>
+            </a:pPr>
+            <a:r>
+              <a:rPr lang="en-US" sz="2800" dirty="0"/>
+              <a:t>Suggest user with alternatives for a give input.</a:t>
+            </a:r>
+          </a:p>
+          <a:p>
+            <a:endParaRPr lang="en-US" sz="2800" dirty="0"/>
+          </a:p>
+        </p:txBody>
+      </p:sp>
+    </p:spTree>
+    <p:extLst>
+      <p:ext uri="{BB962C8B-B14F-4D97-AF65-F5344CB8AC3E}">
+        <p14:creationId xmlns:p14="http://schemas.microsoft.com/office/powerpoint/2010/main" val="260616962"/>
+      </p:ext>
+    </p:extLst>
+  </p:cSld>
+  <p:clrMapOvr>
+    <a:masterClrMapping/>
+  </p:clrMapOvr>
+</p:sld>
+</file>
+
+<file path=ppt/slides/slide22.xml><?xml version="1.0" encoding="utf-8"?>
+<p:sld xmlns:a="http://schemas.openxmlformats.org/drawingml/2006/main" xmlns:r="http://schemas.openxmlformats.org/officeDocument/2006/relationships" xmlns:p="http://schemas.openxmlformats.org/presentationml/2006/main">
+  <p:cSld>
+    <p:spTree>
+      <p:nvGrpSpPr>
+        <p:cNvPr id="1" name=""/>
+        <p:cNvGrpSpPr/>
+        <p:nvPr/>
+      </p:nvGrpSpPr>
+      <p:grpSpPr>
+        <a:xfrm>
+          <a:off x="0" y="0"/>
+          <a:ext cx="0" cy="0"/>
+          <a:chOff x="0" y="0"/>
+          <a:chExt cx="0" cy="0"/>
+        </a:xfrm>
+      </p:grpSpPr>
+      <p:pic>
+        <p:nvPicPr>
+          <p:cNvPr id="4098" name="Picture 1"/>
+          <p:cNvPicPr>
+            <a:picLocks noChangeAspect="1" noChangeArrowheads="1"/>
+          </p:cNvPicPr>
+          <p:nvPr/>
+        </p:nvPicPr>
+        <p:blipFill>
+          <a:blip r:embed="rId2">
+            <a:extLst>
+              <a:ext uri="{28A0092B-C50C-407E-A947-70E740481C1C}">
+                <a14:useLocalDpi xmlns:a14="http://schemas.microsoft.com/office/drawing/2010/main" val="0"/>
+              </a:ext>
+            </a:extLst>
+          </a:blip>
+          <a:srcRect/>
+          <a:stretch>
+            <a:fillRect/>
+          </a:stretch>
+        </p:blipFill>
+        <p:spPr bwMode="auto">
+          <a:xfrm>
+            <a:off x="2582779" y="1155032"/>
+            <a:ext cx="6432883" cy="4972301"/>
+          </a:xfrm>
+          <a:prstGeom prst="rect">
+            <a:avLst/>
+          </a:prstGeom>
+          <a:noFill/>
+          <a:ln>
+            <a:noFill/>
+          </a:ln>
+          <a:extLst>
+            <a:ext uri="{909E8E84-426E-40DD-AFC4-6F175D3DCCD1}">
+              <a14:hiddenFill xmlns:a14="http://schemas.microsoft.com/office/drawing/2010/main">
+                <a:solidFill>
+                  <a:srgbClr val="FFFFFF"/>
+                </a:solidFill>
+              </a14:hiddenFill>
+            </a:ext>
+            <a:ext uri="{91240B29-F687-4F45-9708-019B960494DF}">
+              <a14:hiddenLine xmlns:a14="http://schemas.microsoft.com/office/drawing/2010/main" w="9525">
+                <a:solidFill>
+                  <a:srgbClr val="000000"/>
+                </a:solidFill>
+                <a:miter lim="800000"/>
+                <a:headEnd/>
+                <a:tailEnd/>
+              </a14:hiddenLine>
+            </a:ext>
+          </a:extLst>
+        </p:spPr>
+      </p:pic>
+      <p:sp>
+        <p:nvSpPr>
+          <p:cNvPr id="2" name="TextBox 1"/>
+          <p:cNvSpPr txBox="1"/>
+          <p:nvPr/>
+        </p:nvSpPr>
+        <p:spPr>
+          <a:xfrm>
+            <a:off x="385011" y="224589"/>
+            <a:ext cx="4764505" cy="646331"/>
+          </a:xfrm>
+          <a:prstGeom prst="rect">
+            <a:avLst/>
+          </a:prstGeom>
+          <a:noFill/>
+        </p:spPr>
+        <p:txBody>
+          <a:bodyPr wrap="square" rtlCol="0">
+            <a:spAutoFit/>
+          </a:bodyPr>
+          <a:lstStyle/>
+          <a:p>
+            <a:r>
+              <a:rPr lang="en-US" sz="3600" dirty="0"/>
+              <a:t>Bootstrapping</a:t>
+            </a:r>
+          </a:p>
+        </p:txBody>
+      </p:sp>
+    </p:spTree>
+    <p:extLst>
+      <p:ext uri="{BB962C8B-B14F-4D97-AF65-F5344CB8AC3E}">
+        <p14:creationId xmlns:p14="http://schemas.microsoft.com/office/powerpoint/2010/main" val="373496428"/>
+      </p:ext>
+    </p:extLst>
+  </p:cSld>
+  <p:clrMapOvr>
+    <a:masterClrMapping/>
+  </p:clrMapOvr>
+</p:sld>
+</file>
+
+<file path=ppt/slides/slide23.xml><?xml version="1.0" encoding="utf-8"?>
+<p:sld xmlns:a="http://schemas.openxmlformats.org/drawingml/2006/main" xmlns:r="http://schemas.openxmlformats.org/officeDocument/2006/relationships" xmlns:p="http://schemas.openxmlformats.org/presentationml/2006/main">
+  <p:cSld>
+    <p:spTree>
+      <p:nvGrpSpPr>
+        <p:cNvPr id="1" name=""/>
+        <p:cNvGrpSpPr/>
+        <p:nvPr/>
+      </p:nvGrpSpPr>
+      <p:grpSpPr>
+        <a:xfrm>
+          <a:off x="0" y="0"/>
+          <a:ext cx="0" cy="0"/>
+          <a:chOff x="0" y="0"/>
+          <a:chExt cx="0" cy="0"/>
+        </a:xfrm>
+      </p:grpSpPr>
+      <p:pic>
+        <p:nvPicPr>
+          <p:cNvPr id="2" name="Picture 1"/>
+          <p:cNvPicPr/>
+          <p:nvPr/>
+        </p:nvPicPr>
+        <p:blipFill>
+          <a:blip r:embed="rId2"/>
+          <a:stretch>
+            <a:fillRect/>
+          </a:stretch>
+        </p:blipFill>
+        <p:spPr>
+          <a:xfrm>
+            <a:off x="2598822" y="1636295"/>
+            <a:ext cx="6785810" cy="4122821"/>
+          </a:xfrm>
+          <a:prstGeom prst="rect">
+            <a:avLst/>
+          </a:prstGeom>
+        </p:spPr>
+      </p:pic>
+      <p:sp>
+        <p:nvSpPr>
+          <p:cNvPr id="3" name="TextBox 2"/>
+          <p:cNvSpPr txBox="1"/>
+          <p:nvPr/>
+        </p:nvSpPr>
+        <p:spPr>
+          <a:xfrm>
+            <a:off x="850232" y="385011"/>
+            <a:ext cx="4892842" cy="646331"/>
+          </a:xfrm>
+          <a:prstGeom prst="rect">
+            <a:avLst/>
+          </a:prstGeom>
+          <a:noFill/>
+        </p:spPr>
+        <p:txBody>
+          <a:bodyPr wrap="square" rtlCol="0">
+            <a:spAutoFit/>
+          </a:bodyPr>
+          <a:lstStyle/>
+          <a:p>
+            <a:r>
+              <a:rPr lang="en-US" sz="3600" dirty="0"/>
+              <a:t>Pseudo code</a:t>
+            </a:r>
+          </a:p>
+        </p:txBody>
+      </p:sp>
+    </p:spTree>
+    <p:extLst>
+      <p:ext uri="{BB962C8B-B14F-4D97-AF65-F5344CB8AC3E}">
+        <p14:creationId xmlns:p14="http://schemas.microsoft.com/office/powerpoint/2010/main" val="3941262449"/>
+      </p:ext>
+    </p:extLst>
+  </p:cSld>
+  <p:clrMapOvr>
+    <a:masterClrMapping/>
+  </p:clrMapOvr>
+</p:sld>
+</file>
+
+<file path=ppt/slides/slide24.xml><?xml version="1.0" encoding="utf-8"?>
+<p:sld xmlns:a="http://schemas.openxmlformats.org/drawingml/2006/main" xmlns:r="http://schemas.openxmlformats.org/officeDocument/2006/relationships" xmlns:p="http://schemas.openxmlformats.org/presentationml/2006/main">
+  <p:cSld>
+    <p:spTree>
+      <p:nvGrpSpPr>
+        <p:cNvPr id="1" name=""/>
+        <p:cNvGrpSpPr/>
+        <p:nvPr/>
+      </p:nvGrpSpPr>
+      <p:grpSpPr>
+        <a:xfrm>
+          <a:off x="0" y="0"/>
+          <a:ext cx="0" cy="0"/>
+          <a:chOff x="0" y="0"/>
+          <a:chExt cx="0" cy="0"/>
+        </a:xfrm>
+      </p:grpSpPr>
+      <p:sp>
+        <p:nvSpPr>
+          <p:cNvPr id="2" name="TextBox 1"/>
+          <p:cNvSpPr txBox="1"/>
+          <p:nvPr/>
+        </p:nvSpPr>
+        <p:spPr>
+          <a:xfrm>
+            <a:off x="1363579" y="1122947"/>
+            <a:ext cx="7186863" cy="2308324"/>
+          </a:xfrm>
+          <a:prstGeom prst="rect">
+            <a:avLst/>
+          </a:prstGeom>
+          <a:noFill/>
+        </p:spPr>
+        <p:txBody>
+          <a:bodyPr wrap="square" rtlCol="0">
+            <a:spAutoFit/>
+          </a:bodyPr>
+          <a:lstStyle/>
+          <a:p>
+            <a:pPr marL="342900" indent="-342900">
+              <a:buFont typeface="Wingdings" panose="05000000000000000000" pitchFamily="2" charset="2"/>
+              <a:buChar char="Ø"/>
+            </a:pPr>
+            <a:r>
+              <a:rPr lang="en-US" sz="2400" b="1" dirty="0"/>
+              <a:t>Weakly supervised method or Comparator Mining</a:t>
+            </a:r>
+          </a:p>
+          <a:p>
+            <a:endParaRPr lang="en-US" sz="2400" b="1" dirty="0"/>
+          </a:p>
+          <a:p>
+            <a:pPr marL="342900" indent="-342900">
+              <a:buFont typeface="Wingdings" panose="05000000000000000000" pitchFamily="2" charset="2"/>
+              <a:buChar char="Ø"/>
+            </a:pPr>
+            <a:r>
+              <a:rPr lang="en-US" sz="2400" b="1" dirty="0"/>
+              <a:t>Mining Indicative Extraction Patterns</a:t>
+            </a:r>
+          </a:p>
+          <a:p>
+            <a:pPr marL="342900" indent="-342900">
+              <a:buFont typeface="Wingdings" panose="05000000000000000000" pitchFamily="2" charset="2"/>
+              <a:buChar char="Ø"/>
+            </a:pPr>
+            <a:endParaRPr lang="en-US" sz="2400" b="1" dirty="0"/>
+          </a:p>
+          <a:p>
+            <a:pPr marL="342900" indent="-342900">
+              <a:buFont typeface="Wingdings" panose="05000000000000000000" pitchFamily="2" charset="2"/>
+              <a:buChar char="Ø"/>
+            </a:pPr>
+            <a:r>
+              <a:rPr lang="en-US" sz="2400" b="1" dirty="0"/>
+              <a:t>Comparator Extraction</a:t>
+            </a:r>
+            <a:endParaRPr lang="en-US" sz="2400" dirty="0"/>
+          </a:p>
+          <a:p>
+            <a:pPr marL="342900" indent="-342900">
+              <a:buFont typeface="Wingdings" panose="05000000000000000000" pitchFamily="2" charset="2"/>
+              <a:buChar char="Ø"/>
+            </a:pPr>
+            <a:endParaRPr lang="en-US" sz="2400" dirty="0"/>
+          </a:p>
+        </p:txBody>
+      </p:sp>
+    </p:spTree>
+    <p:extLst>
+      <p:ext uri="{BB962C8B-B14F-4D97-AF65-F5344CB8AC3E}">
+        <p14:creationId xmlns:p14="http://schemas.microsoft.com/office/powerpoint/2010/main" val="4131361397"/>
+      </p:ext>
+    </p:extLst>
+  </p:cSld>
+  <p:clrMapOvr>
+    <a:masterClrMapping/>
+  </p:clrMapOvr>
+</p:sld>
+</file>
+
+<file path=ppt/slides/slide25.xml><?xml version="1.0" encoding="utf-8"?>
+<p:sld xmlns:a="http://schemas.openxmlformats.org/drawingml/2006/main" xmlns:r="http://schemas.openxmlformats.org/officeDocument/2006/relationships" xmlns:p="http://schemas.openxmlformats.org/presentationml/2006/main">
+  <p:cSld>
+    <p:spTree>
+      <p:nvGrpSpPr>
+        <p:cNvPr id="1" name=""/>
+        <p:cNvGrpSpPr/>
+        <p:nvPr/>
+      </p:nvGrpSpPr>
+      <p:grpSpPr>
+        <a:xfrm>
+          <a:off x="0" y="0"/>
+          <a:ext cx="0" cy="0"/>
+          <a:chOff x="0" y="0"/>
+          <a:chExt cx="0" cy="0"/>
+        </a:xfrm>
+      </p:grpSpPr>
+      <p:sp>
+        <p:nvSpPr>
+          <p:cNvPr id="2" name="TextBox 1"/>
+          <p:cNvSpPr txBox="1"/>
+          <p:nvPr/>
+        </p:nvSpPr>
+        <p:spPr>
+          <a:xfrm>
+            <a:off x="1283368" y="1828800"/>
+            <a:ext cx="8486274" cy="2954655"/>
+          </a:xfrm>
+          <a:prstGeom prst="rect">
+            <a:avLst/>
+          </a:prstGeom>
+          <a:noFill/>
+        </p:spPr>
+        <p:txBody>
+          <a:bodyPr wrap="square" rtlCol="0">
+            <a:spAutoFit/>
+          </a:bodyPr>
+          <a:lstStyle/>
+          <a:p>
+            <a:pPr marL="285750" lvl="0" indent="-285750">
+              <a:buFont typeface="Wingdings" panose="05000000000000000000" pitchFamily="2" charset="2"/>
+              <a:buChar char="q"/>
+            </a:pPr>
+            <a:r>
+              <a:rPr lang="en-US" sz="2400" dirty="0"/>
+              <a:t>Bootstrapping starts with a single IEP</a:t>
+            </a:r>
+          </a:p>
+          <a:p>
+            <a:pPr marL="285750" lvl="0" indent="-285750">
+              <a:buFont typeface="Wingdings" panose="05000000000000000000" pitchFamily="2" charset="2"/>
+              <a:buChar char="q"/>
+            </a:pPr>
+            <a:r>
+              <a:rPr lang="en-US" sz="2400" dirty="0"/>
+              <a:t>Extract initial seed comparator pairs from that single IEP</a:t>
+            </a:r>
+          </a:p>
+          <a:p>
+            <a:pPr marL="285750" lvl="0" indent="-285750">
+              <a:buFont typeface="Wingdings" panose="05000000000000000000" pitchFamily="2" charset="2"/>
+              <a:buChar char="q"/>
+            </a:pPr>
+            <a:r>
+              <a:rPr lang="en-US" sz="2400" dirty="0"/>
+              <a:t>For each comparator pair all questions that contain the pair are considered as the comparative questions</a:t>
+            </a:r>
+          </a:p>
+          <a:p>
+            <a:pPr marL="285750" lvl="0" indent="-285750">
+              <a:buFont typeface="Wingdings" panose="05000000000000000000" pitchFamily="2" charset="2"/>
+              <a:buChar char="q"/>
+            </a:pPr>
+            <a:r>
+              <a:rPr lang="en-US" sz="2400" dirty="0"/>
+              <a:t>From comparative questions, all the possible comparators are extracted.</a:t>
+            </a:r>
+          </a:p>
+          <a:p>
+            <a:pPr marL="285750" lvl="0" indent="-285750">
+              <a:buFont typeface="Wingdings" panose="05000000000000000000" pitchFamily="2" charset="2"/>
+              <a:buChar char="q"/>
+            </a:pPr>
+            <a:r>
+              <a:rPr lang="en-US" sz="2400" dirty="0"/>
+              <a:t>Reliable patterns are added to the IEP repository.</a:t>
+            </a:r>
+          </a:p>
+          <a:p>
+            <a:endParaRPr lang="en-US" dirty="0"/>
+          </a:p>
+        </p:txBody>
+      </p:sp>
+    </p:spTree>
+    <p:extLst>
+      <p:ext uri="{BB962C8B-B14F-4D97-AF65-F5344CB8AC3E}">
+        <p14:creationId xmlns:p14="http://schemas.microsoft.com/office/powerpoint/2010/main" val="987238900"/>
+      </p:ext>
+    </p:extLst>
+  </p:cSld>
+  <p:clrMapOvr>
+    <a:masterClrMapping/>
+  </p:clrMapOvr>
+</p:sld>
+</file>
+
+<file path=ppt/slides/slide26.xml><?xml version="1.0" encoding="utf-8"?>
+<p:sld xmlns:a="http://schemas.openxmlformats.org/drawingml/2006/main" xmlns:r="http://schemas.openxmlformats.org/officeDocument/2006/relationships" xmlns:p="http://schemas.openxmlformats.org/presentationml/2006/main">
+  <p:cSld>
+    <p:spTree>
+      <p:nvGrpSpPr>
+        <p:cNvPr id="1" name=""/>
+        <p:cNvGrpSpPr/>
+        <p:nvPr/>
+      </p:nvGrpSpPr>
+      <p:grpSpPr>
+        <a:xfrm>
+          <a:off x="0" y="0"/>
+          <a:ext cx="0" cy="0"/>
+          <a:chOff x="0" y="0"/>
+          <a:chExt cx="0" cy="0"/>
+        </a:xfrm>
+      </p:grpSpPr>
+      <p:sp>
+        <p:nvSpPr>
+          <p:cNvPr id="2" name="TextBox 1"/>
+          <p:cNvSpPr txBox="1"/>
+          <p:nvPr/>
+        </p:nvSpPr>
+        <p:spPr>
+          <a:xfrm>
+            <a:off x="1299411" y="882316"/>
+            <a:ext cx="8726905" cy="4154984"/>
+          </a:xfrm>
+          <a:prstGeom prst="rect">
+            <a:avLst/>
+          </a:prstGeom>
+          <a:noFill/>
+        </p:spPr>
+        <p:txBody>
+          <a:bodyPr wrap="square" rtlCol="0">
+            <a:spAutoFit/>
+          </a:bodyPr>
+          <a:lstStyle/>
+          <a:p>
+            <a:r>
+              <a:rPr lang="en-US" sz="2400" b="1" dirty="0"/>
+              <a:t>Rules for Phrase </a:t>
+            </a:r>
+            <a:r>
+              <a:rPr lang="en-US" sz="2400" b="1" dirty="0" err="1"/>
+              <a:t>Chunker</a:t>
+            </a:r>
+            <a:endParaRPr lang="en-US" sz="2400" b="1" dirty="0"/>
+          </a:p>
+          <a:p>
+            <a:r>
+              <a:rPr lang="en-US" sz="2400" dirty="0"/>
+              <a:t> </a:t>
+            </a:r>
+          </a:p>
+          <a:p>
+            <a:r>
+              <a:rPr lang="en-US" sz="2400" dirty="0"/>
+              <a:t>/*	 * Heuristic rules</a:t>
+            </a:r>
+          </a:p>
+          <a:p>
+            <a:r>
+              <a:rPr lang="en-US" sz="2400" dirty="0"/>
+              <a:t>	 * NP* -&gt; NP</a:t>
+            </a:r>
+          </a:p>
+          <a:p>
+            <a:r>
+              <a:rPr lang="en-US" sz="2400" dirty="0"/>
+              <a:t>	 * NN* -&gt; NN</a:t>
+            </a:r>
+          </a:p>
+          <a:p>
+            <a:r>
+              <a:rPr lang="en-US" sz="2400" dirty="0"/>
+              <a:t>	 * NN + NNS -&gt; NNS</a:t>
+            </a:r>
+          </a:p>
+          <a:p>
+            <a:r>
+              <a:rPr lang="en-US" sz="2400" dirty="0"/>
+              <a:t>	 * NP + NPS -&gt; NPS</a:t>
+            </a:r>
+          </a:p>
+          <a:p>
+            <a:r>
+              <a:rPr lang="en-US" sz="2400" dirty="0"/>
+              <a:t>	 * More + ADJ -&gt; JJR</a:t>
+            </a:r>
+          </a:p>
+          <a:p>
+            <a:r>
+              <a:rPr lang="en-US" sz="2400" dirty="0"/>
+              <a:t>	 * Most + ADJ -&gt; JJS</a:t>
+            </a:r>
+          </a:p>
+          <a:p>
+            <a:r>
+              <a:rPr lang="en-US" sz="2400" dirty="0"/>
+              <a:t>	 * ...</a:t>
+            </a:r>
+          </a:p>
+          <a:p>
+            <a:r>
+              <a:rPr lang="en-US" sz="2400" dirty="0"/>
+              <a:t>	 */</a:t>
+            </a:r>
+          </a:p>
+        </p:txBody>
+      </p:sp>
+    </p:spTree>
+    <p:extLst>
+      <p:ext uri="{BB962C8B-B14F-4D97-AF65-F5344CB8AC3E}">
+        <p14:creationId xmlns:p14="http://schemas.microsoft.com/office/powerpoint/2010/main" val="826773556"/>
+      </p:ext>
+    </p:extLst>
+  </p:cSld>
+  <p:clrMapOvr>
+    <a:masterClrMapping/>
+  </p:clrMapOvr>
+</p:sld>
+</file>
+
+<file path=ppt/slides/slide27.xml><?xml version="1.0" encoding="utf-8"?>
+<p:sld xmlns:a="http://schemas.openxmlformats.org/drawingml/2006/main" xmlns:r="http://schemas.openxmlformats.org/officeDocument/2006/relationships" xmlns:p="http://schemas.openxmlformats.org/presentationml/2006/main">
+  <p:cSld>
+    <p:spTree>
+      <p:nvGrpSpPr>
+        <p:cNvPr id="1" name=""/>
+        <p:cNvGrpSpPr/>
+        <p:nvPr/>
+      </p:nvGrpSpPr>
+      <p:grpSpPr>
+        <a:xfrm>
+          <a:off x="0" y="0"/>
+          <a:ext cx="0" cy="0"/>
+          <a:chOff x="0" y="0"/>
+          <a:chExt cx="0" cy="0"/>
+        </a:xfrm>
+      </p:grpSpPr>
+      <p:sp>
+        <p:nvSpPr>
+          <p:cNvPr id="2" name="TextBox 1"/>
+          <p:cNvSpPr txBox="1"/>
+          <p:nvPr/>
+        </p:nvSpPr>
+        <p:spPr>
+          <a:xfrm>
+            <a:off x="1267326" y="818147"/>
+            <a:ext cx="9464842" cy="1569660"/>
+          </a:xfrm>
+          <a:prstGeom prst="rect">
+            <a:avLst/>
+          </a:prstGeom>
+          <a:noFill/>
+        </p:spPr>
+        <p:txBody>
+          <a:bodyPr wrap="square" rtlCol="0">
+            <a:spAutoFit/>
+          </a:bodyPr>
+          <a:lstStyle/>
+          <a:p>
+            <a:r>
+              <a:rPr lang="en-US" sz="3200" dirty="0"/>
+              <a:t>Generate frequent patterns using Association Rules</a:t>
+            </a:r>
+          </a:p>
+          <a:p>
+            <a:endParaRPr lang="en-US" sz="3200" dirty="0"/>
+          </a:p>
+          <a:p>
+            <a:endParaRPr lang="en-US" sz="3200" dirty="0"/>
+          </a:p>
+        </p:txBody>
+      </p:sp>
+      <p:pic>
+        <p:nvPicPr>
+          <p:cNvPr id="3" name="Picture 2"/>
+          <p:cNvPicPr>
+            <a:picLocks noChangeAspect="1"/>
+          </p:cNvPicPr>
+          <p:nvPr/>
+        </p:nvPicPr>
+        <p:blipFill>
+          <a:blip r:embed="rId2"/>
+          <a:stretch>
+            <a:fillRect/>
+          </a:stretch>
+        </p:blipFill>
+        <p:spPr>
+          <a:xfrm>
+            <a:off x="3625517" y="2807870"/>
+            <a:ext cx="4204266" cy="1443288"/>
+          </a:xfrm>
+          <a:prstGeom prst="rect">
+            <a:avLst/>
+          </a:prstGeom>
+        </p:spPr>
+      </p:pic>
+    </p:spTree>
+    <p:extLst>
+      <p:ext uri="{BB962C8B-B14F-4D97-AF65-F5344CB8AC3E}">
+        <p14:creationId xmlns:p14="http://schemas.microsoft.com/office/powerpoint/2010/main" val="4217197013"/>
+      </p:ext>
+    </p:extLst>
+  </p:cSld>
+  <p:clrMapOvr>
+    <a:masterClrMapping/>
+  </p:clrMapOvr>
+</p:sld>
+</file>
+
+<file path=ppt/slides/slide28.xml><?xml version="1.0" encoding="utf-8"?>
+<p:sld xmlns:a="http://schemas.openxmlformats.org/drawingml/2006/main" xmlns:r="http://schemas.openxmlformats.org/officeDocument/2006/relationships" xmlns:p="http://schemas.openxmlformats.org/presentationml/2006/main">
+  <p:cSld>
+    <p:spTree>
+      <p:nvGrpSpPr>
+        <p:cNvPr id="1" name=""/>
+        <p:cNvGrpSpPr/>
+        <p:nvPr/>
+      </p:nvGrpSpPr>
+      <p:grpSpPr>
+        <a:xfrm>
+          <a:off x="0" y="0"/>
+          <a:ext cx="0" cy="0"/>
+          <a:chOff x="0" y="0"/>
+          <a:chExt cx="0" cy="0"/>
+        </a:xfrm>
+      </p:grpSpPr>
+      <p:sp>
+        <p:nvSpPr>
+          <p:cNvPr id="2" name="TextBox 1"/>
+          <p:cNvSpPr txBox="1"/>
+          <p:nvPr/>
+        </p:nvSpPr>
+        <p:spPr>
+          <a:xfrm>
+            <a:off x="1267326" y="1138989"/>
+            <a:ext cx="8967537" cy="584775"/>
+          </a:xfrm>
+          <a:prstGeom prst="rect">
+            <a:avLst/>
+          </a:prstGeom>
+          <a:noFill/>
+        </p:spPr>
+        <p:txBody>
+          <a:bodyPr wrap="square" rtlCol="0">
+            <a:spAutoFit/>
+          </a:bodyPr>
+          <a:lstStyle/>
+          <a:p>
+            <a:r>
+              <a:rPr lang="en-US" sz="3200" dirty="0"/>
+              <a:t>Nearest neighbor algorithm</a:t>
+            </a:r>
+          </a:p>
+        </p:txBody>
+      </p:sp>
+      <p:sp>
+        <p:nvSpPr>
+          <p:cNvPr id="3" name="TextBox 2"/>
+          <p:cNvSpPr txBox="1"/>
+          <p:nvPr/>
+        </p:nvSpPr>
+        <p:spPr>
+          <a:xfrm>
+            <a:off x="1267326" y="2021305"/>
+            <a:ext cx="8197516" cy="1200329"/>
+          </a:xfrm>
+          <a:prstGeom prst="rect">
+            <a:avLst/>
+          </a:prstGeom>
+          <a:noFill/>
+        </p:spPr>
+        <p:txBody>
+          <a:bodyPr wrap="square" rtlCol="0">
+            <a:spAutoFit/>
+          </a:bodyPr>
+          <a:lstStyle/>
+          <a:p>
+            <a:pPr marL="285750" indent="-285750">
+              <a:buFont typeface="Wingdings" panose="05000000000000000000" pitchFamily="2" charset="2"/>
+              <a:buChar char="q"/>
+            </a:pPr>
+            <a:r>
+              <a:rPr lang="en-US" sz="2400" dirty="0"/>
+              <a:t> Query word</a:t>
+            </a:r>
+          </a:p>
+          <a:p>
+            <a:endParaRPr lang="en-US" sz="2400" dirty="0"/>
+          </a:p>
+          <a:p>
+            <a:pPr marL="285750" indent="-285750">
+              <a:buFont typeface="Wingdings" panose="05000000000000000000" pitchFamily="2" charset="2"/>
+              <a:buChar char="q"/>
+            </a:pPr>
+            <a:r>
+              <a:rPr lang="en-US" sz="2400" dirty="0"/>
+              <a:t> Neighbor</a:t>
+            </a:r>
+          </a:p>
+        </p:txBody>
+      </p:sp>
+    </p:spTree>
+    <p:extLst>
+      <p:ext uri="{BB962C8B-B14F-4D97-AF65-F5344CB8AC3E}">
+        <p14:creationId xmlns:p14="http://schemas.microsoft.com/office/powerpoint/2010/main" val="3517270685"/>
+      </p:ext>
+    </p:extLst>
+  </p:cSld>
+  <p:clrMapOvr>
+    <a:masterClrMapping/>
+  </p:clrMapOvr>
+</p:sld>
+</file>
+
+<file path=ppt/slides/slide29.xml><?xml version="1.0" encoding="utf-8"?>
+<p:sld xmlns:a="http://schemas.openxmlformats.org/drawingml/2006/main" xmlns:r="http://schemas.openxmlformats.org/officeDocument/2006/relationships" xmlns:p="http://schemas.openxmlformats.org/presentationml/2006/main">
+  <p:cSld>
+    <p:spTree>
+      <p:nvGrpSpPr>
+        <p:cNvPr id="1" name=""/>
+        <p:cNvGrpSpPr/>
+        <p:nvPr/>
+      </p:nvGrpSpPr>
+      <p:grpSpPr>
+        <a:xfrm>
+          <a:off x="0" y="0"/>
+          <a:ext cx="0" cy="0"/>
+          <a:chOff x="0" y="0"/>
+          <a:chExt cx="0" cy="0"/>
+        </a:xfrm>
+      </p:grpSpPr>
+      <p:sp>
+        <p:nvSpPr>
+          <p:cNvPr id="2" name="Content Placeholder 1"/>
+          <p:cNvSpPr txBox="1">
+            <a:spLocks/>
+          </p:cNvSpPr>
+          <p:nvPr/>
+        </p:nvSpPr>
+        <p:spPr>
+          <a:xfrm>
+            <a:off x="457200" y="1481328"/>
+            <a:ext cx="8229600" cy="4525963"/>
+          </a:xfrm>
+          <a:prstGeom prst="rect">
+            <a:avLst/>
+          </a:prstGeom>
+        </p:spPr>
+        <p:txBody>
+          <a:bodyPr>
+            <a:normAutofit/>
+          </a:bodyPr>
+          <a:lstStyle>
+            <a:lvl1pPr marL="91440" indent="-91440" algn="l" defTabSz="914400" rtl="0" eaLnBrk="1" latinLnBrk="0" hangingPunct="1">
+              <a:lnSpc>
+                <a:spcPct val="90000"/>
+              </a:lnSpc>
+              <a:spcBef>
+                <a:spcPts val="1200"/>
+              </a:spcBef>
+              <a:spcAft>
+                <a:spcPts val="200"/>
+              </a:spcAft>
+              <a:buClr>
+                <a:schemeClr val="accent1"/>
+              </a:buClr>
+              <a:buSzPct val="100000"/>
+              <a:buFont typeface="Calibri" panose="020F0502020204030204" pitchFamily="34" charset="0"/>
+              <a:buChar char=" "/>
+              <a:defRPr sz="2000" kern="1200">
+                <a:solidFill>
+                  <a:schemeClr val="tx1">
+                    <a:lumMod val="75000"/>
+                    <a:lumOff val="25000"/>
+                  </a:schemeClr>
+                </a:solidFill>
+                <a:latin typeface="+mn-lt"/>
+                <a:ea typeface="+mn-ea"/>
+                <a:cs typeface="+mn-cs"/>
+              </a:defRPr>
+            </a:lvl1pPr>
+            <a:lvl2pPr marL="384048" indent="-182880" algn="l" defTabSz="914400" rtl="0" eaLnBrk="1" latinLnBrk="0" hangingPunct="1">
+              <a:lnSpc>
+                <a:spcPct val="90000"/>
+              </a:lnSpc>
+              <a:spcBef>
+                <a:spcPts val="200"/>
+              </a:spcBef>
+              <a:spcAft>
+                <a:spcPts val="400"/>
+              </a:spcAft>
+              <a:buClr>
+                <a:schemeClr val="accent1"/>
+              </a:buClr>
+              <a:buFont typeface="Calibri" pitchFamily="34" charset="0"/>
+              <a:buChar char="◦"/>
+              <a:defRPr sz="1800" kern="1200">
+                <a:solidFill>
+                  <a:schemeClr val="tx1">
+                    <a:lumMod val="75000"/>
+                    <a:lumOff val="25000"/>
+                  </a:schemeClr>
+                </a:solidFill>
+                <a:latin typeface="+mn-lt"/>
+                <a:ea typeface="+mn-ea"/>
+                <a:cs typeface="+mn-cs"/>
+              </a:defRPr>
+            </a:lvl2pPr>
+            <a:lvl3pPr marL="566928" indent="-182880" algn="l" defTabSz="914400" rtl="0" eaLnBrk="1" latinLnBrk="0" hangingPunct="1">
+              <a:lnSpc>
+                <a:spcPct val="90000"/>
+              </a:lnSpc>
+              <a:spcBef>
+                <a:spcPts val="200"/>
+              </a:spcBef>
+              <a:spcAft>
+                <a:spcPts val="400"/>
+              </a:spcAft>
+              <a:buClr>
+                <a:schemeClr val="accent1"/>
+              </a:buClr>
+              <a:buFont typeface="Calibri" pitchFamily="34" charset="0"/>
+              <a:buChar char="◦"/>
+              <a:defRPr sz="1400" kern="1200">
+                <a:solidFill>
+                  <a:schemeClr val="tx1">
+                    <a:lumMod val="75000"/>
+                    <a:lumOff val="25000"/>
+                  </a:schemeClr>
+                </a:solidFill>
+                <a:latin typeface="+mn-lt"/>
+                <a:ea typeface="+mn-ea"/>
+                <a:cs typeface="+mn-cs"/>
+              </a:defRPr>
+            </a:lvl3pPr>
+            <a:lvl4pPr marL="749808" indent="-182880" algn="l" defTabSz="914400" rtl="0" eaLnBrk="1" latinLnBrk="0" hangingPunct="1">
+              <a:lnSpc>
+                <a:spcPct val="90000"/>
+              </a:lnSpc>
+              <a:spcBef>
+                <a:spcPts val="200"/>
+              </a:spcBef>
+              <a:spcAft>
+                <a:spcPts val="400"/>
+              </a:spcAft>
+              <a:buClr>
+                <a:schemeClr val="accent1"/>
+              </a:buClr>
+              <a:buFont typeface="Calibri" pitchFamily="34" charset="0"/>
+              <a:buChar char="◦"/>
+              <a:defRPr sz="1400" kern="1200">
+                <a:solidFill>
+                  <a:schemeClr val="tx1">
+                    <a:lumMod val="75000"/>
+                    <a:lumOff val="25000"/>
+                  </a:schemeClr>
+                </a:solidFill>
+                <a:latin typeface="+mn-lt"/>
+                <a:ea typeface="+mn-ea"/>
+                <a:cs typeface="+mn-cs"/>
+              </a:defRPr>
+            </a:lvl4pPr>
+            <a:lvl5pPr marL="932688" indent="-182880" algn="l" defTabSz="914400" rtl="0" eaLnBrk="1" latinLnBrk="0" hangingPunct="1">
+              <a:lnSpc>
+                <a:spcPct val="90000"/>
+              </a:lnSpc>
+              <a:spcBef>
+                <a:spcPts val="200"/>
+              </a:spcBef>
+              <a:spcAft>
+                <a:spcPts val="400"/>
+              </a:spcAft>
+              <a:buClr>
+                <a:schemeClr val="accent1"/>
+              </a:buClr>
+              <a:buFont typeface="Calibri" pitchFamily="34" charset="0"/>
+              <a:buChar char="◦"/>
+              <a:defRPr sz="1400" kern="1200">
+                <a:solidFill>
+                  <a:schemeClr val="tx1">
+                    <a:lumMod val="75000"/>
+                    <a:lumOff val="25000"/>
+                  </a:schemeClr>
+                </a:solidFill>
+                <a:latin typeface="+mn-lt"/>
+                <a:ea typeface="+mn-ea"/>
+                <a:cs typeface="+mn-cs"/>
+              </a:defRPr>
+            </a:lvl5pPr>
+            <a:lvl6pPr marL="1100000" indent="-228600" algn="l" defTabSz="914400" rtl="0" eaLnBrk="1" latinLnBrk="0" hangingPunct="1">
+              <a:lnSpc>
+                <a:spcPct val="90000"/>
+              </a:lnSpc>
+              <a:spcBef>
+                <a:spcPts val="200"/>
+              </a:spcBef>
+              <a:spcAft>
+                <a:spcPts val="400"/>
+              </a:spcAft>
+              <a:buClr>
+                <a:schemeClr val="accent1"/>
+              </a:buClr>
+              <a:buFont typeface="Calibri" pitchFamily="34" charset="0"/>
+              <a:buChar char="◦"/>
+              <a:defRPr sz="1400" kern="1200">
+                <a:solidFill>
+                  <a:schemeClr val="tx1">
+                    <a:lumMod val="75000"/>
+                    <a:lumOff val="25000"/>
+                  </a:schemeClr>
+                </a:solidFill>
+                <a:latin typeface="+mn-lt"/>
+                <a:ea typeface="+mn-ea"/>
+                <a:cs typeface="+mn-cs"/>
+              </a:defRPr>
+            </a:lvl6pPr>
+            <a:lvl7pPr marL="1300000" indent="-228600" algn="l" defTabSz="914400" rtl="0" eaLnBrk="1" latinLnBrk="0" hangingPunct="1">
+              <a:lnSpc>
+                <a:spcPct val="90000"/>
+              </a:lnSpc>
+              <a:spcBef>
+                <a:spcPts val="200"/>
+              </a:spcBef>
+              <a:spcAft>
+                <a:spcPts val="400"/>
+              </a:spcAft>
+              <a:buClr>
+                <a:schemeClr val="accent1"/>
+              </a:buClr>
+              <a:buFont typeface="Calibri" pitchFamily="34" charset="0"/>
+              <a:buChar char="◦"/>
+              <a:defRPr sz="1400" kern="1200">
+                <a:solidFill>
+                  <a:schemeClr val="tx1">
+                    <a:lumMod val="75000"/>
+                    <a:lumOff val="25000"/>
+                  </a:schemeClr>
+                </a:solidFill>
+                <a:latin typeface="+mn-lt"/>
+                <a:ea typeface="+mn-ea"/>
+                <a:cs typeface="+mn-cs"/>
+              </a:defRPr>
+            </a:lvl7pPr>
+            <a:lvl8pPr marL="1500000" indent="-228600" algn="l" defTabSz="914400" rtl="0" eaLnBrk="1" latinLnBrk="0" hangingPunct="1">
+              <a:lnSpc>
+                <a:spcPct val="90000"/>
+              </a:lnSpc>
+              <a:spcBef>
+                <a:spcPts val="200"/>
+              </a:spcBef>
+              <a:spcAft>
+                <a:spcPts val="400"/>
+              </a:spcAft>
+              <a:buClr>
+                <a:schemeClr val="accent1"/>
+              </a:buClr>
+              <a:buFont typeface="Calibri" pitchFamily="34" charset="0"/>
+              <a:buChar char="◦"/>
+              <a:defRPr sz="1400" kern="1200">
+                <a:solidFill>
+                  <a:schemeClr val="tx1">
+                    <a:lumMod val="75000"/>
+                    <a:lumOff val="25000"/>
+                  </a:schemeClr>
+                </a:solidFill>
+                <a:latin typeface="+mn-lt"/>
+                <a:ea typeface="+mn-ea"/>
+                <a:cs typeface="+mn-cs"/>
+              </a:defRPr>
+            </a:lvl8pPr>
+            <a:lvl9pPr marL="1700000" indent="-228600" algn="l" defTabSz="914400" rtl="0" eaLnBrk="1" latinLnBrk="0" hangingPunct="1">
+              <a:lnSpc>
+                <a:spcPct val="90000"/>
+              </a:lnSpc>
+              <a:spcBef>
+                <a:spcPts val="200"/>
+              </a:spcBef>
+              <a:spcAft>
+                <a:spcPts val="400"/>
+              </a:spcAft>
+              <a:buClr>
+                <a:schemeClr val="accent1"/>
+              </a:buClr>
+              <a:buFont typeface="Calibri" pitchFamily="34" charset="0"/>
+              <a:buChar char="◦"/>
+              <a:defRPr sz="1400" kern="1200">
+                <a:solidFill>
+                  <a:schemeClr val="tx1">
+                    <a:lumMod val="75000"/>
+                    <a:lumOff val="25000"/>
+                  </a:schemeClr>
+                </a:solidFill>
+                <a:latin typeface="+mn-lt"/>
+                <a:ea typeface="+mn-ea"/>
+                <a:cs typeface="+mn-cs"/>
+              </a:defRPr>
+            </a:lvl9pPr>
+          </a:lstStyle>
+          <a:p>
+            <a:r>
+              <a:rPr lang="en-US" sz="2400" dirty="0"/>
+              <a:t>Admin</a:t>
+            </a:r>
+          </a:p>
+          <a:p>
+            <a:pPr lvl="1"/>
+            <a:r>
+              <a:rPr lang="en-US" sz="2400" dirty="0"/>
+              <a:t>Load the dataset, answer the questions, delete the questions</a:t>
+            </a:r>
+          </a:p>
+          <a:p>
+            <a:r>
+              <a:rPr lang="en-US" sz="2400" dirty="0"/>
+              <a:t>User</a:t>
+            </a:r>
+          </a:p>
+          <a:p>
+            <a:pPr lvl="1"/>
+            <a:r>
+              <a:rPr lang="en-US" sz="2400" dirty="0"/>
+              <a:t>Search for alternatives</a:t>
+            </a:r>
+          </a:p>
+          <a:p>
+            <a:pPr lvl="1"/>
+            <a:r>
+              <a:rPr lang="en-US" sz="2400" dirty="0"/>
+              <a:t>Answer the questions.</a:t>
+            </a:r>
+          </a:p>
+          <a:p>
+            <a:pPr lvl="1"/>
+            <a:r>
+              <a:rPr lang="en-US" sz="2400" dirty="0"/>
+              <a:t>Search for a question</a:t>
+            </a:r>
+          </a:p>
+          <a:p>
+            <a:pPr lvl="1"/>
+            <a:r>
+              <a:rPr lang="en-US" sz="2400" dirty="0"/>
+              <a:t>See association rules</a:t>
+            </a:r>
+          </a:p>
+          <a:p>
+            <a:pPr lvl="1"/>
+            <a:endParaRPr lang="en-US" sz="2400" dirty="0"/>
+          </a:p>
+        </p:txBody>
+      </p:sp>
+      <p:sp>
+        <p:nvSpPr>
+          <p:cNvPr id="3" name="Title 2"/>
+          <p:cNvSpPr txBox="1">
+            <a:spLocks/>
+          </p:cNvSpPr>
+          <p:nvPr/>
+        </p:nvSpPr>
+        <p:spPr>
+          <a:xfrm>
+            <a:off x="457200" y="274638"/>
+            <a:ext cx="8229600" cy="1143000"/>
+          </a:xfrm>
+          <a:prstGeom prst="rect">
+            <a:avLst/>
+          </a:prstGeom>
+        </p:spPr>
+        <p:txBody>
+          <a:bodyPr>
+            <a:normAutofit/>
+          </a:bodyPr>
+          <a:lstStyle>
+            <a:lvl1pPr algn="l" defTabSz="914400" rtl="0" eaLnBrk="1" latinLnBrk="0" hangingPunct="1">
+              <a:lnSpc>
+                <a:spcPct val="85000"/>
+              </a:lnSpc>
+              <a:spcBef>
+                <a:spcPct val="0"/>
+              </a:spcBef>
+              <a:buNone/>
+              <a:defRPr sz="4800" kern="1200" spc="-50" baseline="0">
+                <a:solidFill>
+                  <a:schemeClr val="tx1">
+                    <a:lumMod val="75000"/>
+                    <a:lumOff val="25000"/>
+                  </a:schemeClr>
+                </a:solidFill>
+                <a:latin typeface="+mj-lt"/>
+                <a:ea typeface="+mj-ea"/>
+                <a:cs typeface="+mj-cs"/>
+              </a:defRPr>
+            </a:lvl1pPr>
+          </a:lstStyle>
+          <a:p>
+            <a:r>
+              <a:rPr lang="en-US"/>
+              <a:t>User roles</a:t>
+            </a:r>
+            <a:endParaRPr lang="en-US" dirty="0"/>
+          </a:p>
+        </p:txBody>
+      </p:sp>
+    </p:spTree>
+    <p:extLst>
+      <p:ext uri="{BB962C8B-B14F-4D97-AF65-F5344CB8AC3E}">
+        <p14:creationId xmlns:p14="http://schemas.microsoft.com/office/powerpoint/2010/main" val="2379038570"/>
       </p:ext>
     </p:extLst>
   </p:cSld>
@@ -4882,7 +8566,7 @@
             </a:pPr>
             <a:r>
               <a:rPr lang="en-US" sz="2400" dirty="0"/>
-              <a:t>Comparators</a:t>
+              <a:t> Comparators</a:t>
             </a:r>
           </a:p>
           <a:p>
@@ -4892,7 +8576,7 @@
             </a:pPr>
             <a:r>
               <a:rPr lang="en-US" sz="2400" dirty="0"/>
-              <a:t>Implementing Bootstrapping algorithm, Nearest neighbor algorithm and Association rules</a:t>
+              <a:t> Implementing Bootstrapping algorithm, Nearest neighbor        	algorithm and Association rules</a:t>
             </a:r>
           </a:p>
         </p:txBody>
@@ -4901,6 +8585,1196 @@
     <p:extLst>
       <p:ext uri="{BB962C8B-B14F-4D97-AF65-F5344CB8AC3E}">
         <p14:creationId xmlns:p14="http://schemas.microsoft.com/office/powerpoint/2010/main" val="3937976239"/>
+      </p:ext>
+    </p:extLst>
+  </p:cSld>
+  <p:clrMapOvr>
+    <a:masterClrMapping/>
+  </p:clrMapOvr>
+</p:sld>
+</file>
+
+<file path=ppt/slides/slide30.xml><?xml version="1.0" encoding="utf-8"?>
+<p:sld xmlns:a="http://schemas.openxmlformats.org/drawingml/2006/main" xmlns:r="http://schemas.openxmlformats.org/officeDocument/2006/relationships" xmlns:p="http://schemas.openxmlformats.org/presentationml/2006/main">
+  <p:cSld>
+    <p:spTree>
+      <p:nvGrpSpPr>
+        <p:cNvPr id="1" name=""/>
+        <p:cNvGrpSpPr/>
+        <p:nvPr/>
+      </p:nvGrpSpPr>
+      <p:grpSpPr>
+        <a:xfrm>
+          <a:off x="0" y="0"/>
+          <a:ext cx="0" cy="0"/>
+          <a:chOff x="0" y="0"/>
+          <a:chExt cx="0" cy="0"/>
+        </a:xfrm>
+      </p:grpSpPr>
+      <p:pic>
+        <p:nvPicPr>
+          <p:cNvPr id="5122" name="Picture 4"/>
+          <p:cNvPicPr>
+            <a:picLocks noChangeAspect="1" noChangeArrowheads="1"/>
+          </p:cNvPicPr>
+          <p:nvPr/>
+        </p:nvPicPr>
+        <p:blipFill>
+          <a:blip r:embed="rId2">
+            <a:extLst>
+              <a:ext uri="{28A0092B-C50C-407E-A947-70E740481C1C}">
+                <a14:useLocalDpi xmlns:a14="http://schemas.microsoft.com/office/drawing/2010/main" val="0"/>
+              </a:ext>
+            </a:extLst>
+          </a:blip>
+          <a:srcRect/>
+          <a:stretch>
+            <a:fillRect/>
+          </a:stretch>
+        </p:blipFill>
+        <p:spPr bwMode="auto">
+          <a:xfrm>
+            <a:off x="1235245" y="593559"/>
+            <a:ext cx="9758363" cy="5200650"/>
+          </a:xfrm>
+          <a:prstGeom prst="rect">
+            <a:avLst/>
+          </a:prstGeom>
+          <a:noFill/>
+          <a:ln>
+            <a:noFill/>
+          </a:ln>
+          <a:extLst>
+            <a:ext uri="{909E8E84-426E-40DD-AFC4-6F175D3DCCD1}">
+              <a14:hiddenFill xmlns:a14="http://schemas.microsoft.com/office/drawing/2010/main">
+                <a:solidFill>
+                  <a:srgbClr val="FFFFFF"/>
+                </a:solidFill>
+              </a14:hiddenFill>
+            </a:ext>
+            <a:ext uri="{91240B29-F687-4F45-9708-019B960494DF}">
+              <a14:hiddenLine xmlns:a14="http://schemas.microsoft.com/office/drawing/2010/main" w="9525">
+                <a:solidFill>
+                  <a:srgbClr val="000000"/>
+                </a:solidFill>
+                <a:miter lim="800000"/>
+                <a:headEnd/>
+                <a:tailEnd/>
+              </a14:hiddenLine>
+            </a:ext>
+          </a:extLst>
+        </p:spPr>
+      </p:pic>
+    </p:spTree>
+    <p:extLst>
+      <p:ext uri="{BB962C8B-B14F-4D97-AF65-F5344CB8AC3E}">
+        <p14:creationId xmlns:p14="http://schemas.microsoft.com/office/powerpoint/2010/main" val="2121806673"/>
+      </p:ext>
+    </p:extLst>
+  </p:cSld>
+  <p:clrMapOvr>
+    <a:masterClrMapping/>
+  </p:clrMapOvr>
+</p:sld>
+</file>
+
+<file path=ppt/slides/slide31.xml><?xml version="1.0" encoding="utf-8"?>
+<p:sld xmlns:a="http://schemas.openxmlformats.org/drawingml/2006/main" xmlns:r="http://schemas.openxmlformats.org/officeDocument/2006/relationships" xmlns:p="http://schemas.openxmlformats.org/presentationml/2006/main">
+  <p:cSld>
+    <p:spTree>
+      <p:nvGrpSpPr>
+        <p:cNvPr id="1" name=""/>
+        <p:cNvGrpSpPr/>
+        <p:nvPr/>
+      </p:nvGrpSpPr>
+      <p:grpSpPr>
+        <a:xfrm>
+          <a:off x="0" y="0"/>
+          <a:ext cx="0" cy="0"/>
+          <a:chOff x="0" y="0"/>
+          <a:chExt cx="0" cy="0"/>
+        </a:xfrm>
+      </p:grpSpPr>
+      <p:pic>
+        <p:nvPicPr>
+          <p:cNvPr id="6146" name="Picture 25"/>
+          <p:cNvPicPr>
+            <a:picLocks noChangeAspect="1" noChangeArrowheads="1"/>
+          </p:cNvPicPr>
+          <p:nvPr/>
+        </p:nvPicPr>
+        <p:blipFill>
+          <a:blip r:embed="rId2">
+            <a:extLst>
+              <a:ext uri="{28A0092B-C50C-407E-A947-70E740481C1C}">
+                <a14:useLocalDpi xmlns:a14="http://schemas.microsoft.com/office/drawing/2010/main" val="0"/>
+              </a:ext>
+            </a:extLst>
+          </a:blip>
+          <a:srcRect/>
+          <a:stretch>
+            <a:fillRect/>
+          </a:stretch>
+        </p:blipFill>
+        <p:spPr bwMode="auto">
+          <a:xfrm>
+            <a:off x="1200510" y="667116"/>
+            <a:ext cx="9758363" cy="5200650"/>
+          </a:xfrm>
+          <a:prstGeom prst="rect">
+            <a:avLst/>
+          </a:prstGeom>
+          <a:noFill/>
+          <a:ln>
+            <a:noFill/>
+          </a:ln>
+          <a:extLst>
+            <a:ext uri="{909E8E84-426E-40DD-AFC4-6F175D3DCCD1}">
+              <a14:hiddenFill xmlns:a14="http://schemas.microsoft.com/office/drawing/2010/main">
+                <a:solidFill>
+                  <a:srgbClr val="FFFFFF"/>
+                </a:solidFill>
+              </a14:hiddenFill>
+            </a:ext>
+            <a:ext uri="{91240B29-F687-4F45-9708-019B960494DF}">
+              <a14:hiddenLine xmlns:a14="http://schemas.microsoft.com/office/drawing/2010/main" w="9525">
+                <a:solidFill>
+                  <a:srgbClr val="000000"/>
+                </a:solidFill>
+                <a:miter lim="800000"/>
+                <a:headEnd/>
+                <a:tailEnd/>
+              </a14:hiddenLine>
+            </a:ext>
+          </a:extLst>
+        </p:spPr>
+      </p:pic>
+    </p:spTree>
+    <p:extLst>
+      <p:ext uri="{BB962C8B-B14F-4D97-AF65-F5344CB8AC3E}">
+        <p14:creationId xmlns:p14="http://schemas.microsoft.com/office/powerpoint/2010/main" val="1797470651"/>
+      </p:ext>
+    </p:extLst>
+  </p:cSld>
+  <p:clrMapOvr>
+    <a:masterClrMapping/>
+  </p:clrMapOvr>
+</p:sld>
+</file>
+
+<file path=ppt/slides/slide32.xml><?xml version="1.0" encoding="utf-8"?>
+<p:sld xmlns:a="http://schemas.openxmlformats.org/drawingml/2006/main" xmlns:r="http://schemas.openxmlformats.org/officeDocument/2006/relationships" xmlns:p="http://schemas.openxmlformats.org/presentationml/2006/main">
+  <p:cSld>
+    <p:spTree>
+      <p:nvGrpSpPr>
+        <p:cNvPr id="1" name=""/>
+        <p:cNvGrpSpPr/>
+        <p:nvPr/>
+      </p:nvGrpSpPr>
+      <p:grpSpPr>
+        <a:xfrm>
+          <a:off x="0" y="0"/>
+          <a:ext cx="0" cy="0"/>
+          <a:chOff x="0" y="0"/>
+          <a:chExt cx="0" cy="0"/>
+        </a:xfrm>
+      </p:grpSpPr>
+      <p:pic>
+        <p:nvPicPr>
+          <p:cNvPr id="7170" name="Picture 52"/>
+          <p:cNvPicPr>
+            <a:picLocks noChangeAspect="1" noChangeArrowheads="1"/>
+          </p:cNvPicPr>
+          <p:nvPr/>
+        </p:nvPicPr>
+        <p:blipFill>
+          <a:blip r:embed="rId2">
+            <a:extLst>
+              <a:ext uri="{28A0092B-C50C-407E-A947-70E740481C1C}">
+                <a14:useLocalDpi xmlns:a14="http://schemas.microsoft.com/office/drawing/2010/main" val="0"/>
+              </a:ext>
+            </a:extLst>
+          </a:blip>
+          <a:srcRect/>
+          <a:stretch>
+            <a:fillRect/>
+          </a:stretch>
+        </p:blipFill>
+        <p:spPr bwMode="auto">
+          <a:xfrm>
+            <a:off x="1083285" y="731593"/>
+            <a:ext cx="9758363" cy="5200650"/>
+          </a:xfrm>
+          <a:prstGeom prst="rect">
+            <a:avLst/>
+          </a:prstGeom>
+          <a:noFill/>
+          <a:ln>
+            <a:noFill/>
+          </a:ln>
+          <a:extLst>
+            <a:ext uri="{909E8E84-426E-40DD-AFC4-6F175D3DCCD1}">
+              <a14:hiddenFill xmlns:a14="http://schemas.microsoft.com/office/drawing/2010/main">
+                <a:solidFill>
+                  <a:srgbClr val="FFFFFF"/>
+                </a:solidFill>
+              </a14:hiddenFill>
+            </a:ext>
+            <a:ext uri="{91240B29-F687-4F45-9708-019B960494DF}">
+              <a14:hiddenLine xmlns:a14="http://schemas.microsoft.com/office/drawing/2010/main" w="9525">
+                <a:solidFill>
+                  <a:srgbClr val="000000"/>
+                </a:solidFill>
+                <a:miter lim="800000"/>
+                <a:headEnd/>
+                <a:tailEnd/>
+              </a14:hiddenLine>
+            </a:ext>
+          </a:extLst>
+        </p:spPr>
+      </p:pic>
+    </p:spTree>
+    <p:extLst>
+      <p:ext uri="{BB962C8B-B14F-4D97-AF65-F5344CB8AC3E}">
+        <p14:creationId xmlns:p14="http://schemas.microsoft.com/office/powerpoint/2010/main" val="2277625215"/>
+      </p:ext>
+    </p:extLst>
+  </p:cSld>
+  <p:clrMapOvr>
+    <a:masterClrMapping/>
+  </p:clrMapOvr>
+</p:sld>
+</file>
+
+<file path=ppt/slides/slide33.xml><?xml version="1.0" encoding="utf-8"?>
+<p:sld xmlns:a="http://schemas.openxmlformats.org/drawingml/2006/main" xmlns:r="http://schemas.openxmlformats.org/officeDocument/2006/relationships" xmlns:p="http://schemas.openxmlformats.org/presentationml/2006/main">
+  <p:cSld>
+    <p:spTree>
+      <p:nvGrpSpPr>
+        <p:cNvPr id="1" name=""/>
+        <p:cNvGrpSpPr/>
+        <p:nvPr/>
+      </p:nvGrpSpPr>
+      <p:grpSpPr>
+        <a:xfrm>
+          <a:off x="0" y="0"/>
+          <a:ext cx="0" cy="0"/>
+          <a:chOff x="0" y="0"/>
+          <a:chExt cx="0" cy="0"/>
+        </a:xfrm>
+      </p:grpSpPr>
+      <p:pic>
+        <p:nvPicPr>
+          <p:cNvPr id="8194" name="Picture 58"/>
+          <p:cNvPicPr>
+            <a:picLocks noChangeAspect="1" noChangeArrowheads="1"/>
+          </p:cNvPicPr>
+          <p:nvPr/>
+        </p:nvPicPr>
+        <p:blipFill>
+          <a:blip r:embed="rId2">
+            <a:extLst>
+              <a:ext uri="{28A0092B-C50C-407E-A947-70E740481C1C}">
+                <a14:useLocalDpi xmlns:a14="http://schemas.microsoft.com/office/drawing/2010/main" val="0"/>
+              </a:ext>
+            </a:extLst>
+          </a:blip>
+          <a:srcRect/>
+          <a:stretch>
+            <a:fillRect/>
+          </a:stretch>
+        </p:blipFill>
+        <p:spPr bwMode="auto">
+          <a:xfrm>
+            <a:off x="1364632" y="661254"/>
+            <a:ext cx="9758363" cy="5200650"/>
+          </a:xfrm>
+          <a:prstGeom prst="rect">
+            <a:avLst/>
+          </a:prstGeom>
+          <a:noFill/>
+          <a:ln>
+            <a:noFill/>
+          </a:ln>
+          <a:extLst>
+            <a:ext uri="{909E8E84-426E-40DD-AFC4-6F175D3DCCD1}">
+              <a14:hiddenFill xmlns:a14="http://schemas.microsoft.com/office/drawing/2010/main">
+                <a:solidFill>
+                  <a:srgbClr val="FFFFFF"/>
+                </a:solidFill>
+              </a14:hiddenFill>
+            </a:ext>
+            <a:ext uri="{91240B29-F687-4F45-9708-019B960494DF}">
+              <a14:hiddenLine xmlns:a14="http://schemas.microsoft.com/office/drawing/2010/main" w="9525">
+                <a:solidFill>
+                  <a:srgbClr val="000000"/>
+                </a:solidFill>
+                <a:miter lim="800000"/>
+                <a:headEnd/>
+                <a:tailEnd/>
+              </a14:hiddenLine>
+            </a:ext>
+          </a:extLst>
+        </p:spPr>
+      </p:pic>
+    </p:spTree>
+    <p:extLst>
+      <p:ext uri="{BB962C8B-B14F-4D97-AF65-F5344CB8AC3E}">
+        <p14:creationId xmlns:p14="http://schemas.microsoft.com/office/powerpoint/2010/main" val="1983975785"/>
+      </p:ext>
+    </p:extLst>
+  </p:cSld>
+  <p:clrMapOvr>
+    <a:masterClrMapping/>
+  </p:clrMapOvr>
+</p:sld>
+</file>
+
+<file path=ppt/slides/slide34.xml><?xml version="1.0" encoding="utf-8"?>
+<p:sld xmlns:a="http://schemas.openxmlformats.org/drawingml/2006/main" xmlns:r="http://schemas.openxmlformats.org/officeDocument/2006/relationships" xmlns:p="http://schemas.openxmlformats.org/presentationml/2006/main">
+  <p:cSld>
+    <p:spTree>
+      <p:nvGrpSpPr>
+        <p:cNvPr id="1" name=""/>
+        <p:cNvGrpSpPr/>
+        <p:nvPr/>
+      </p:nvGrpSpPr>
+      <p:grpSpPr>
+        <a:xfrm>
+          <a:off x="0" y="0"/>
+          <a:ext cx="0" cy="0"/>
+          <a:chOff x="0" y="0"/>
+          <a:chExt cx="0" cy="0"/>
+        </a:xfrm>
+      </p:grpSpPr>
+      <p:pic>
+        <p:nvPicPr>
+          <p:cNvPr id="9218" name="Picture 64"/>
+          <p:cNvPicPr>
+            <a:picLocks noChangeAspect="1" noChangeArrowheads="1"/>
+          </p:cNvPicPr>
+          <p:nvPr/>
+        </p:nvPicPr>
+        <p:blipFill>
+          <a:blip r:embed="rId2">
+            <a:extLst>
+              <a:ext uri="{28A0092B-C50C-407E-A947-70E740481C1C}">
+                <a14:useLocalDpi xmlns:a14="http://schemas.microsoft.com/office/drawing/2010/main" val="0"/>
+              </a:ext>
+            </a:extLst>
+          </a:blip>
+          <a:srcRect/>
+          <a:stretch>
+            <a:fillRect/>
+          </a:stretch>
+        </p:blipFill>
+        <p:spPr bwMode="auto">
+          <a:xfrm>
+            <a:off x="1420904" y="649531"/>
+            <a:ext cx="9758363" cy="5200650"/>
+          </a:xfrm>
+          <a:prstGeom prst="rect">
+            <a:avLst/>
+          </a:prstGeom>
+          <a:noFill/>
+          <a:ln>
+            <a:noFill/>
+          </a:ln>
+          <a:extLst>
+            <a:ext uri="{909E8E84-426E-40DD-AFC4-6F175D3DCCD1}">
+              <a14:hiddenFill xmlns:a14="http://schemas.microsoft.com/office/drawing/2010/main">
+                <a:solidFill>
+                  <a:srgbClr val="FFFFFF"/>
+                </a:solidFill>
+              </a14:hiddenFill>
+            </a:ext>
+            <a:ext uri="{91240B29-F687-4F45-9708-019B960494DF}">
+              <a14:hiddenLine xmlns:a14="http://schemas.microsoft.com/office/drawing/2010/main" w="9525">
+                <a:solidFill>
+                  <a:srgbClr val="000000"/>
+                </a:solidFill>
+                <a:miter lim="800000"/>
+                <a:headEnd/>
+                <a:tailEnd/>
+              </a14:hiddenLine>
+            </a:ext>
+          </a:extLst>
+        </p:spPr>
+      </p:pic>
+    </p:spTree>
+    <p:extLst>
+      <p:ext uri="{BB962C8B-B14F-4D97-AF65-F5344CB8AC3E}">
+        <p14:creationId xmlns:p14="http://schemas.microsoft.com/office/powerpoint/2010/main" val="2658421467"/>
+      </p:ext>
+    </p:extLst>
+  </p:cSld>
+  <p:clrMapOvr>
+    <a:masterClrMapping/>
+  </p:clrMapOvr>
+</p:sld>
+</file>
+
+<file path=ppt/slides/slide35.xml><?xml version="1.0" encoding="utf-8"?>
+<p:sld xmlns:a="http://schemas.openxmlformats.org/drawingml/2006/main" xmlns:r="http://schemas.openxmlformats.org/officeDocument/2006/relationships" xmlns:p="http://schemas.openxmlformats.org/presentationml/2006/main">
+  <p:cSld>
+    <p:spTree>
+      <p:nvGrpSpPr>
+        <p:cNvPr id="1" name=""/>
+        <p:cNvGrpSpPr/>
+        <p:nvPr/>
+      </p:nvGrpSpPr>
+      <p:grpSpPr>
+        <a:xfrm>
+          <a:off x="0" y="0"/>
+          <a:ext cx="0" cy="0"/>
+          <a:chOff x="0" y="0"/>
+          <a:chExt cx="0" cy="0"/>
+        </a:xfrm>
+      </p:grpSpPr>
+      <p:pic>
+        <p:nvPicPr>
+          <p:cNvPr id="10242" name="Picture 67"/>
+          <p:cNvPicPr>
+            <a:picLocks noChangeAspect="1" noChangeArrowheads="1"/>
+          </p:cNvPicPr>
+          <p:nvPr/>
+        </p:nvPicPr>
+        <p:blipFill>
+          <a:blip r:embed="rId2">
+            <a:extLst>
+              <a:ext uri="{28A0092B-C50C-407E-A947-70E740481C1C}">
+                <a14:useLocalDpi xmlns:a14="http://schemas.microsoft.com/office/drawing/2010/main" val="0"/>
+              </a:ext>
+            </a:extLst>
+          </a:blip>
+          <a:srcRect/>
+          <a:stretch>
+            <a:fillRect/>
+          </a:stretch>
+        </p:blipFill>
+        <p:spPr bwMode="auto">
+          <a:xfrm>
+            <a:off x="1201610" y="737454"/>
+            <a:ext cx="9758363" cy="5200650"/>
+          </a:xfrm>
+          <a:prstGeom prst="rect">
+            <a:avLst/>
+          </a:prstGeom>
+          <a:noFill/>
+          <a:ln>
+            <a:noFill/>
+          </a:ln>
+          <a:extLst>
+            <a:ext uri="{909E8E84-426E-40DD-AFC4-6F175D3DCCD1}">
+              <a14:hiddenFill xmlns:a14="http://schemas.microsoft.com/office/drawing/2010/main">
+                <a:solidFill>
+                  <a:srgbClr val="FFFFFF"/>
+                </a:solidFill>
+              </a14:hiddenFill>
+            </a:ext>
+            <a:ext uri="{91240B29-F687-4F45-9708-019B960494DF}">
+              <a14:hiddenLine xmlns:a14="http://schemas.microsoft.com/office/drawing/2010/main" w="9525">
+                <a:solidFill>
+                  <a:srgbClr val="000000"/>
+                </a:solidFill>
+                <a:miter lim="800000"/>
+                <a:headEnd/>
+                <a:tailEnd/>
+              </a14:hiddenLine>
+            </a:ext>
+          </a:extLst>
+        </p:spPr>
+      </p:pic>
+    </p:spTree>
+    <p:extLst>
+      <p:ext uri="{BB962C8B-B14F-4D97-AF65-F5344CB8AC3E}">
+        <p14:creationId xmlns:p14="http://schemas.microsoft.com/office/powerpoint/2010/main" val="3891963132"/>
+      </p:ext>
+    </p:extLst>
+  </p:cSld>
+  <p:clrMapOvr>
+    <a:masterClrMapping/>
+  </p:clrMapOvr>
+</p:sld>
+</file>
+
+<file path=ppt/slides/slide36.xml><?xml version="1.0" encoding="utf-8"?>
+<p:sld xmlns:a="http://schemas.openxmlformats.org/drawingml/2006/main" xmlns:r="http://schemas.openxmlformats.org/officeDocument/2006/relationships" xmlns:p="http://schemas.openxmlformats.org/presentationml/2006/main">
+  <p:cSld>
+    <p:spTree>
+      <p:nvGrpSpPr>
+        <p:cNvPr id="1" name=""/>
+        <p:cNvGrpSpPr/>
+        <p:nvPr/>
+      </p:nvGrpSpPr>
+      <p:grpSpPr>
+        <a:xfrm>
+          <a:off x="0" y="0"/>
+          <a:ext cx="0" cy="0"/>
+          <a:chOff x="0" y="0"/>
+          <a:chExt cx="0" cy="0"/>
+        </a:xfrm>
+      </p:grpSpPr>
+      <p:pic>
+        <p:nvPicPr>
+          <p:cNvPr id="2" name="Picture 1"/>
+          <p:cNvPicPr>
+            <a:picLocks noChangeAspect="1"/>
+          </p:cNvPicPr>
+          <p:nvPr/>
+        </p:nvPicPr>
+        <p:blipFill>
+          <a:blip r:embed="rId2"/>
+          <a:stretch>
+            <a:fillRect/>
+          </a:stretch>
+        </p:blipFill>
+        <p:spPr>
+          <a:xfrm>
+            <a:off x="1604212" y="1090863"/>
+            <a:ext cx="8639926" cy="4519362"/>
+          </a:xfrm>
+          <a:prstGeom prst="rect">
+            <a:avLst/>
+          </a:prstGeom>
+        </p:spPr>
+      </p:pic>
+    </p:spTree>
+    <p:extLst>
+      <p:ext uri="{BB962C8B-B14F-4D97-AF65-F5344CB8AC3E}">
+        <p14:creationId xmlns:p14="http://schemas.microsoft.com/office/powerpoint/2010/main" val="3062017698"/>
+      </p:ext>
+    </p:extLst>
+  </p:cSld>
+  <p:clrMapOvr>
+    <a:masterClrMapping/>
+  </p:clrMapOvr>
+</p:sld>
+</file>
+
+<file path=ppt/slides/slide37.xml><?xml version="1.0" encoding="utf-8"?>
+<p:sld xmlns:a="http://schemas.openxmlformats.org/drawingml/2006/main" xmlns:r="http://schemas.openxmlformats.org/officeDocument/2006/relationships" xmlns:p="http://schemas.openxmlformats.org/presentationml/2006/main">
+  <p:cSld>
+    <p:spTree>
+      <p:nvGrpSpPr>
+        <p:cNvPr id="1" name=""/>
+        <p:cNvGrpSpPr/>
+        <p:nvPr/>
+      </p:nvGrpSpPr>
+      <p:grpSpPr>
+        <a:xfrm>
+          <a:off x="0" y="0"/>
+          <a:ext cx="0" cy="0"/>
+          <a:chOff x="0" y="0"/>
+          <a:chExt cx="0" cy="0"/>
+        </a:xfrm>
+      </p:grpSpPr>
+      <p:pic>
+        <p:nvPicPr>
+          <p:cNvPr id="11267" name="Picture 70"/>
+          <p:cNvPicPr>
+            <a:picLocks noChangeAspect="1" noChangeArrowheads="1"/>
+          </p:cNvPicPr>
+          <p:nvPr/>
+        </p:nvPicPr>
+        <p:blipFill>
+          <a:blip r:embed="rId2">
+            <a:extLst>
+              <a:ext uri="{28A0092B-C50C-407E-A947-70E740481C1C}">
+                <a14:useLocalDpi xmlns:a14="http://schemas.microsoft.com/office/drawing/2010/main" val="0"/>
+              </a:ext>
+            </a:extLst>
+          </a:blip>
+          <a:srcRect/>
+          <a:stretch>
+            <a:fillRect/>
+          </a:stretch>
+        </p:blipFill>
+        <p:spPr bwMode="auto">
+          <a:xfrm>
+            <a:off x="3090277" y="1311886"/>
+            <a:ext cx="5829300" cy="2914650"/>
+          </a:xfrm>
+          <a:prstGeom prst="rect">
+            <a:avLst/>
+          </a:prstGeom>
+          <a:noFill/>
+          <a:ln>
+            <a:noFill/>
+          </a:ln>
+          <a:extLst>
+            <a:ext uri="{909E8E84-426E-40DD-AFC4-6F175D3DCCD1}">
+              <a14:hiddenFill xmlns:a14="http://schemas.microsoft.com/office/drawing/2010/main">
+                <a:solidFill>
+                  <a:srgbClr val="FFFFFF"/>
+                </a:solidFill>
+              </a14:hiddenFill>
+            </a:ext>
+            <a:ext uri="{91240B29-F687-4F45-9708-019B960494DF}">
+              <a14:hiddenLine xmlns:a14="http://schemas.microsoft.com/office/drawing/2010/main" w="9525">
+                <a:solidFill>
+                  <a:srgbClr val="000000"/>
+                </a:solidFill>
+                <a:miter lim="800000"/>
+                <a:headEnd/>
+                <a:tailEnd/>
+              </a14:hiddenLine>
+            </a:ext>
+          </a:extLst>
+        </p:spPr>
+      </p:pic>
+    </p:spTree>
+    <p:extLst>
+      <p:ext uri="{BB962C8B-B14F-4D97-AF65-F5344CB8AC3E}">
+        <p14:creationId xmlns:p14="http://schemas.microsoft.com/office/powerpoint/2010/main" val="3327416575"/>
+      </p:ext>
+    </p:extLst>
+  </p:cSld>
+  <p:clrMapOvr>
+    <a:masterClrMapping/>
+  </p:clrMapOvr>
+</p:sld>
+</file>
+
+<file path=ppt/slides/slide38.xml><?xml version="1.0" encoding="utf-8"?>
+<p:sld xmlns:a="http://schemas.openxmlformats.org/drawingml/2006/main" xmlns:r="http://schemas.openxmlformats.org/officeDocument/2006/relationships" xmlns:p="http://schemas.openxmlformats.org/presentationml/2006/main">
+  <p:cSld>
+    <p:spTree>
+      <p:nvGrpSpPr>
+        <p:cNvPr id="1" name=""/>
+        <p:cNvGrpSpPr/>
+        <p:nvPr/>
+      </p:nvGrpSpPr>
+      <p:grpSpPr>
+        <a:xfrm>
+          <a:off x="0" y="0"/>
+          <a:ext cx="0" cy="0"/>
+          <a:chOff x="0" y="0"/>
+          <a:chExt cx="0" cy="0"/>
+        </a:xfrm>
+      </p:grpSpPr>
+      <p:sp>
+        <p:nvSpPr>
+          <p:cNvPr id="2" name="Title 2"/>
+          <p:cNvSpPr txBox="1">
+            <a:spLocks/>
+          </p:cNvSpPr>
+          <p:nvPr/>
+        </p:nvSpPr>
+        <p:spPr>
+          <a:xfrm>
+            <a:off x="457200" y="274638"/>
+            <a:ext cx="8229600" cy="1143000"/>
+          </a:xfrm>
+          <a:prstGeom prst="rect">
+            <a:avLst/>
+          </a:prstGeom>
+        </p:spPr>
+        <p:txBody>
+          <a:bodyPr/>
+          <a:lstStyle>
+            <a:lvl1pPr algn="l" defTabSz="914400" rtl="0" eaLnBrk="1" latinLnBrk="0" hangingPunct="1">
+              <a:lnSpc>
+                <a:spcPct val="85000"/>
+              </a:lnSpc>
+              <a:spcBef>
+                <a:spcPct val="0"/>
+              </a:spcBef>
+              <a:buNone/>
+              <a:defRPr sz="4800" kern="1200" spc="-50" baseline="0">
+                <a:solidFill>
+                  <a:schemeClr val="tx1">
+                    <a:lumMod val="75000"/>
+                    <a:lumOff val="25000"/>
+                  </a:schemeClr>
+                </a:solidFill>
+                <a:latin typeface="+mj-lt"/>
+                <a:ea typeface="+mj-ea"/>
+                <a:cs typeface="+mj-cs"/>
+              </a:defRPr>
+            </a:lvl1pPr>
+          </a:lstStyle>
+          <a:p>
+            <a:r>
+              <a:rPr lang="en-US" b="1" dirty="0"/>
+              <a:t>Challenges</a:t>
+            </a:r>
+          </a:p>
+        </p:txBody>
+      </p:sp>
+      <p:sp>
+        <p:nvSpPr>
+          <p:cNvPr id="3" name="TextBox 2"/>
+          <p:cNvSpPr txBox="1"/>
+          <p:nvPr/>
+        </p:nvSpPr>
+        <p:spPr>
+          <a:xfrm>
+            <a:off x="705853" y="2165684"/>
+            <a:ext cx="8470231" cy="2954655"/>
+          </a:xfrm>
+          <a:prstGeom prst="rect">
+            <a:avLst/>
+          </a:prstGeom>
+          <a:noFill/>
+        </p:spPr>
+        <p:txBody>
+          <a:bodyPr wrap="square" rtlCol="0">
+            <a:spAutoFit/>
+          </a:bodyPr>
+          <a:lstStyle/>
+          <a:p>
+            <a:pPr marL="285750" indent="-285750">
+              <a:buFont typeface="Wingdings" panose="05000000000000000000" pitchFamily="2" charset="2"/>
+              <a:buChar char="§"/>
+            </a:pPr>
+            <a:endParaRPr lang="en-US" sz="2400" dirty="0"/>
+          </a:p>
+          <a:p>
+            <a:pPr marL="285750" indent="-285750">
+              <a:buFont typeface="Wingdings" panose="05000000000000000000" pitchFamily="2" charset="2"/>
+              <a:buChar char="§"/>
+            </a:pPr>
+            <a:r>
+              <a:rPr lang="en-US" sz="2400" dirty="0"/>
+              <a:t>Finding online repository of question and answers, and answering them</a:t>
+            </a:r>
+          </a:p>
+          <a:p>
+            <a:pPr marL="285750" indent="-285750">
+              <a:buFont typeface="Wingdings" panose="05000000000000000000" pitchFamily="2" charset="2"/>
+              <a:buChar char="§"/>
+            </a:pPr>
+            <a:endParaRPr lang="en-US" sz="2400" dirty="0"/>
+          </a:p>
+          <a:p>
+            <a:pPr marL="285750" indent="-285750">
+              <a:buFont typeface="Wingdings" panose="05000000000000000000" pitchFamily="2" charset="2"/>
+              <a:buChar char="§"/>
+            </a:pPr>
+            <a:r>
+              <a:rPr lang="en-US" sz="2400" dirty="0"/>
+              <a:t>Implementation of bootstrap algorithm</a:t>
+            </a:r>
+          </a:p>
+          <a:p>
+            <a:pPr marL="285750" indent="-285750">
+              <a:buFont typeface="Wingdings" panose="05000000000000000000" pitchFamily="2" charset="2"/>
+              <a:buChar char="§"/>
+            </a:pPr>
+            <a:endParaRPr lang="en-US" sz="2400" dirty="0"/>
+          </a:p>
+          <a:p>
+            <a:pPr marL="285750" indent="-285750">
+              <a:buFont typeface="Wingdings" panose="05000000000000000000" pitchFamily="2" charset="2"/>
+              <a:buChar char="§"/>
+            </a:pPr>
+            <a:r>
+              <a:rPr lang="en-US" sz="2400" dirty="0"/>
+              <a:t>Integrating the new questions added into the database</a:t>
+            </a:r>
+          </a:p>
+          <a:p>
+            <a:endParaRPr lang="en-US" dirty="0"/>
+          </a:p>
+        </p:txBody>
+      </p:sp>
+    </p:spTree>
+    <p:extLst>
+      <p:ext uri="{BB962C8B-B14F-4D97-AF65-F5344CB8AC3E}">
+        <p14:creationId xmlns:p14="http://schemas.microsoft.com/office/powerpoint/2010/main" val="1149513214"/>
+      </p:ext>
+    </p:extLst>
+  </p:cSld>
+  <p:clrMapOvr>
+    <a:masterClrMapping/>
+  </p:clrMapOvr>
+</p:sld>
+</file>
+
+<file path=ppt/slides/slide39.xml><?xml version="1.0" encoding="utf-8"?>
+<p:sld xmlns:a="http://schemas.openxmlformats.org/drawingml/2006/main" xmlns:r="http://schemas.openxmlformats.org/officeDocument/2006/relationships" xmlns:p="http://schemas.openxmlformats.org/presentationml/2006/main">
+  <p:cSld>
+    <p:spTree>
+      <p:nvGrpSpPr>
+        <p:cNvPr id="1" name=""/>
+        <p:cNvGrpSpPr/>
+        <p:nvPr/>
+      </p:nvGrpSpPr>
+      <p:grpSpPr>
+        <a:xfrm>
+          <a:off x="0" y="0"/>
+          <a:ext cx="0" cy="0"/>
+          <a:chOff x="0" y="0"/>
+          <a:chExt cx="0" cy="0"/>
+        </a:xfrm>
+      </p:grpSpPr>
+      <p:sp>
+        <p:nvSpPr>
+          <p:cNvPr id="2" name="Title 2"/>
+          <p:cNvSpPr txBox="1">
+            <a:spLocks/>
+          </p:cNvSpPr>
+          <p:nvPr/>
+        </p:nvSpPr>
+        <p:spPr>
+          <a:xfrm>
+            <a:off x="457200" y="274638"/>
+            <a:ext cx="8229600" cy="1143000"/>
+          </a:xfrm>
+          <a:prstGeom prst="rect">
+            <a:avLst/>
+          </a:prstGeom>
+        </p:spPr>
+        <p:txBody>
+          <a:bodyPr/>
+          <a:lstStyle>
+            <a:lvl1pPr algn="l" defTabSz="914400" rtl="0" eaLnBrk="1" latinLnBrk="0" hangingPunct="1">
+              <a:lnSpc>
+                <a:spcPct val="85000"/>
+              </a:lnSpc>
+              <a:spcBef>
+                <a:spcPct val="0"/>
+              </a:spcBef>
+              <a:buNone/>
+              <a:defRPr sz="4800" kern="1200" spc="-50" baseline="0">
+                <a:solidFill>
+                  <a:schemeClr val="tx1">
+                    <a:lumMod val="75000"/>
+                    <a:lumOff val="25000"/>
+                  </a:schemeClr>
+                </a:solidFill>
+                <a:latin typeface="+mj-lt"/>
+                <a:ea typeface="+mj-ea"/>
+                <a:cs typeface="+mj-cs"/>
+              </a:defRPr>
+            </a:lvl1pPr>
+          </a:lstStyle>
+          <a:p>
+            <a:r>
+              <a:rPr lang="en-US" b="1" dirty="0"/>
+              <a:t>Conclusion</a:t>
+            </a:r>
+          </a:p>
+        </p:txBody>
+      </p:sp>
+      <p:sp>
+        <p:nvSpPr>
+          <p:cNvPr id="3" name="Content Placeholder 1"/>
+          <p:cNvSpPr txBox="1">
+            <a:spLocks/>
+          </p:cNvSpPr>
+          <p:nvPr/>
+        </p:nvSpPr>
+        <p:spPr>
+          <a:xfrm>
+            <a:off x="457200" y="1481328"/>
+            <a:ext cx="8229600" cy="4525963"/>
+          </a:xfrm>
+          <a:prstGeom prst="rect">
+            <a:avLst/>
+          </a:prstGeom>
+        </p:spPr>
+        <p:txBody>
+          <a:bodyPr>
+            <a:normAutofit/>
+          </a:bodyPr>
+          <a:lstStyle>
+            <a:lvl1pPr marL="91440" indent="-91440" algn="l" defTabSz="914400" rtl="0" eaLnBrk="1" latinLnBrk="0" hangingPunct="1">
+              <a:lnSpc>
+                <a:spcPct val="90000"/>
+              </a:lnSpc>
+              <a:spcBef>
+                <a:spcPts val="1200"/>
+              </a:spcBef>
+              <a:spcAft>
+                <a:spcPts val="200"/>
+              </a:spcAft>
+              <a:buClr>
+                <a:schemeClr val="accent1"/>
+              </a:buClr>
+              <a:buSzPct val="100000"/>
+              <a:buFont typeface="Calibri" panose="020F0502020204030204" pitchFamily="34" charset="0"/>
+              <a:buChar char=" "/>
+              <a:defRPr sz="2000" kern="1200">
+                <a:solidFill>
+                  <a:schemeClr val="tx1">
+                    <a:lumMod val="75000"/>
+                    <a:lumOff val="25000"/>
+                  </a:schemeClr>
+                </a:solidFill>
+                <a:latin typeface="+mn-lt"/>
+                <a:ea typeface="+mn-ea"/>
+                <a:cs typeface="+mn-cs"/>
+              </a:defRPr>
+            </a:lvl1pPr>
+            <a:lvl2pPr marL="384048" indent="-182880" algn="l" defTabSz="914400" rtl="0" eaLnBrk="1" latinLnBrk="0" hangingPunct="1">
+              <a:lnSpc>
+                <a:spcPct val="90000"/>
+              </a:lnSpc>
+              <a:spcBef>
+                <a:spcPts val="200"/>
+              </a:spcBef>
+              <a:spcAft>
+                <a:spcPts val="400"/>
+              </a:spcAft>
+              <a:buClr>
+                <a:schemeClr val="accent1"/>
+              </a:buClr>
+              <a:buFont typeface="Calibri" pitchFamily="34" charset="0"/>
+              <a:buChar char="◦"/>
+              <a:defRPr sz="1800" kern="1200">
+                <a:solidFill>
+                  <a:schemeClr val="tx1">
+                    <a:lumMod val="75000"/>
+                    <a:lumOff val="25000"/>
+                  </a:schemeClr>
+                </a:solidFill>
+                <a:latin typeface="+mn-lt"/>
+                <a:ea typeface="+mn-ea"/>
+                <a:cs typeface="+mn-cs"/>
+              </a:defRPr>
+            </a:lvl2pPr>
+            <a:lvl3pPr marL="566928" indent="-182880" algn="l" defTabSz="914400" rtl="0" eaLnBrk="1" latinLnBrk="0" hangingPunct="1">
+              <a:lnSpc>
+                <a:spcPct val="90000"/>
+              </a:lnSpc>
+              <a:spcBef>
+                <a:spcPts val="200"/>
+              </a:spcBef>
+              <a:spcAft>
+                <a:spcPts val="400"/>
+              </a:spcAft>
+              <a:buClr>
+                <a:schemeClr val="accent1"/>
+              </a:buClr>
+              <a:buFont typeface="Calibri" pitchFamily="34" charset="0"/>
+              <a:buChar char="◦"/>
+              <a:defRPr sz="1400" kern="1200">
+                <a:solidFill>
+                  <a:schemeClr val="tx1">
+                    <a:lumMod val="75000"/>
+                    <a:lumOff val="25000"/>
+                  </a:schemeClr>
+                </a:solidFill>
+                <a:latin typeface="+mn-lt"/>
+                <a:ea typeface="+mn-ea"/>
+                <a:cs typeface="+mn-cs"/>
+              </a:defRPr>
+            </a:lvl3pPr>
+            <a:lvl4pPr marL="749808" indent="-182880" algn="l" defTabSz="914400" rtl="0" eaLnBrk="1" latinLnBrk="0" hangingPunct="1">
+              <a:lnSpc>
+                <a:spcPct val="90000"/>
+              </a:lnSpc>
+              <a:spcBef>
+                <a:spcPts val="200"/>
+              </a:spcBef>
+              <a:spcAft>
+                <a:spcPts val="400"/>
+              </a:spcAft>
+              <a:buClr>
+                <a:schemeClr val="accent1"/>
+              </a:buClr>
+              <a:buFont typeface="Calibri" pitchFamily="34" charset="0"/>
+              <a:buChar char="◦"/>
+              <a:defRPr sz="1400" kern="1200">
+                <a:solidFill>
+                  <a:schemeClr val="tx1">
+                    <a:lumMod val="75000"/>
+                    <a:lumOff val="25000"/>
+                  </a:schemeClr>
+                </a:solidFill>
+                <a:latin typeface="+mn-lt"/>
+                <a:ea typeface="+mn-ea"/>
+                <a:cs typeface="+mn-cs"/>
+              </a:defRPr>
+            </a:lvl4pPr>
+            <a:lvl5pPr marL="932688" indent="-182880" algn="l" defTabSz="914400" rtl="0" eaLnBrk="1" latinLnBrk="0" hangingPunct="1">
+              <a:lnSpc>
+                <a:spcPct val="90000"/>
+              </a:lnSpc>
+              <a:spcBef>
+                <a:spcPts val="200"/>
+              </a:spcBef>
+              <a:spcAft>
+                <a:spcPts val="400"/>
+              </a:spcAft>
+              <a:buClr>
+                <a:schemeClr val="accent1"/>
+              </a:buClr>
+              <a:buFont typeface="Calibri" pitchFamily="34" charset="0"/>
+              <a:buChar char="◦"/>
+              <a:defRPr sz="1400" kern="1200">
+                <a:solidFill>
+                  <a:schemeClr val="tx1">
+                    <a:lumMod val="75000"/>
+                    <a:lumOff val="25000"/>
+                  </a:schemeClr>
+                </a:solidFill>
+                <a:latin typeface="+mn-lt"/>
+                <a:ea typeface="+mn-ea"/>
+                <a:cs typeface="+mn-cs"/>
+              </a:defRPr>
+            </a:lvl5pPr>
+            <a:lvl6pPr marL="1100000" indent="-228600" algn="l" defTabSz="914400" rtl="0" eaLnBrk="1" latinLnBrk="0" hangingPunct="1">
+              <a:lnSpc>
+                <a:spcPct val="90000"/>
+              </a:lnSpc>
+              <a:spcBef>
+                <a:spcPts val="200"/>
+              </a:spcBef>
+              <a:spcAft>
+                <a:spcPts val="400"/>
+              </a:spcAft>
+              <a:buClr>
+                <a:schemeClr val="accent1"/>
+              </a:buClr>
+              <a:buFont typeface="Calibri" pitchFamily="34" charset="0"/>
+              <a:buChar char="◦"/>
+              <a:defRPr sz="1400" kern="1200">
+                <a:solidFill>
+                  <a:schemeClr val="tx1">
+                    <a:lumMod val="75000"/>
+                    <a:lumOff val="25000"/>
+                  </a:schemeClr>
+                </a:solidFill>
+                <a:latin typeface="+mn-lt"/>
+                <a:ea typeface="+mn-ea"/>
+                <a:cs typeface="+mn-cs"/>
+              </a:defRPr>
+            </a:lvl6pPr>
+            <a:lvl7pPr marL="1300000" indent="-228600" algn="l" defTabSz="914400" rtl="0" eaLnBrk="1" latinLnBrk="0" hangingPunct="1">
+              <a:lnSpc>
+                <a:spcPct val="90000"/>
+              </a:lnSpc>
+              <a:spcBef>
+                <a:spcPts val="200"/>
+              </a:spcBef>
+              <a:spcAft>
+                <a:spcPts val="400"/>
+              </a:spcAft>
+              <a:buClr>
+                <a:schemeClr val="accent1"/>
+              </a:buClr>
+              <a:buFont typeface="Calibri" pitchFamily="34" charset="0"/>
+              <a:buChar char="◦"/>
+              <a:defRPr sz="1400" kern="1200">
+                <a:solidFill>
+                  <a:schemeClr val="tx1">
+                    <a:lumMod val="75000"/>
+                    <a:lumOff val="25000"/>
+                  </a:schemeClr>
+                </a:solidFill>
+                <a:latin typeface="+mn-lt"/>
+                <a:ea typeface="+mn-ea"/>
+                <a:cs typeface="+mn-cs"/>
+              </a:defRPr>
+            </a:lvl7pPr>
+            <a:lvl8pPr marL="1500000" indent="-228600" algn="l" defTabSz="914400" rtl="0" eaLnBrk="1" latinLnBrk="0" hangingPunct="1">
+              <a:lnSpc>
+                <a:spcPct val="90000"/>
+              </a:lnSpc>
+              <a:spcBef>
+                <a:spcPts val="200"/>
+              </a:spcBef>
+              <a:spcAft>
+                <a:spcPts val="400"/>
+              </a:spcAft>
+              <a:buClr>
+                <a:schemeClr val="accent1"/>
+              </a:buClr>
+              <a:buFont typeface="Calibri" pitchFamily="34" charset="0"/>
+              <a:buChar char="◦"/>
+              <a:defRPr sz="1400" kern="1200">
+                <a:solidFill>
+                  <a:schemeClr val="tx1">
+                    <a:lumMod val="75000"/>
+                    <a:lumOff val="25000"/>
+                  </a:schemeClr>
+                </a:solidFill>
+                <a:latin typeface="+mn-lt"/>
+                <a:ea typeface="+mn-ea"/>
+                <a:cs typeface="+mn-cs"/>
+              </a:defRPr>
+            </a:lvl8pPr>
+            <a:lvl9pPr marL="1700000" indent="-228600" algn="l" defTabSz="914400" rtl="0" eaLnBrk="1" latinLnBrk="0" hangingPunct="1">
+              <a:lnSpc>
+                <a:spcPct val="90000"/>
+              </a:lnSpc>
+              <a:spcBef>
+                <a:spcPts val="200"/>
+              </a:spcBef>
+              <a:spcAft>
+                <a:spcPts val="400"/>
+              </a:spcAft>
+              <a:buClr>
+                <a:schemeClr val="accent1"/>
+              </a:buClr>
+              <a:buFont typeface="Calibri" pitchFamily="34" charset="0"/>
+              <a:buChar char="◦"/>
+              <a:defRPr sz="1400" kern="1200">
+                <a:solidFill>
+                  <a:schemeClr val="tx1">
+                    <a:lumMod val="75000"/>
+                    <a:lumOff val="25000"/>
+                  </a:schemeClr>
+                </a:solidFill>
+                <a:latin typeface="+mn-lt"/>
+                <a:ea typeface="+mn-ea"/>
+                <a:cs typeface="+mn-cs"/>
+              </a:defRPr>
+            </a:lvl9pPr>
+          </a:lstStyle>
+          <a:p>
+            <a:pPr>
+              <a:buFont typeface="Wingdings" panose="05000000000000000000" pitchFamily="2" charset="2"/>
+              <a:buChar char="§"/>
+            </a:pPr>
+            <a:r>
+              <a:rPr lang="en-US" sz="2400" dirty="0"/>
+              <a:t>Making use of data mining in finding the comparators.</a:t>
+            </a:r>
+          </a:p>
+          <a:p>
+            <a:pPr>
+              <a:buFont typeface="Wingdings" panose="05000000000000000000" pitchFamily="2" charset="2"/>
+              <a:buChar char="§"/>
+            </a:pPr>
+            <a:endParaRPr lang="en-US" sz="2400" dirty="0"/>
+          </a:p>
+          <a:p>
+            <a:pPr>
+              <a:buFont typeface="Wingdings" panose="05000000000000000000" pitchFamily="2" charset="2"/>
+              <a:buChar char="§"/>
+            </a:pPr>
+            <a:r>
+              <a:rPr lang="en-US" sz="2400" dirty="0"/>
+              <a:t>System can be used in decision making process.</a:t>
+            </a:r>
+          </a:p>
+          <a:p>
+            <a:pPr>
+              <a:buFont typeface="Wingdings" panose="05000000000000000000" pitchFamily="2" charset="2"/>
+              <a:buChar char="§"/>
+            </a:pPr>
+            <a:endParaRPr lang="en-US" sz="2400" dirty="0"/>
+          </a:p>
+          <a:p>
+            <a:pPr>
+              <a:buFont typeface="Wingdings" panose="05000000000000000000" pitchFamily="2" charset="2"/>
+              <a:buChar char="§"/>
+            </a:pPr>
+            <a:r>
+              <a:rPr lang="en-US" sz="2400" dirty="0"/>
+              <a:t>Helps the companies in identifying their competitors.</a:t>
+            </a:r>
+          </a:p>
+        </p:txBody>
+      </p:sp>
+    </p:spTree>
+    <p:extLst>
+      <p:ext uri="{BB962C8B-B14F-4D97-AF65-F5344CB8AC3E}">
+        <p14:creationId xmlns:p14="http://schemas.microsoft.com/office/powerpoint/2010/main" val="4012988836"/>
       </p:ext>
     </p:extLst>
   </p:cSld>
@@ -5281,7 +10155,7 @@
             </a:pPr>
             <a:r>
               <a:rPr lang="en-IN" sz="2400" dirty="0"/>
-              <a:t>Provide user with alternatives to a keyword</a:t>
+              <a:t>Provide user with alternatives</a:t>
             </a:r>
           </a:p>
           <a:p>
@@ -5300,6 +10174,878 @@
     <p:extLst>
       <p:ext uri="{BB962C8B-B14F-4D97-AF65-F5344CB8AC3E}">
         <p14:creationId xmlns:p14="http://schemas.microsoft.com/office/powerpoint/2010/main" val="4174000388"/>
+      </p:ext>
+    </p:extLst>
+  </p:cSld>
+  <p:clrMapOvr>
+    <a:masterClrMapping/>
+  </p:clrMapOvr>
+</p:sld>
+</file>
+
+<file path=ppt/slides/slide40.xml><?xml version="1.0" encoding="utf-8"?>
+<p:sld xmlns:a="http://schemas.openxmlformats.org/drawingml/2006/main" xmlns:r="http://schemas.openxmlformats.org/officeDocument/2006/relationships" xmlns:p="http://schemas.openxmlformats.org/presentationml/2006/main">
+  <p:cSld>
+    <p:spTree>
+      <p:nvGrpSpPr>
+        <p:cNvPr id="1" name=""/>
+        <p:cNvGrpSpPr/>
+        <p:nvPr/>
+      </p:nvGrpSpPr>
+      <p:grpSpPr>
+        <a:xfrm>
+          <a:off x="0" y="0"/>
+          <a:ext cx="0" cy="0"/>
+          <a:chOff x="0" y="0"/>
+          <a:chExt cx="0" cy="0"/>
+        </a:xfrm>
+      </p:grpSpPr>
+      <p:sp>
+        <p:nvSpPr>
+          <p:cNvPr id="2" name="Title 2"/>
+          <p:cNvSpPr txBox="1">
+            <a:spLocks/>
+          </p:cNvSpPr>
+          <p:nvPr/>
+        </p:nvSpPr>
+        <p:spPr>
+          <a:xfrm>
+            <a:off x="457200" y="274638"/>
+            <a:ext cx="8229600" cy="1143000"/>
+          </a:xfrm>
+          <a:prstGeom prst="rect">
+            <a:avLst/>
+          </a:prstGeom>
+        </p:spPr>
+        <p:txBody>
+          <a:bodyPr/>
+          <a:lstStyle>
+            <a:lvl1pPr algn="l" defTabSz="914400" rtl="0" eaLnBrk="1" latinLnBrk="0" hangingPunct="1">
+              <a:lnSpc>
+                <a:spcPct val="85000"/>
+              </a:lnSpc>
+              <a:spcBef>
+                <a:spcPct val="0"/>
+              </a:spcBef>
+              <a:buNone/>
+              <a:defRPr sz="4800" kern="1200" spc="-50" baseline="0">
+                <a:solidFill>
+                  <a:schemeClr val="tx1">
+                    <a:lumMod val="75000"/>
+                    <a:lumOff val="25000"/>
+                  </a:schemeClr>
+                </a:solidFill>
+                <a:latin typeface="+mj-lt"/>
+                <a:ea typeface="+mj-ea"/>
+                <a:cs typeface="+mj-cs"/>
+              </a:defRPr>
+            </a:lvl1pPr>
+          </a:lstStyle>
+          <a:p>
+            <a:r>
+              <a:rPr lang="en-US" b="1" dirty="0"/>
+              <a:t>Future work</a:t>
+            </a:r>
+          </a:p>
+        </p:txBody>
+      </p:sp>
+      <p:sp>
+        <p:nvSpPr>
+          <p:cNvPr id="3" name="Content Placeholder 1"/>
+          <p:cNvSpPr txBox="1">
+            <a:spLocks/>
+          </p:cNvSpPr>
+          <p:nvPr/>
+        </p:nvSpPr>
+        <p:spPr>
+          <a:xfrm>
+            <a:off x="457200" y="1481328"/>
+            <a:ext cx="8229600" cy="4133409"/>
+          </a:xfrm>
+          <a:prstGeom prst="rect">
+            <a:avLst/>
+          </a:prstGeom>
+        </p:spPr>
+        <p:txBody>
+          <a:bodyPr>
+            <a:normAutofit/>
+          </a:bodyPr>
+          <a:lstStyle>
+            <a:lvl1pPr marL="91440" indent="-91440" algn="l" defTabSz="914400" rtl="0" eaLnBrk="1" latinLnBrk="0" hangingPunct="1">
+              <a:lnSpc>
+                <a:spcPct val="90000"/>
+              </a:lnSpc>
+              <a:spcBef>
+                <a:spcPts val="1200"/>
+              </a:spcBef>
+              <a:spcAft>
+                <a:spcPts val="200"/>
+              </a:spcAft>
+              <a:buClr>
+                <a:schemeClr val="accent1"/>
+              </a:buClr>
+              <a:buSzPct val="100000"/>
+              <a:buFont typeface="Calibri" panose="020F0502020204030204" pitchFamily="34" charset="0"/>
+              <a:buChar char=" "/>
+              <a:defRPr sz="2000" kern="1200">
+                <a:solidFill>
+                  <a:schemeClr val="tx1">
+                    <a:lumMod val="75000"/>
+                    <a:lumOff val="25000"/>
+                  </a:schemeClr>
+                </a:solidFill>
+                <a:latin typeface="+mn-lt"/>
+                <a:ea typeface="+mn-ea"/>
+                <a:cs typeface="+mn-cs"/>
+              </a:defRPr>
+            </a:lvl1pPr>
+            <a:lvl2pPr marL="384048" indent="-182880" algn="l" defTabSz="914400" rtl="0" eaLnBrk="1" latinLnBrk="0" hangingPunct="1">
+              <a:lnSpc>
+                <a:spcPct val="90000"/>
+              </a:lnSpc>
+              <a:spcBef>
+                <a:spcPts val="200"/>
+              </a:spcBef>
+              <a:spcAft>
+                <a:spcPts val="400"/>
+              </a:spcAft>
+              <a:buClr>
+                <a:schemeClr val="accent1"/>
+              </a:buClr>
+              <a:buFont typeface="Calibri" pitchFamily="34" charset="0"/>
+              <a:buChar char="◦"/>
+              <a:defRPr sz="1800" kern="1200">
+                <a:solidFill>
+                  <a:schemeClr val="tx1">
+                    <a:lumMod val="75000"/>
+                    <a:lumOff val="25000"/>
+                  </a:schemeClr>
+                </a:solidFill>
+                <a:latin typeface="+mn-lt"/>
+                <a:ea typeface="+mn-ea"/>
+                <a:cs typeface="+mn-cs"/>
+              </a:defRPr>
+            </a:lvl2pPr>
+            <a:lvl3pPr marL="566928" indent="-182880" algn="l" defTabSz="914400" rtl="0" eaLnBrk="1" latinLnBrk="0" hangingPunct="1">
+              <a:lnSpc>
+                <a:spcPct val="90000"/>
+              </a:lnSpc>
+              <a:spcBef>
+                <a:spcPts val="200"/>
+              </a:spcBef>
+              <a:spcAft>
+                <a:spcPts val="400"/>
+              </a:spcAft>
+              <a:buClr>
+                <a:schemeClr val="accent1"/>
+              </a:buClr>
+              <a:buFont typeface="Calibri" pitchFamily="34" charset="0"/>
+              <a:buChar char="◦"/>
+              <a:defRPr sz="1400" kern="1200">
+                <a:solidFill>
+                  <a:schemeClr val="tx1">
+                    <a:lumMod val="75000"/>
+                    <a:lumOff val="25000"/>
+                  </a:schemeClr>
+                </a:solidFill>
+                <a:latin typeface="+mn-lt"/>
+                <a:ea typeface="+mn-ea"/>
+                <a:cs typeface="+mn-cs"/>
+              </a:defRPr>
+            </a:lvl3pPr>
+            <a:lvl4pPr marL="749808" indent="-182880" algn="l" defTabSz="914400" rtl="0" eaLnBrk="1" latinLnBrk="0" hangingPunct="1">
+              <a:lnSpc>
+                <a:spcPct val="90000"/>
+              </a:lnSpc>
+              <a:spcBef>
+                <a:spcPts val="200"/>
+              </a:spcBef>
+              <a:spcAft>
+                <a:spcPts val="400"/>
+              </a:spcAft>
+              <a:buClr>
+                <a:schemeClr val="accent1"/>
+              </a:buClr>
+              <a:buFont typeface="Calibri" pitchFamily="34" charset="0"/>
+              <a:buChar char="◦"/>
+              <a:defRPr sz="1400" kern="1200">
+                <a:solidFill>
+                  <a:schemeClr val="tx1">
+                    <a:lumMod val="75000"/>
+                    <a:lumOff val="25000"/>
+                  </a:schemeClr>
+                </a:solidFill>
+                <a:latin typeface="+mn-lt"/>
+                <a:ea typeface="+mn-ea"/>
+                <a:cs typeface="+mn-cs"/>
+              </a:defRPr>
+            </a:lvl4pPr>
+            <a:lvl5pPr marL="932688" indent="-182880" algn="l" defTabSz="914400" rtl="0" eaLnBrk="1" latinLnBrk="0" hangingPunct="1">
+              <a:lnSpc>
+                <a:spcPct val="90000"/>
+              </a:lnSpc>
+              <a:spcBef>
+                <a:spcPts val="200"/>
+              </a:spcBef>
+              <a:spcAft>
+                <a:spcPts val="400"/>
+              </a:spcAft>
+              <a:buClr>
+                <a:schemeClr val="accent1"/>
+              </a:buClr>
+              <a:buFont typeface="Calibri" pitchFamily="34" charset="0"/>
+              <a:buChar char="◦"/>
+              <a:defRPr sz="1400" kern="1200">
+                <a:solidFill>
+                  <a:schemeClr val="tx1">
+                    <a:lumMod val="75000"/>
+                    <a:lumOff val="25000"/>
+                  </a:schemeClr>
+                </a:solidFill>
+                <a:latin typeface="+mn-lt"/>
+                <a:ea typeface="+mn-ea"/>
+                <a:cs typeface="+mn-cs"/>
+              </a:defRPr>
+            </a:lvl5pPr>
+            <a:lvl6pPr marL="1100000" indent="-228600" algn="l" defTabSz="914400" rtl="0" eaLnBrk="1" latinLnBrk="0" hangingPunct="1">
+              <a:lnSpc>
+                <a:spcPct val="90000"/>
+              </a:lnSpc>
+              <a:spcBef>
+                <a:spcPts val="200"/>
+              </a:spcBef>
+              <a:spcAft>
+                <a:spcPts val="400"/>
+              </a:spcAft>
+              <a:buClr>
+                <a:schemeClr val="accent1"/>
+              </a:buClr>
+              <a:buFont typeface="Calibri" pitchFamily="34" charset="0"/>
+              <a:buChar char="◦"/>
+              <a:defRPr sz="1400" kern="1200">
+                <a:solidFill>
+                  <a:schemeClr val="tx1">
+                    <a:lumMod val="75000"/>
+                    <a:lumOff val="25000"/>
+                  </a:schemeClr>
+                </a:solidFill>
+                <a:latin typeface="+mn-lt"/>
+                <a:ea typeface="+mn-ea"/>
+                <a:cs typeface="+mn-cs"/>
+              </a:defRPr>
+            </a:lvl6pPr>
+            <a:lvl7pPr marL="1300000" indent="-228600" algn="l" defTabSz="914400" rtl="0" eaLnBrk="1" latinLnBrk="0" hangingPunct="1">
+              <a:lnSpc>
+                <a:spcPct val="90000"/>
+              </a:lnSpc>
+              <a:spcBef>
+                <a:spcPts val="200"/>
+              </a:spcBef>
+              <a:spcAft>
+                <a:spcPts val="400"/>
+              </a:spcAft>
+              <a:buClr>
+                <a:schemeClr val="accent1"/>
+              </a:buClr>
+              <a:buFont typeface="Calibri" pitchFamily="34" charset="0"/>
+              <a:buChar char="◦"/>
+              <a:defRPr sz="1400" kern="1200">
+                <a:solidFill>
+                  <a:schemeClr val="tx1">
+                    <a:lumMod val="75000"/>
+                    <a:lumOff val="25000"/>
+                  </a:schemeClr>
+                </a:solidFill>
+                <a:latin typeface="+mn-lt"/>
+                <a:ea typeface="+mn-ea"/>
+                <a:cs typeface="+mn-cs"/>
+              </a:defRPr>
+            </a:lvl7pPr>
+            <a:lvl8pPr marL="1500000" indent="-228600" algn="l" defTabSz="914400" rtl="0" eaLnBrk="1" latinLnBrk="0" hangingPunct="1">
+              <a:lnSpc>
+                <a:spcPct val="90000"/>
+              </a:lnSpc>
+              <a:spcBef>
+                <a:spcPts val="200"/>
+              </a:spcBef>
+              <a:spcAft>
+                <a:spcPts val="400"/>
+              </a:spcAft>
+              <a:buClr>
+                <a:schemeClr val="accent1"/>
+              </a:buClr>
+              <a:buFont typeface="Calibri" pitchFamily="34" charset="0"/>
+              <a:buChar char="◦"/>
+              <a:defRPr sz="1400" kern="1200">
+                <a:solidFill>
+                  <a:schemeClr val="tx1">
+                    <a:lumMod val="75000"/>
+                    <a:lumOff val="25000"/>
+                  </a:schemeClr>
+                </a:solidFill>
+                <a:latin typeface="+mn-lt"/>
+                <a:ea typeface="+mn-ea"/>
+                <a:cs typeface="+mn-cs"/>
+              </a:defRPr>
+            </a:lvl8pPr>
+            <a:lvl9pPr marL="1700000" indent="-228600" algn="l" defTabSz="914400" rtl="0" eaLnBrk="1" latinLnBrk="0" hangingPunct="1">
+              <a:lnSpc>
+                <a:spcPct val="90000"/>
+              </a:lnSpc>
+              <a:spcBef>
+                <a:spcPts val="200"/>
+              </a:spcBef>
+              <a:spcAft>
+                <a:spcPts val="400"/>
+              </a:spcAft>
+              <a:buClr>
+                <a:schemeClr val="accent1"/>
+              </a:buClr>
+              <a:buFont typeface="Calibri" pitchFamily="34" charset="0"/>
+              <a:buChar char="◦"/>
+              <a:defRPr sz="1400" kern="1200">
+                <a:solidFill>
+                  <a:schemeClr val="tx1">
+                    <a:lumMod val="75000"/>
+                    <a:lumOff val="25000"/>
+                  </a:schemeClr>
+                </a:solidFill>
+                <a:latin typeface="+mn-lt"/>
+                <a:ea typeface="+mn-ea"/>
+                <a:cs typeface="+mn-cs"/>
+              </a:defRPr>
+            </a:lvl9pPr>
+          </a:lstStyle>
+          <a:p>
+            <a:pPr>
+              <a:buFont typeface="Wingdings" panose="05000000000000000000" pitchFamily="2" charset="2"/>
+              <a:buChar char="v"/>
+            </a:pPr>
+            <a:endParaRPr lang="en-US" sz="2400" dirty="0"/>
+          </a:p>
+          <a:p>
+            <a:pPr>
+              <a:buFont typeface="Wingdings" panose="05000000000000000000" pitchFamily="2" charset="2"/>
+              <a:buChar char="v"/>
+            </a:pPr>
+            <a:r>
+              <a:rPr lang="en-US" sz="2400" dirty="0"/>
+              <a:t>Pool attributes of similar type into one.</a:t>
+            </a:r>
+          </a:p>
+          <a:p>
+            <a:pPr>
+              <a:buFont typeface="Wingdings" panose="05000000000000000000" pitchFamily="2" charset="2"/>
+              <a:buChar char="v"/>
+            </a:pPr>
+            <a:endParaRPr lang="en-US" sz="2400" dirty="0"/>
+          </a:p>
+          <a:p>
+            <a:pPr>
+              <a:buFont typeface="Wingdings" panose="05000000000000000000" pitchFamily="2" charset="2"/>
+              <a:buChar char="v"/>
+            </a:pPr>
+            <a:r>
+              <a:rPr lang="en-US" sz="2400" dirty="0"/>
+              <a:t>Ambiguity resolution</a:t>
+            </a:r>
+          </a:p>
+          <a:p>
+            <a:pPr>
+              <a:buFont typeface="Wingdings" panose="05000000000000000000" pitchFamily="2" charset="2"/>
+              <a:buChar char="v"/>
+            </a:pPr>
+            <a:endParaRPr lang="en-US" sz="2400" dirty="0"/>
+          </a:p>
+          <a:p>
+            <a:pPr>
+              <a:buFont typeface="Wingdings" panose="05000000000000000000" pitchFamily="2" charset="2"/>
+              <a:buChar char="v"/>
+            </a:pPr>
+            <a:r>
+              <a:rPr lang="en-US" sz="2400" dirty="0"/>
+              <a:t>Performance tuning as and when the database grows.</a:t>
+            </a:r>
+          </a:p>
+        </p:txBody>
+      </p:sp>
+    </p:spTree>
+    <p:extLst>
+      <p:ext uri="{BB962C8B-B14F-4D97-AF65-F5344CB8AC3E}">
+        <p14:creationId xmlns:p14="http://schemas.microsoft.com/office/powerpoint/2010/main" val="1943362160"/>
+      </p:ext>
+    </p:extLst>
+  </p:cSld>
+  <p:clrMapOvr>
+    <a:masterClrMapping/>
+  </p:clrMapOvr>
+</p:sld>
+</file>
+
+<file path=ppt/slides/slide41.xml><?xml version="1.0" encoding="utf-8"?>
+<p:sld xmlns:a="http://schemas.openxmlformats.org/drawingml/2006/main" xmlns:r="http://schemas.openxmlformats.org/officeDocument/2006/relationships" xmlns:p="http://schemas.openxmlformats.org/presentationml/2006/main">
+  <p:cSld>
+    <p:spTree>
+      <p:nvGrpSpPr>
+        <p:cNvPr id="1" name=""/>
+        <p:cNvGrpSpPr/>
+        <p:nvPr/>
+      </p:nvGrpSpPr>
+      <p:grpSpPr>
+        <a:xfrm>
+          <a:off x="0" y="0"/>
+          <a:ext cx="0" cy="0"/>
+          <a:chOff x="0" y="0"/>
+          <a:chExt cx="0" cy="0"/>
+        </a:xfrm>
+      </p:grpSpPr>
+      <p:sp>
+        <p:nvSpPr>
+          <p:cNvPr id="2" name="Title 2"/>
+          <p:cNvSpPr txBox="1">
+            <a:spLocks/>
+          </p:cNvSpPr>
+          <p:nvPr/>
+        </p:nvSpPr>
+        <p:spPr>
+          <a:xfrm>
+            <a:off x="457200" y="274638"/>
+            <a:ext cx="8229600" cy="1143000"/>
+          </a:xfrm>
+          <a:prstGeom prst="rect">
+            <a:avLst/>
+          </a:prstGeom>
+        </p:spPr>
+        <p:txBody>
+          <a:bodyPr>
+            <a:normAutofit/>
+          </a:bodyPr>
+          <a:lstStyle>
+            <a:lvl1pPr algn="l" defTabSz="914400" rtl="0" eaLnBrk="1" latinLnBrk="0" hangingPunct="1">
+              <a:lnSpc>
+                <a:spcPct val="85000"/>
+              </a:lnSpc>
+              <a:spcBef>
+                <a:spcPct val="0"/>
+              </a:spcBef>
+              <a:buNone/>
+              <a:defRPr sz="4800" kern="1200" spc="-50" baseline="0">
+                <a:solidFill>
+                  <a:schemeClr val="tx1">
+                    <a:lumMod val="75000"/>
+                    <a:lumOff val="25000"/>
+                  </a:schemeClr>
+                </a:solidFill>
+                <a:latin typeface="+mj-lt"/>
+                <a:ea typeface="+mj-ea"/>
+                <a:cs typeface="+mj-cs"/>
+              </a:defRPr>
+            </a:lvl1pPr>
+          </a:lstStyle>
+          <a:p>
+            <a:r>
+              <a:rPr lang="en-US" b="1" dirty="0"/>
+              <a:t>References</a:t>
+            </a:r>
+          </a:p>
+        </p:txBody>
+      </p:sp>
+      <p:sp>
+        <p:nvSpPr>
+          <p:cNvPr id="3" name="Content Placeholder 1"/>
+          <p:cNvSpPr txBox="1">
+            <a:spLocks/>
+          </p:cNvSpPr>
+          <p:nvPr/>
+        </p:nvSpPr>
+        <p:spPr>
+          <a:xfrm>
+            <a:off x="457200" y="1481328"/>
+            <a:ext cx="8229600" cy="4525963"/>
+          </a:xfrm>
+          <a:prstGeom prst="rect">
+            <a:avLst/>
+          </a:prstGeom>
+        </p:spPr>
+        <p:txBody>
+          <a:bodyPr>
+            <a:normAutofit/>
+          </a:bodyPr>
+          <a:lstStyle>
+            <a:lvl1pPr marL="91440" indent="-91440" algn="l" defTabSz="914400" rtl="0" eaLnBrk="1" latinLnBrk="0" hangingPunct="1">
+              <a:lnSpc>
+                <a:spcPct val="90000"/>
+              </a:lnSpc>
+              <a:spcBef>
+                <a:spcPts val="1200"/>
+              </a:spcBef>
+              <a:spcAft>
+                <a:spcPts val="200"/>
+              </a:spcAft>
+              <a:buClr>
+                <a:schemeClr val="accent1"/>
+              </a:buClr>
+              <a:buSzPct val="100000"/>
+              <a:buFont typeface="Calibri" panose="020F0502020204030204" pitchFamily="34" charset="0"/>
+              <a:buChar char=" "/>
+              <a:defRPr sz="2000" kern="1200">
+                <a:solidFill>
+                  <a:schemeClr val="tx1">
+                    <a:lumMod val="75000"/>
+                    <a:lumOff val="25000"/>
+                  </a:schemeClr>
+                </a:solidFill>
+                <a:latin typeface="+mn-lt"/>
+                <a:ea typeface="+mn-ea"/>
+                <a:cs typeface="+mn-cs"/>
+              </a:defRPr>
+            </a:lvl1pPr>
+            <a:lvl2pPr marL="384048" indent="-182880" algn="l" defTabSz="914400" rtl="0" eaLnBrk="1" latinLnBrk="0" hangingPunct="1">
+              <a:lnSpc>
+                <a:spcPct val="90000"/>
+              </a:lnSpc>
+              <a:spcBef>
+                <a:spcPts val="200"/>
+              </a:spcBef>
+              <a:spcAft>
+                <a:spcPts val="400"/>
+              </a:spcAft>
+              <a:buClr>
+                <a:schemeClr val="accent1"/>
+              </a:buClr>
+              <a:buFont typeface="Calibri" pitchFamily="34" charset="0"/>
+              <a:buChar char="◦"/>
+              <a:defRPr sz="1800" kern="1200">
+                <a:solidFill>
+                  <a:schemeClr val="tx1">
+                    <a:lumMod val="75000"/>
+                    <a:lumOff val="25000"/>
+                  </a:schemeClr>
+                </a:solidFill>
+                <a:latin typeface="+mn-lt"/>
+                <a:ea typeface="+mn-ea"/>
+                <a:cs typeface="+mn-cs"/>
+              </a:defRPr>
+            </a:lvl2pPr>
+            <a:lvl3pPr marL="566928" indent="-182880" algn="l" defTabSz="914400" rtl="0" eaLnBrk="1" latinLnBrk="0" hangingPunct="1">
+              <a:lnSpc>
+                <a:spcPct val="90000"/>
+              </a:lnSpc>
+              <a:spcBef>
+                <a:spcPts val="200"/>
+              </a:spcBef>
+              <a:spcAft>
+                <a:spcPts val="400"/>
+              </a:spcAft>
+              <a:buClr>
+                <a:schemeClr val="accent1"/>
+              </a:buClr>
+              <a:buFont typeface="Calibri" pitchFamily="34" charset="0"/>
+              <a:buChar char="◦"/>
+              <a:defRPr sz="1400" kern="1200">
+                <a:solidFill>
+                  <a:schemeClr val="tx1">
+                    <a:lumMod val="75000"/>
+                    <a:lumOff val="25000"/>
+                  </a:schemeClr>
+                </a:solidFill>
+                <a:latin typeface="+mn-lt"/>
+                <a:ea typeface="+mn-ea"/>
+                <a:cs typeface="+mn-cs"/>
+              </a:defRPr>
+            </a:lvl3pPr>
+            <a:lvl4pPr marL="749808" indent="-182880" algn="l" defTabSz="914400" rtl="0" eaLnBrk="1" latinLnBrk="0" hangingPunct="1">
+              <a:lnSpc>
+                <a:spcPct val="90000"/>
+              </a:lnSpc>
+              <a:spcBef>
+                <a:spcPts val="200"/>
+              </a:spcBef>
+              <a:spcAft>
+                <a:spcPts val="400"/>
+              </a:spcAft>
+              <a:buClr>
+                <a:schemeClr val="accent1"/>
+              </a:buClr>
+              <a:buFont typeface="Calibri" pitchFamily="34" charset="0"/>
+              <a:buChar char="◦"/>
+              <a:defRPr sz="1400" kern="1200">
+                <a:solidFill>
+                  <a:schemeClr val="tx1">
+                    <a:lumMod val="75000"/>
+                    <a:lumOff val="25000"/>
+                  </a:schemeClr>
+                </a:solidFill>
+                <a:latin typeface="+mn-lt"/>
+                <a:ea typeface="+mn-ea"/>
+                <a:cs typeface="+mn-cs"/>
+              </a:defRPr>
+            </a:lvl4pPr>
+            <a:lvl5pPr marL="932688" indent="-182880" algn="l" defTabSz="914400" rtl="0" eaLnBrk="1" latinLnBrk="0" hangingPunct="1">
+              <a:lnSpc>
+                <a:spcPct val="90000"/>
+              </a:lnSpc>
+              <a:spcBef>
+                <a:spcPts val="200"/>
+              </a:spcBef>
+              <a:spcAft>
+                <a:spcPts val="400"/>
+              </a:spcAft>
+              <a:buClr>
+                <a:schemeClr val="accent1"/>
+              </a:buClr>
+              <a:buFont typeface="Calibri" pitchFamily="34" charset="0"/>
+              <a:buChar char="◦"/>
+              <a:defRPr sz="1400" kern="1200">
+                <a:solidFill>
+                  <a:schemeClr val="tx1">
+                    <a:lumMod val="75000"/>
+                    <a:lumOff val="25000"/>
+                  </a:schemeClr>
+                </a:solidFill>
+                <a:latin typeface="+mn-lt"/>
+                <a:ea typeface="+mn-ea"/>
+                <a:cs typeface="+mn-cs"/>
+              </a:defRPr>
+            </a:lvl5pPr>
+            <a:lvl6pPr marL="1100000" indent="-228600" algn="l" defTabSz="914400" rtl="0" eaLnBrk="1" latinLnBrk="0" hangingPunct="1">
+              <a:lnSpc>
+                <a:spcPct val="90000"/>
+              </a:lnSpc>
+              <a:spcBef>
+                <a:spcPts val="200"/>
+              </a:spcBef>
+              <a:spcAft>
+                <a:spcPts val="400"/>
+              </a:spcAft>
+              <a:buClr>
+                <a:schemeClr val="accent1"/>
+              </a:buClr>
+              <a:buFont typeface="Calibri" pitchFamily="34" charset="0"/>
+              <a:buChar char="◦"/>
+              <a:defRPr sz="1400" kern="1200">
+                <a:solidFill>
+                  <a:schemeClr val="tx1">
+                    <a:lumMod val="75000"/>
+                    <a:lumOff val="25000"/>
+                  </a:schemeClr>
+                </a:solidFill>
+                <a:latin typeface="+mn-lt"/>
+                <a:ea typeface="+mn-ea"/>
+                <a:cs typeface="+mn-cs"/>
+              </a:defRPr>
+            </a:lvl6pPr>
+            <a:lvl7pPr marL="1300000" indent="-228600" algn="l" defTabSz="914400" rtl="0" eaLnBrk="1" latinLnBrk="0" hangingPunct="1">
+              <a:lnSpc>
+                <a:spcPct val="90000"/>
+              </a:lnSpc>
+              <a:spcBef>
+                <a:spcPts val="200"/>
+              </a:spcBef>
+              <a:spcAft>
+                <a:spcPts val="400"/>
+              </a:spcAft>
+              <a:buClr>
+                <a:schemeClr val="accent1"/>
+              </a:buClr>
+              <a:buFont typeface="Calibri" pitchFamily="34" charset="0"/>
+              <a:buChar char="◦"/>
+              <a:defRPr sz="1400" kern="1200">
+                <a:solidFill>
+                  <a:schemeClr val="tx1">
+                    <a:lumMod val="75000"/>
+                    <a:lumOff val="25000"/>
+                  </a:schemeClr>
+                </a:solidFill>
+                <a:latin typeface="+mn-lt"/>
+                <a:ea typeface="+mn-ea"/>
+                <a:cs typeface="+mn-cs"/>
+              </a:defRPr>
+            </a:lvl7pPr>
+            <a:lvl8pPr marL="1500000" indent="-228600" algn="l" defTabSz="914400" rtl="0" eaLnBrk="1" latinLnBrk="0" hangingPunct="1">
+              <a:lnSpc>
+                <a:spcPct val="90000"/>
+              </a:lnSpc>
+              <a:spcBef>
+                <a:spcPts val="200"/>
+              </a:spcBef>
+              <a:spcAft>
+                <a:spcPts val="400"/>
+              </a:spcAft>
+              <a:buClr>
+                <a:schemeClr val="accent1"/>
+              </a:buClr>
+              <a:buFont typeface="Calibri" pitchFamily="34" charset="0"/>
+              <a:buChar char="◦"/>
+              <a:defRPr sz="1400" kern="1200">
+                <a:solidFill>
+                  <a:schemeClr val="tx1">
+                    <a:lumMod val="75000"/>
+                    <a:lumOff val="25000"/>
+                  </a:schemeClr>
+                </a:solidFill>
+                <a:latin typeface="+mn-lt"/>
+                <a:ea typeface="+mn-ea"/>
+                <a:cs typeface="+mn-cs"/>
+              </a:defRPr>
+            </a:lvl8pPr>
+            <a:lvl9pPr marL="1700000" indent="-228600" algn="l" defTabSz="914400" rtl="0" eaLnBrk="1" latinLnBrk="0" hangingPunct="1">
+              <a:lnSpc>
+                <a:spcPct val="90000"/>
+              </a:lnSpc>
+              <a:spcBef>
+                <a:spcPts val="200"/>
+              </a:spcBef>
+              <a:spcAft>
+                <a:spcPts val="400"/>
+              </a:spcAft>
+              <a:buClr>
+                <a:schemeClr val="accent1"/>
+              </a:buClr>
+              <a:buFont typeface="Calibri" pitchFamily="34" charset="0"/>
+              <a:buChar char="◦"/>
+              <a:defRPr sz="1400" kern="1200">
+                <a:solidFill>
+                  <a:schemeClr val="tx1">
+                    <a:lumMod val="75000"/>
+                    <a:lumOff val="25000"/>
+                  </a:schemeClr>
+                </a:solidFill>
+                <a:latin typeface="+mn-lt"/>
+                <a:ea typeface="+mn-ea"/>
+                <a:cs typeface="+mn-cs"/>
+              </a:defRPr>
+            </a:lvl9pPr>
+          </a:lstStyle>
+          <a:p>
+            <a:endParaRPr lang="en-US" dirty="0"/>
+          </a:p>
+          <a:p>
+            <a:r>
+              <a:rPr lang="en-US" dirty="0"/>
+              <a:t>N. Jindal and B. Liu, “Identifying Comparative Sentences in Text Documents,” Proc. 29th Ann. Int’l ACM SIGIR Conf. Research and Development in Information Retrieval (SIGIR ’06), 2006, 244-251.</a:t>
+            </a:r>
+          </a:p>
+          <a:p>
+            <a:endParaRPr lang="en-US" dirty="0"/>
+          </a:p>
+          <a:p>
+            <a:r>
+              <a:rPr lang="en-US" dirty="0"/>
+              <a:t>Li </a:t>
+            </a:r>
+            <a:r>
+              <a:rPr lang="en-US" dirty="0" err="1"/>
+              <a:t>Shasha</a:t>
+            </a:r>
+            <a:r>
+              <a:rPr lang="en-US" dirty="0"/>
+              <a:t>, Chin-Yew Lin, Young-In Song, and </a:t>
+            </a:r>
+            <a:r>
+              <a:rPr lang="en-US" dirty="0" err="1"/>
+              <a:t>Zhoujun</a:t>
+            </a:r>
+            <a:r>
+              <a:rPr lang="en-US" dirty="0"/>
+              <a:t> Li, “Comparable Entity Mining from Comparative Questions”, Knowledge and Data Engineering, IEEE Transactions on 25, no. 7, pp. 1498-1509, 2013</a:t>
+            </a:r>
+          </a:p>
+          <a:p>
+            <a:endParaRPr lang="en-US" sz="1400" dirty="0">
+              <a:hlinkClick r:id="rId2"/>
+            </a:endParaRPr>
+          </a:p>
+          <a:p>
+            <a:r>
+              <a:rPr lang="en-US" sz="1400" dirty="0">
+                <a:hlinkClick r:id="rId2"/>
+              </a:rPr>
+              <a:t>https://www.cs.purdue.edu/homes/aref/cs-690d-presentations/MiningAssociationRules.ppt</a:t>
+            </a:r>
+            <a:endParaRPr lang="en-US" sz="1400" dirty="0"/>
+          </a:p>
+          <a:p>
+            <a:endParaRPr lang="en-US" sz="1200" dirty="0"/>
+          </a:p>
+        </p:txBody>
+      </p:sp>
+    </p:spTree>
+    <p:extLst>
+      <p:ext uri="{BB962C8B-B14F-4D97-AF65-F5344CB8AC3E}">
+        <p14:creationId xmlns:p14="http://schemas.microsoft.com/office/powerpoint/2010/main" val="1936929428"/>
+      </p:ext>
+    </p:extLst>
+  </p:cSld>
+  <p:clrMapOvr>
+    <a:masterClrMapping/>
+  </p:clrMapOvr>
+</p:sld>
+</file>
+
+<file path=ppt/slides/slide42.xml><?xml version="1.0" encoding="utf-8"?>
+<p:sld xmlns:a="http://schemas.openxmlformats.org/drawingml/2006/main" xmlns:r="http://schemas.openxmlformats.org/officeDocument/2006/relationships" xmlns:p="http://schemas.openxmlformats.org/presentationml/2006/main">
+  <p:cSld>
+    <p:spTree>
+      <p:nvGrpSpPr>
+        <p:cNvPr id="1" name=""/>
+        <p:cNvGrpSpPr/>
+        <p:nvPr/>
+      </p:nvGrpSpPr>
+      <p:grpSpPr>
+        <a:xfrm>
+          <a:off x="0" y="0"/>
+          <a:ext cx="0" cy="0"/>
+          <a:chOff x="0" y="0"/>
+          <a:chExt cx="0" cy="0"/>
+        </a:xfrm>
+      </p:grpSpPr>
+      <p:sp>
+        <p:nvSpPr>
+          <p:cNvPr id="2" name="Rectangle 1"/>
+          <p:cNvSpPr/>
+          <p:nvPr/>
+        </p:nvSpPr>
+        <p:spPr>
+          <a:xfrm>
+            <a:off x="3909726" y="2630451"/>
+            <a:ext cx="4297680" cy="1463040"/>
+          </a:xfrm>
+          <a:prstGeom prst="rect">
+            <a:avLst/>
+          </a:prstGeom>
+          <a:noFill/>
+        </p:spPr>
+        <p:txBody>
+          <a:bodyPr wrap="none" lIns="91440" tIns="45720" rIns="91440" bIns="45720">
+            <a:spAutoFit/>
+          </a:bodyPr>
+          <a:lstStyle/>
+          <a:p>
+            <a:pPr algn="ctr"/>
+            <a:r>
+              <a:rPr lang="en-US" sz="5400" b="0" cap="none" spc="0" dirty="0">
+                <a:ln w="0"/>
+                <a:solidFill>
+                  <a:schemeClr val="tx1"/>
+                </a:solidFill>
+                <a:effectLst>
+                  <a:outerShdw blurRad="38100" dist="19050" dir="2700000" algn="tl" rotWithShape="0">
+                    <a:schemeClr val="dk1">
+                      <a:alpha val="40000"/>
+                    </a:schemeClr>
+                  </a:outerShdw>
+                </a:effectLst>
+              </a:rPr>
+              <a:t>Thank you</a:t>
+            </a:r>
+          </a:p>
+        </p:txBody>
+      </p:sp>
+    </p:spTree>
+    <p:extLst>
+      <p:ext uri="{BB962C8B-B14F-4D97-AF65-F5344CB8AC3E}">
+        <p14:creationId xmlns:p14="http://schemas.microsoft.com/office/powerpoint/2010/main" val="1409946640"/>
       </p:ext>
     </p:extLst>
   </p:cSld>
@@ -6181,925 +11927,6 @@
           </a:lstStyle>
           <a:p>
             <a:r>
-              <a:rPr lang="en-US"/>
-              <a:t>Association Rule Mining</a:t>
-            </a:r>
-            <a:endParaRPr lang="en-US" dirty="0"/>
-          </a:p>
-        </p:txBody>
-      </p:sp>
-      <p:sp>
-        <p:nvSpPr>
-          <p:cNvPr id="3" name="Content Placeholder 1"/>
-          <p:cNvSpPr txBox="1">
-            <a:spLocks/>
-          </p:cNvSpPr>
-          <p:nvPr/>
-        </p:nvSpPr>
-        <p:spPr>
-          <a:xfrm>
-            <a:off x="457200" y="1481328"/>
-            <a:ext cx="8229600" cy="4525963"/>
-          </a:xfrm>
-          <a:prstGeom prst="rect">
-            <a:avLst/>
-          </a:prstGeom>
-        </p:spPr>
-        <p:txBody>
-          <a:bodyPr/>
-          <a:lstStyle>
-            <a:lvl1pPr marL="91440" indent="-91440" algn="l" defTabSz="914400" rtl="0" eaLnBrk="1" latinLnBrk="0" hangingPunct="1">
-              <a:lnSpc>
-                <a:spcPct val="90000"/>
-              </a:lnSpc>
-              <a:spcBef>
-                <a:spcPts val="1200"/>
-              </a:spcBef>
-              <a:spcAft>
-                <a:spcPts val="200"/>
-              </a:spcAft>
-              <a:buClr>
-                <a:schemeClr val="accent1"/>
-              </a:buClr>
-              <a:buSzPct val="100000"/>
-              <a:buFont typeface="Calibri" panose="020F0502020204030204" pitchFamily="34" charset="0"/>
-              <a:buChar char=" "/>
-              <a:defRPr sz="2000" kern="1200">
-                <a:solidFill>
-                  <a:schemeClr val="tx1">
-                    <a:lumMod val="75000"/>
-                    <a:lumOff val="25000"/>
-                  </a:schemeClr>
-                </a:solidFill>
-                <a:latin typeface="+mn-lt"/>
-                <a:ea typeface="+mn-ea"/>
-                <a:cs typeface="+mn-cs"/>
-              </a:defRPr>
-            </a:lvl1pPr>
-            <a:lvl2pPr marL="384048" indent="-182880" algn="l" defTabSz="914400" rtl="0" eaLnBrk="1" latinLnBrk="0" hangingPunct="1">
-              <a:lnSpc>
-                <a:spcPct val="90000"/>
-              </a:lnSpc>
-              <a:spcBef>
-                <a:spcPts val="200"/>
-              </a:spcBef>
-              <a:spcAft>
-                <a:spcPts val="400"/>
-              </a:spcAft>
-              <a:buClr>
-                <a:schemeClr val="accent1"/>
-              </a:buClr>
-              <a:buFont typeface="Calibri" pitchFamily="34" charset="0"/>
-              <a:buChar char="◦"/>
-              <a:defRPr sz="1800" kern="1200">
-                <a:solidFill>
-                  <a:schemeClr val="tx1">
-                    <a:lumMod val="75000"/>
-                    <a:lumOff val="25000"/>
-                  </a:schemeClr>
-                </a:solidFill>
-                <a:latin typeface="+mn-lt"/>
-                <a:ea typeface="+mn-ea"/>
-                <a:cs typeface="+mn-cs"/>
-              </a:defRPr>
-            </a:lvl2pPr>
-            <a:lvl3pPr marL="566928" indent="-182880" algn="l" defTabSz="914400" rtl="0" eaLnBrk="1" latinLnBrk="0" hangingPunct="1">
-              <a:lnSpc>
-                <a:spcPct val="90000"/>
-              </a:lnSpc>
-              <a:spcBef>
-                <a:spcPts val="200"/>
-              </a:spcBef>
-              <a:spcAft>
-                <a:spcPts val="400"/>
-              </a:spcAft>
-              <a:buClr>
-                <a:schemeClr val="accent1"/>
-              </a:buClr>
-              <a:buFont typeface="Calibri" pitchFamily="34" charset="0"/>
-              <a:buChar char="◦"/>
-              <a:defRPr sz="1400" kern="1200">
-                <a:solidFill>
-                  <a:schemeClr val="tx1">
-                    <a:lumMod val="75000"/>
-                    <a:lumOff val="25000"/>
-                  </a:schemeClr>
-                </a:solidFill>
-                <a:latin typeface="+mn-lt"/>
-                <a:ea typeface="+mn-ea"/>
-                <a:cs typeface="+mn-cs"/>
-              </a:defRPr>
-            </a:lvl3pPr>
-            <a:lvl4pPr marL="749808" indent="-182880" algn="l" defTabSz="914400" rtl="0" eaLnBrk="1" latinLnBrk="0" hangingPunct="1">
-              <a:lnSpc>
-                <a:spcPct val="90000"/>
-              </a:lnSpc>
-              <a:spcBef>
-                <a:spcPts val="200"/>
-              </a:spcBef>
-              <a:spcAft>
-                <a:spcPts val="400"/>
-              </a:spcAft>
-              <a:buClr>
-                <a:schemeClr val="accent1"/>
-              </a:buClr>
-              <a:buFont typeface="Calibri" pitchFamily="34" charset="0"/>
-              <a:buChar char="◦"/>
-              <a:defRPr sz="1400" kern="1200">
-                <a:solidFill>
-                  <a:schemeClr val="tx1">
-                    <a:lumMod val="75000"/>
-                    <a:lumOff val="25000"/>
-                  </a:schemeClr>
-                </a:solidFill>
-                <a:latin typeface="+mn-lt"/>
-                <a:ea typeface="+mn-ea"/>
-                <a:cs typeface="+mn-cs"/>
-              </a:defRPr>
-            </a:lvl4pPr>
-            <a:lvl5pPr marL="932688" indent="-182880" algn="l" defTabSz="914400" rtl="0" eaLnBrk="1" latinLnBrk="0" hangingPunct="1">
-              <a:lnSpc>
-                <a:spcPct val="90000"/>
-              </a:lnSpc>
-              <a:spcBef>
-                <a:spcPts val="200"/>
-              </a:spcBef>
-              <a:spcAft>
-                <a:spcPts val="400"/>
-              </a:spcAft>
-              <a:buClr>
-                <a:schemeClr val="accent1"/>
-              </a:buClr>
-              <a:buFont typeface="Calibri" pitchFamily="34" charset="0"/>
-              <a:buChar char="◦"/>
-              <a:defRPr sz="1400" kern="1200">
-                <a:solidFill>
-                  <a:schemeClr val="tx1">
-                    <a:lumMod val="75000"/>
-                    <a:lumOff val="25000"/>
-                  </a:schemeClr>
-                </a:solidFill>
-                <a:latin typeface="+mn-lt"/>
-                <a:ea typeface="+mn-ea"/>
-                <a:cs typeface="+mn-cs"/>
-              </a:defRPr>
-            </a:lvl5pPr>
-            <a:lvl6pPr marL="1100000" indent="-228600" algn="l" defTabSz="914400" rtl="0" eaLnBrk="1" latinLnBrk="0" hangingPunct="1">
-              <a:lnSpc>
-                <a:spcPct val="90000"/>
-              </a:lnSpc>
-              <a:spcBef>
-                <a:spcPts val="200"/>
-              </a:spcBef>
-              <a:spcAft>
-                <a:spcPts val="400"/>
-              </a:spcAft>
-              <a:buClr>
-                <a:schemeClr val="accent1"/>
-              </a:buClr>
-              <a:buFont typeface="Calibri" pitchFamily="34" charset="0"/>
-              <a:buChar char="◦"/>
-              <a:defRPr sz="1400" kern="1200">
-                <a:solidFill>
-                  <a:schemeClr val="tx1">
-                    <a:lumMod val="75000"/>
-                    <a:lumOff val="25000"/>
-                  </a:schemeClr>
-                </a:solidFill>
-                <a:latin typeface="+mn-lt"/>
-                <a:ea typeface="+mn-ea"/>
-                <a:cs typeface="+mn-cs"/>
-              </a:defRPr>
-            </a:lvl6pPr>
-            <a:lvl7pPr marL="1300000" indent="-228600" algn="l" defTabSz="914400" rtl="0" eaLnBrk="1" latinLnBrk="0" hangingPunct="1">
-              <a:lnSpc>
-                <a:spcPct val="90000"/>
-              </a:lnSpc>
-              <a:spcBef>
-                <a:spcPts val="200"/>
-              </a:spcBef>
-              <a:spcAft>
-                <a:spcPts val="400"/>
-              </a:spcAft>
-              <a:buClr>
-                <a:schemeClr val="accent1"/>
-              </a:buClr>
-              <a:buFont typeface="Calibri" pitchFamily="34" charset="0"/>
-              <a:buChar char="◦"/>
-              <a:defRPr sz="1400" kern="1200">
-                <a:solidFill>
-                  <a:schemeClr val="tx1">
-                    <a:lumMod val="75000"/>
-                    <a:lumOff val="25000"/>
-                  </a:schemeClr>
-                </a:solidFill>
-                <a:latin typeface="+mn-lt"/>
-                <a:ea typeface="+mn-ea"/>
-                <a:cs typeface="+mn-cs"/>
-              </a:defRPr>
-            </a:lvl7pPr>
-            <a:lvl8pPr marL="1500000" indent="-228600" algn="l" defTabSz="914400" rtl="0" eaLnBrk="1" latinLnBrk="0" hangingPunct="1">
-              <a:lnSpc>
-                <a:spcPct val="90000"/>
-              </a:lnSpc>
-              <a:spcBef>
-                <a:spcPts val="200"/>
-              </a:spcBef>
-              <a:spcAft>
-                <a:spcPts val="400"/>
-              </a:spcAft>
-              <a:buClr>
-                <a:schemeClr val="accent1"/>
-              </a:buClr>
-              <a:buFont typeface="Calibri" pitchFamily="34" charset="0"/>
-              <a:buChar char="◦"/>
-              <a:defRPr sz="1400" kern="1200">
-                <a:solidFill>
-                  <a:schemeClr val="tx1">
-                    <a:lumMod val="75000"/>
-                    <a:lumOff val="25000"/>
-                  </a:schemeClr>
-                </a:solidFill>
-                <a:latin typeface="+mn-lt"/>
-                <a:ea typeface="+mn-ea"/>
-                <a:cs typeface="+mn-cs"/>
-              </a:defRPr>
-            </a:lvl8pPr>
-            <a:lvl9pPr marL="1700000" indent="-228600" algn="l" defTabSz="914400" rtl="0" eaLnBrk="1" latinLnBrk="0" hangingPunct="1">
-              <a:lnSpc>
-                <a:spcPct val="90000"/>
-              </a:lnSpc>
-              <a:spcBef>
-                <a:spcPts val="200"/>
-              </a:spcBef>
-              <a:spcAft>
-                <a:spcPts val="400"/>
-              </a:spcAft>
-              <a:buClr>
-                <a:schemeClr val="accent1"/>
-              </a:buClr>
-              <a:buFont typeface="Calibri" pitchFamily="34" charset="0"/>
-              <a:buChar char="◦"/>
-              <a:defRPr sz="1400" kern="1200">
-                <a:solidFill>
-                  <a:schemeClr val="tx1">
-                    <a:lumMod val="75000"/>
-                    <a:lumOff val="25000"/>
-                  </a:schemeClr>
-                </a:solidFill>
-                <a:latin typeface="+mn-lt"/>
-                <a:ea typeface="+mn-ea"/>
-                <a:cs typeface="+mn-cs"/>
-              </a:defRPr>
-            </a:lvl9pPr>
-          </a:lstStyle>
-          <a:p>
-            <a:pPr algn="just">
-              <a:buSzPct val="80000"/>
-            </a:pPr>
-            <a:r>
-              <a:rPr lang="en-US" sz="2400" dirty="0"/>
-              <a:t>Association rule mining</a:t>
-            </a:r>
-          </a:p>
-          <a:p>
-            <a:pPr marL="393192" lvl="1" indent="0" algn="just">
-              <a:buSzPct val="80000"/>
-              <a:buFont typeface="Calibri" pitchFamily="34" charset="0"/>
-              <a:buNone/>
-            </a:pPr>
-            <a:r>
-              <a:rPr lang="en-US" sz="2000" dirty="0"/>
-              <a:t>Finding frequent patterns, associations, correlations against a larger data set.</a:t>
-            </a:r>
-          </a:p>
-          <a:p>
-            <a:pPr marL="393192" lvl="1" indent="0" algn="just">
-              <a:buSzPct val="80000"/>
-              <a:buFont typeface="Calibri" pitchFamily="34" charset="0"/>
-              <a:buNone/>
-            </a:pPr>
-            <a:endParaRPr lang="en-US" sz="2000" dirty="0"/>
-          </a:p>
-          <a:p>
-            <a:pPr marL="342900" indent="-342900"/>
-            <a:r>
-              <a:rPr lang="en-US" sz="2400" dirty="0"/>
-              <a:t>Item set</a:t>
-            </a:r>
-          </a:p>
-          <a:p>
-            <a:pPr marL="742950" lvl="1" indent="-285750"/>
-            <a:r>
-              <a:rPr lang="en-US" dirty="0"/>
-              <a:t>A collection of one or more items</a:t>
-            </a:r>
-          </a:p>
-          <a:p>
-            <a:pPr marL="1143000" lvl="2"/>
-            <a:r>
-              <a:rPr lang="en-US" sz="1600" dirty="0"/>
-              <a:t>Example: {iPhone, charger}</a:t>
-            </a:r>
-          </a:p>
-          <a:p>
-            <a:pPr marL="742950" lvl="1" indent="-285750"/>
-            <a:r>
-              <a:rPr lang="en-US" dirty="0"/>
-              <a:t>k-item set</a:t>
-            </a:r>
-          </a:p>
-          <a:p>
-            <a:pPr marL="1143000" lvl="2"/>
-            <a:r>
-              <a:rPr lang="en-US" sz="1600" dirty="0"/>
-              <a:t>An item set that contains k items</a:t>
-            </a:r>
-            <a:endParaRPr lang="en-US" sz="1600" b="1" dirty="0"/>
-          </a:p>
-          <a:p>
-            <a:endParaRPr lang="en-US" sz="2400" dirty="0"/>
-          </a:p>
-        </p:txBody>
-      </p:sp>
-    </p:spTree>
-    <p:extLst>
-      <p:ext uri="{BB962C8B-B14F-4D97-AF65-F5344CB8AC3E}">
-        <p14:creationId xmlns:p14="http://schemas.microsoft.com/office/powerpoint/2010/main" val="4057786690"/>
-      </p:ext>
-    </p:extLst>
-  </p:cSld>
-  <p:clrMapOvr>
-    <a:masterClrMapping/>
-  </p:clrMapOvr>
-</p:sld>
-</file>
-
-<file path=ppt/slides/slide8.xml><?xml version="1.0" encoding="utf-8"?>
-<p:sld xmlns:a="http://schemas.openxmlformats.org/drawingml/2006/main" xmlns:r="http://schemas.openxmlformats.org/officeDocument/2006/relationships" xmlns:p="http://schemas.openxmlformats.org/presentationml/2006/main">
-  <p:cSld>
-    <p:spTree>
-      <p:nvGrpSpPr>
-        <p:cNvPr id="1" name=""/>
-        <p:cNvGrpSpPr/>
-        <p:nvPr/>
-      </p:nvGrpSpPr>
-      <p:grpSpPr>
-        <a:xfrm>
-          <a:off x="0" y="0"/>
-          <a:ext cx="0" cy="0"/>
-          <a:chOff x="0" y="0"/>
-          <a:chExt cx="0" cy="0"/>
-        </a:xfrm>
-      </p:grpSpPr>
-      <p:sp>
-        <p:nvSpPr>
-          <p:cNvPr id="2" name="Title 2"/>
-          <p:cNvSpPr txBox="1">
-            <a:spLocks/>
-          </p:cNvSpPr>
-          <p:nvPr/>
-        </p:nvSpPr>
-        <p:spPr>
-          <a:xfrm>
-            <a:off x="457200" y="274638"/>
-            <a:ext cx="8229600" cy="1143000"/>
-          </a:xfrm>
-          <a:prstGeom prst="rect">
-            <a:avLst/>
-          </a:prstGeom>
-        </p:spPr>
-        <p:txBody>
-          <a:bodyPr/>
-          <a:lstStyle>
-            <a:lvl1pPr algn="l" defTabSz="914400" rtl="0" eaLnBrk="1" latinLnBrk="0" hangingPunct="1">
-              <a:lnSpc>
-                <a:spcPct val="85000"/>
-              </a:lnSpc>
-              <a:spcBef>
-                <a:spcPct val="0"/>
-              </a:spcBef>
-              <a:buNone/>
-              <a:defRPr sz="4800" kern="1200" spc="-50" baseline="0">
-                <a:solidFill>
-                  <a:schemeClr val="tx1">
-                    <a:lumMod val="75000"/>
-                    <a:lumOff val="25000"/>
-                  </a:schemeClr>
-                </a:solidFill>
-                <a:latin typeface="+mj-lt"/>
-                <a:ea typeface="+mj-ea"/>
-                <a:cs typeface="+mj-cs"/>
-              </a:defRPr>
-            </a:lvl1pPr>
-          </a:lstStyle>
-          <a:p>
-            <a:r>
-              <a:rPr lang="en-US"/>
-              <a:t>Association Rule</a:t>
-            </a:r>
-            <a:endParaRPr lang="en-US" dirty="0"/>
-          </a:p>
-        </p:txBody>
-      </p:sp>
-      <p:sp>
-        <p:nvSpPr>
-          <p:cNvPr id="3" name="Content Placeholder 1"/>
-          <p:cNvSpPr txBox="1">
-            <a:spLocks/>
-          </p:cNvSpPr>
-          <p:nvPr/>
-        </p:nvSpPr>
-        <p:spPr>
-          <a:xfrm>
-            <a:off x="457200" y="1481328"/>
-            <a:ext cx="5029200" cy="4525963"/>
-          </a:xfrm>
-          <a:prstGeom prst="rect">
-            <a:avLst/>
-          </a:prstGeom>
-        </p:spPr>
-        <p:txBody>
-          <a:bodyPr/>
-          <a:lstStyle>
-            <a:lvl1pPr marL="91440" indent="-91440" algn="l" defTabSz="914400" rtl="0" eaLnBrk="1" latinLnBrk="0" hangingPunct="1">
-              <a:lnSpc>
-                <a:spcPct val="90000"/>
-              </a:lnSpc>
-              <a:spcBef>
-                <a:spcPts val="1200"/>
-              </a:spcBef>
-              <a:spcAft>
-                <a:spcPts val="200"/>
-              </a:spcAft>
-              <a:buClr>
-                <a:schemeClr val="accent1"/>
-              </a:buClr>
-              <a:buSzPct val="100000"/>
-              <a:buFont typeface="Calibri" panose="020F0502020204030204" pitchFamily="34" charset="0"/>
-              <a:buChar char=" "/>
-              <a:defRPr sz="2000" kern="1200">
-                <a:solidFill>
-                  <a:schemeClr val="tx1">
-                    <a:lumMod val="75000"/>
-                    <a:lumOff val="25000"/>
-                  </a:schemeClr>
-                </a:solidFill>
-                <a:latin typeface="+mn-lt"/>
-                <a:ea typeface="+mn-ea"/>
-                <a:cs typeface="+mn-cs"/>
-              </a:defRPr>
-            </a:lvl1pPr>
-            <a:lvl2pPr marL="384048" indent="-182880" algn="l" defTabSz="914400" rtl="0" eaLnBrk="1" latinLnBrk="0" hangingPunct="1">
-              <a:lnSpc>
-                <a:spcPct val="90000"/>
-              </a:lnSpc>
-              <a:spcBef>
-                <a:spcPts val="200"/>
-              </a:spcBef>
-              <a:spcAft>
-                <a:spcPts val="400"/>
-              </a:spcAft>
-              <a:buClr>
-                <a:schemeClr val="accent1"/>
-              </a:buClr>
-              <a:buFont typeface="Calibri" pitchFamily="34" charset="0"/>
-              <a:buChar char="◦"/>
-              <a:defRPr sz="1800" kern="1200">
-                <a:solidFill>
-                  <a:schemeClr val="tx1">
-                    <a:lumMod val="75000"/>
-                    <a:lumOff val="25000"/>
-                  </a:schemeClr>
-                </a:solidFill>
-                <a:latin typeface="+mn-lt"/>
-                <a:ea typeface="+mn-ea"/>
-                <a:cs typeface="+mn-cs"/>
-              </a:defRPr>
-            </a:lvl2pPr>
-            <a:lvl3pPr marL="566928" indent="-182880" algn="l" defTabSz="914400" rtl="0" eaLnBrk="1" latinLnBrk="0" hangingPunct="1">
-              <a:lnSpc>
-                <a:spcPct val="90000"/>
-              </a:lnSpc>
-              <a:spcBef>
-                <a:spcPts val="200"/>
-              </a:spcBef>
-              <a:spcAft>
-                <a:spcPts val="400"/>
-              </a:spcAft>
-              <a:buClr>
-                <a:schemeClr val="accent1"/>
-              </a:buClr>
-              <a:buFont typeface="Calibri" pitchFamily="34" charset="0"/>
-              <a:buChar char="◦"/>
-              <a:defRPr sz="1400" kern="1200">
-                <a:solidFill>
-                  <a:schemeClr val="tx1">
-                    <a:lumMod val="75000"/>
-                    <a:lumOff val="25000"/>
-                  </a:schemeClr>
-                </a:solidFill>
-                <a:latin typeface="+mn-lt"/>
-                <a:ea typeface="+mn-ea"/>
-                <a:cs typeface="+mn-cs"/>
-              </a:defRPr>
-            </a:lvl3pPr>
-            <a:lvl4pPr marL="749808" indent="-182880" algn="l" defTabSz="914400" rtl="0" eaLnBrk="1" latinLnBrk="0" hangingPunct="1">
-              <a:lnSpc>
-                <a:spcPct val="90000"/>
-              </a:lnSpc>
-              <a:spcBef>
-                <a:spcPts val="200"/>
-              </a:spcBef>
-              <a:spcAft>
-                <a:spcPts val="400"/>
-              </a:spcAft>
-              <a:buClr>
-                <a:schemeClr val="accent1"/>
-              </a:buClr>
-              <a:buFont typeface="Calibri" pitchFamily="34" charset="0"/>
-              <a:buChar char="◦"/>
-              <a:defRPr sz="1400" kern="1200">
-                <a:solidFill>
-                  <a:schemeClr val="tx1">
-                    <a:lumMod val="75000"/>
-                    <a:lumOff val="25000"/>
-                  </a:schemeClr>
-                </a:solidFill>
-                <a:latin typeface="+mn-lt"/>
-                <a:ea typeface="+mn-ea"/>
-                <a:cs typeface="+mn-cs"/>
-              </a:defRPr>
-            </a:lvl4pPr>
-            <a:lvl5pPr marL="932688" indent="-182880" algn="l" defTabSz="914400" rtl="0" eaLnBrk="1" latinLnBrk="0" hangingPunct="1">
-              <a:lnSpc>
-                <a:spcPct val="90000"/>
-              </a:lnSpc>
-              <a:spcBef>
-                <a:spcPts val="200"/>
-              </a:spcBef>
-              <a:spcAft>
-                <a:spcPts val="400"/>
-              </a:spcAft>
-              <a:buClr>
-                <a:schemeClr val="accent1"/>
-              </a:buClr>
-              <a:buFont typeface="Calibri" pitchFamily="34" charset="0"/>
-              <a:buChar char="◦"/>
-              <a:defRPr sz="1400" kern="1200">
-                <a:solidFill>
-                  <a:schemeClr val="tx1">
-                    <a:lumMod val="75000"/>
-                    <a:lumOff val="25000"/>
-                  </a:schemeClr>
-                </a:solidFill>
-                <a:latin typeface="+mn-lt"/>
-                <a:ea typeface="+mn-ea"/>
-                <a:cs typeface="+mn-cs"/>
-              </a:defRPr>
-            </a:lvl5pPr>
-            <a:lvl6pPr marL="1100000" indent="-228600" algn="l" defTabSz="914400" rtl="0" eaLnBrk="1" latinLnBrk="0" hangingPunct="1">
-              <a:lnSpc>
-                <a:spcPct val="90000"/>
-              </a:lnSpc>
-              <a:spcBef>
-                <a:spcPts val="200"/>
-              </a:spcBef>
-              <a:spcAft>
-                <a:spcPts val="400"/>
-              </a:spcAft>
-              <a:buClr>
-                <a:schemeClr val="accent1"/>
-              </a:buClr>
-              <a:buFont typeface="Calibri" pitchFamily="34" charset="0"/>
-              <a:buChar char="◦"/>
-              <a:defRPr sz="1400" kern="1200">
-                <a:solidFill>
-                  <a:schemeClr val="tx1">
-                    <a:lumMod val="75000"/>
-                    <a:lumOff val="25000"/>
-                  </a:schemeClr>
-                </a:solidFill>
-                <a:latin typeface="+mn-lt"/>
-                <a:ea typeface="+mn-ea"/>
-                <a:cs typeface="+mn-cs"/>
-              </a:defRPr>
-            </a:lvl6pPr>
-            <a:lvl7pPr marL="1300000" indent="-228600" algn="l" defTabSz="914400" rtl="0" eaLnBrk="1" latinLnBrk="0" hangingPunct="1">
-              <a:lnSpc>
-                <a:spcPct val="90000"/>
-              </a:lnSpc>
-              <a:spcBef>
-                <a:spcPts val="200"/>
-              </a:spcBef>
-              <a:spcAft>
-                <a:spcPts val="400"/>
-              </a:spcAft>
-              <a:buClr>
-                <a:schemeClr val="accent1"/>
-              </a:buClr>
-              <a:buFont typeface="Calibri" pitchFamily="34" charset="0"/>
-              <a:buChar char="◦"/>
-              <a:defRPr sz="1400" kern="1200">
-                <a:solidFill>
-                  <a:schemeClr val="tx1">
-                    <a:lumMod val="75000"/>
-                    <a:lumOff val="25000"/>
-                  </a:schemeClr>
-                </a:solidFill>
-                <a:latin typeface="+mn-lt"/>
-                <a:ea typeface="+mn-ea"/>
-                <a:cs typeface="+mn-cs"/>
-              </a:defRPr>
-            </a:lvl7pPr>
-            <a:lvl8pPr marL="1500000" indent="-228600" algn="l" defTabSz="914400" rtl="0" eaLnBrk="1" latinLnBrk="0" hangingPunct="1">
-              <a:lnSpc>
-                <a:spcPct val="90000"/>
-              </a:lnSpc>
-              <a:spcBef>
-                <a:spcPts val="200"/>
-              </a:spcBef>
-              <a:spcAft>
-                <a:spcPts val="400"/>
-              </a:spcAft>
-              <a:buClr>
-                <a:schemeClr val="accent1"/>
-              </a:buClr>
-              <a:buFont typeface="Calibri" pitchFamily="34" charset="0"/>
-              <a:buChar char="◦"/>
-              <a:defRPr sz="1400" kern="1200">
-                <a:solidFill>
-                  <a:schemeClr val="tx1">
-                    <a:lumMod val="75000"/>
-                    <a:lumOff val="25000"/>
-                  </a:schemeClr>
-                </a:solidFill>
-                <a:latin typeface="+mn-lt"/>
-                <a:ea typeface="+mn-ea"/>
-                <a:cs typeface="+mn-cs"/>
-              </a:defRPr>
-            </a:lvl8pPr>
-            <a:lvl9pPr marL="1700000" indent="-228600" algn="l" defTabSz="914400" rtl="0" eaLnBrk="1" latinLnBrk="0" hangingPunct="1">
-              <a:lnSpc>
-                <a:spcPct val="90000"/>
-              </a:lnSpc>
-              <a:spcBef>
-                <a:spcPts val="200"/>
-              </a:spcBef>
-              <a:spcAft>
-                <a:spcPts val="400"/>
-              </a:spcAft>
-              <a:buClr>
-                <a:schemeClr val="accent1"/>
-              </a:buClr>
-              <a:buFont typeface="Calibri" pitchFamily="34" charset="0"/>
-              <a:buChar char="◦"/>
-              <a:defRPr sz="1400" kern="1200">
-                <a:solidFill>
-                  <a:schemeClr val="tx1">
-                    <a:lumMod val="75000"/>
-                    <a:lumOff val="25000"/>
-                  </a:schemeClr>
-                </a:solidFill>
-                <a:latin typeface="+mn-lt"/>
-                <a:ea typeface="+mn-ea"/>
-                <a:cs typeface="+mn-cs"/>
-              </a:defRPr>
-            </a:lvl9pPr>
-          </a:lstStyle>
-          <a:p>
-            <a:pPr marL="342900" indent="-342900">
-              <a:spcBef>
-                <a:spcPct val="10000"/>
-              </a:spcBef>
-              <a:spcAft>
-                <a:spcPts val="400"/>
-              </a:spcAft>
-              <a:buClr>
-                <a:srgbClr val="0C7B9C"/>
-              </a:buClr>
-              <a:buSzPct val="75000"/>
-              <a:buFont typeface="Monotype Sorts" pitchFamily="2" charset="2"/>
-              <a:buChar char="l"/>
-            </a:pPr>
-            <a:r>
-              <a:rPr lang="en-US" dirty="0"/>
-              <a:t>Association Rule</a:t>
-            </a:r>
-          </a:p>
-          <a:p>
-            <a:pPr marL="342900" indent="-342900">
-              <a:spcBef>
-                <a:spcPct val="10000"/>
-              </a:spcBef>
-              <a:spcAft>
-                <a:spcPts val="400"/>
-              </a:spcAft>
-              <a:buClr>
-                <a:srgbClr val="0C7B9C"/>
-              </a:buClr>
-              <a:buSzPct val="75000"/>
-              <a:buFont typeface="Monotype Sorts" pitchFamily="2" charset="2"/>
-              <a:buChar char="l"/>
-            </a:pPr>
-            <a:endParaRPr lang="en-US" dirty="0"/>
-          </a:p>
-          <a:p>
-            <a:pPr marL="457200" lvl="1" indent="0">
-              <a:spcBef>
-                <a:spcPct val="10000"/>
-              </a:spcBef>
-              <a:buClr>
-                <a:srgbClr val="0C7B9C"/>
-              </a:buClr>
-              <a:buSzPct val="100000"/>
-              <a:buNone/>
-            </a:pPr>
-            <a:r>
-              <a:rPr lang="en-US" dirty="0"/>
-              <a:t>X </a:t>
-            </a:r>
-            <a:r>
-              <a:rPr lang="en-US" dirty="0">
-                <a:sym typeface="Symbol" pitchFamily="18" charset="2"/>
-              </a:rPr>
-              <a:t> Y </a:t>
-            </a:r>
-          </a:p>
-          <a:p>
-            <a:pPr marL="457200" lvl="1" indent="0">
-              <a:spcBef>
-                <a:spcPct val="10000"/>
-              </a:spcBef>
-              <a:buClr>
-                <a:srgbClr val="0C7B9C"/>
-              </a:buClr>
-              <a:buSzPct val="100000"/>
-              <a:buNone/>
-            </a:pPr>
-            <a:r>
-              <a:rPr lang="en-US" dirty="0">
-                <a:sym typeface="Symbol" pitchFamily="18" charset="2"/>
-              </a:rPr>
-              <a:t>X and Y are item sets</a:t>
-            </a:r>
-          </a:p>
-          <a:p>
-            <a:pPr marL="457200" lvl="1" indent="0">
-              <a:spcBef>
-                <a:spcPct val="10000"/>
-              </a:spcBef>
-              <a:buClr>
-                <a:srgbClr val="0C7B9C"/>
-              </a:buClr>
-              <a:buSzPct val="100000"/>
-              <a:buNone/>
-            </a:pPr>
-            <a:endParaRPr lang="en-US" dirty="0">
-              <a:sym typeface="Symbol" pitchFamily="18" charset="2"/>
-            </a:endParaRPr>
-          </a:p>
-          <a:p>
-            <a:pPr marL="342900" indent="-342900">
-              <a:spcBef>
-                <a:spcPct val="10000"/>
-              </a:spcBef>
-              <a:spcAft>
-                <a:spcPts val="400"/>
-              </a:spcAft>
-              <a:buClr>
-                <a:srgbClr val="0C7B9C"/>
-              </a:buClr>
-              <a:buSzPct val="75000"/>
-              <a:buFont typeface="Monotype Sorts" pitchFamily="2" charset="2"/>
-              <a:buChar char="l"/>
-            </a:pPr>
-            <a:r>
-              <a:rPr lang="en-US" dirty="0"/>
-              <a:t>Rule Evaluation Metrics</a:t>
-            </a:r>
-          </a:p>
-          <a:p>
-            <a:pPr marL="342900" indent="-342900">
-              <a:spcBef>
-                <a:spcPct val="10000"/>
-              </a:spcBef>
-              <a:spcAft>
-                <a:spcPts val="400"/>
-              </a:spcAft>
-              <a:buClr>
-                <a:srgbClr val="0C7B9C"/>
-              </a:buClr>
-              <a:buSzPct val="75000"/>
-              <a:buFont typeface="Monotype Sorts" pitchFamily="2" charset="2"/>
-              <a:buChar char="l"/>
-            </a:pPr>
-            <a:endParaRPr lang="en-US" dirty="0"/>
-          </a:p>
-          <a:p>
-            <a:r>
-              <a:rPr lang="en-US" dirty="0"/>
-              <a:t>Support   	= frq(X,Y)/N</a:t>
-            </a:r>
-          </a:p>
-          <a:p>
-            <a:pPr marL="457200" lvl="1" indent="0">
-              <a:spcBef>
-                <a:spcPct val="10000"/>
-              </a:spcBef>
-              <a:buClr>
-                <a:srgbClr val="0C7B9C"/>
-              </a:buClr>
-              <a:buSzPct val="100000"/>
-              <a:buNone/>
-            </a:pPr>
-            <a:endParaRPr lang="en-US" dirty="0"/>
-          </a:p>
-          <a:p>
-            <a:r>
-              <a:rPr lang="en-US" dirty="0"/>
-              <a:t>Confidence 	= frq(X,Y)/frq(X)</a:t>
-            </a:r>
-            <a:endParaRPr lang="en-US" sz="1800" dirty="0"/>
-          </a:p>
-          <a:p>
-            <a:endParaRPr lang="en-US" dirty="0"/>
-          </a:p>
-        </p:txBody>
-      </p:sp>
-    </p:spTree>
-    <p:extLst>
-      <p:ext uri="{BB962C8B-B14F-4D97-AF65-F5344CB8AC3E}">
-        <p14:creationId xmlns:p14="http://schemas.microsoft.com/office/powerpoint/2010/main" val="465581608"/>
-      </p:ext>
-    </p:extLst>
-  </p:cSld>
-  <p:clrMapOvr>
-    <a:masterClrMapping/>
-  </p:clrMapOvr>
-</p:sld>
-</file>
-
-<file path=ppt/slides/slide9.xml><?xml version="1.0" encoding="utf-8"?>
-<p:sld xmlns:a="http://schemas.openxmlformats.org/drawingml/2006/main" xmlns:r="http://schemas.openxmlformats.org/officeDocument/2006/relationships" xmlns:p="http://schemas.openxmlformats.org/presentationml/2006/main">
-  <p:cSld>
-    <p:spTree>
-      <p:nvGrpSpPr>
-        <p:cNvPr id="1" name=""/>
-        <p:cNvGrpSpPr/>
-        <p:nvPr/>
-      </p:nvGrpSpPr>
-      <p:grpSpPr>
-        <a:xfrm>
-          <a:off x="0" y="0"/>
-          <a:ext cx="0" cy="0"/>
-          <a:chOff x="0" y="0"/>
-          <a:chExt cx="0" cy="0"/>
-        </a:xfrm>
-      </p:grpSpPr>
-      <p:sp>
-        <p:nvSpPr>
-          <p:cNvPr id="2" name="Title 2"/>
-          <p:cNvSpPr txBox="1">
-            <a:spLocks/>
-          </p:cNvSpPr>
-          <p:nvPr/>
-        </p:nvSpPr>
-        <p:spPr>
-          <a:xfrm>
-            <a:off x="457200" y="274638"/>
-            <a:ext cx="8229600" cy="1143000"/>
-          </a:xfrm>
-          <a:prstGeom prst="rect">
-            <a:avLst/>
-          </a:prstGeom>
-        </p:spPr>
-        <p:txBody>
-          <a:bodyPr/>
-          <a:lstStyle>
-            <a:lvl1pPr algn="l" defTabSz="914400" rtl="0" eaLnBrk="1" latinLnBrk="0" hangingPunct="1">
-              <a:lnSpc>
-                <a:spcPct val="85000"/>
-              </a:lnSpc>
-              <a:spcBef>
-                <a:spcPct val="0"/>
-              </a:spcBef>
-              <a:buNone/>
-              <a:defRPr sz="4800" kern="1200" spc="-50" baseline="0">
-                <a:solidFill>
-                  <a:schemeClr val="tx1">
-                    <a:lumMod val="75000"/>
-                    <a:lumOff val="25000"/>
-                  </a:schemeClr>
-                </a:solidFill>
-                <a:latin typeface="+mj-lt"/>
-                <a:ea typeface="+mj-ea"/>
-                <a:cs typeface="+mj-cs"/>
-              </a:defRPr>
-            </a:lvl1pPr>
-          </a:lstStyle>
-          <a:p>
-            <a:r>
               <a:rPr lang="en-US" dirty="0"/>
               <a:t>Nearest Neighbor Algorithm</a:t>
             </a:r>
@@ -7374,27 +12201,43 @@
             </a:lvl9pPr>
           </a:lstStyle>
           <a:p>
+            <a:pPr>
+              <a:buFont typeface="Wingdings" panose="05000000000000000000" pitchFamily="2" charset="2"/>
+              <a:buChar char="q"/>
+            </a:pPr>
             <a:r>
               <a:rPr lang="en-US" sz="2400" dirty="0"/>
-              <a:t>Instance based Learning</a:t>
-            </a:r>
-          </a:p>
-          <a:p>
+              <a:t> Instance based Learning</a:t>
+            </a:r>
+          </a:p>
+          <a:p>
+            <a:pPr>
+              <a:buFont typeface="Wingdings" panose="05000000000000000000" pitchFamily="2" charset="2"/>
+              <a:buChar char="q"/>
+            </a:pPr>
             <a:r>
               <a:rPr lang="en-US" sz="2400" dirty="0"/>
-              <a:t>Stores all available cases and classifies new cases based on a similarity measure.</a:t>
-            </a:r>
-          </a:p>
-          <a:p>
+              <a:t> Stores all available cases and classifies new cases based on a  	similarity measure.</a:t>
+            </a:r>
+          </a:p>
+          <a:p>
+            <a:pPr>
+              <a:buFont typeface="Wingdings" panose="05000000000000000000" pitchFamily="2" charset="2"/>
+              <a:buChar char="q"/>
+            </a:pPr>
             <a:r>
               <a:rPr lang="en-US" sz="2400" dirty="0"/>
-              <a:t>Instances represented as points in a Euclidean space.</a:t>
-            </a:r>
-          </a:p>
-          <a:p>
+              <a:t> Instances represented as points in a Euclidean space.</a:t>
+            </a:r>
+          </a:p>
+          <a:p>
+            <a:pPr>
+              <a:buFont typeface="Wingdings" panose="05000000000000000000" pitchFamily="2" charset="2"/>
+              <a:buChar char="q"/>
+            </a:pPr>
             <a:r>
               <a:rPr lang="en-US" sz="2400" dirty="0"/>
-              <a:t>Nearest neighbor are defined in terms of Euclidean distance, </a:t>
+              <a:t> Nearest neighbor are defined in terms of Euclidean distance, 	</a:t>
             </a:r>
             <a:r>
               <a:rPr lang="en-US" sz="2400" dirty="0" err="1"/>
@@ -7422,6 +12265,10 @@
             </a:r>
           </a:p>
           <a:p>
+            <a:pPr>
+              <a:buFont typeface="Wingdings" panose="05000000000000000000" pitchFamily="2" charset="2"/>
+              <a:buChar char="q"/>
+            </a:pPr>
             <a:endParaRPr lang="en-US" sz="2400" dirty="0"/>
           </a:p>
         </p:txBody>
@@ -7430,6 +12277,2267 @@
     <p:extLst>
       <p:ext uri="{BB962C8B-B14F-4D97-AF65-F5344CB8AC3E}">
         <p14:creationId xmlns:p14="http://schemas.microsoft.com/office/powerpoint/2010/main" val="339249421"/>
+      </p:ext>
+    </p:extLst>
+  </p:cSld>
+  <p:clrMapOvr>
+    <a:masterClrMapping/>
+  </p:clrMapOvr>
+</p:sld>
+</file>
+
+<file path=ppt/slides/slide8.xml><?xml version="1.0" encoding="utf-8"?>
+<p:sld xmlns:a="http://schemas.openxmlformats.org/drawingml/2006/main" xmlns:r="http://schemas.openxmlformats.org/officeDocument/2006/relationships" xmlns:p="http://schemas.openxmlformats.org/presentationml/2006/main">
+  <p:cSld>
+    <p:spTree>
+      <p:nvGrpSpPr>
+        <p:cNvPr id="1" name=""/>
+        <p:cNvGrpSpPr/>
+        <p:nvPr/>
+      </p:nvGrpSpPr>
+      <p:grpSpPr>
+        <a:xfrm>
+          <a:off x="0" y="0"/>
+          <a:ext cx="0" cy="0"/>
+          <a:chOff x="0" y="0"/>
+          <a:chExt cx="0" cy="0"/>
+        </a:xfrm>
+      </p:grpSpPr>
+      <p:grpSp>
+        <p:nvGrpSpPr>
+          <p:cNvPr id="37" name="Group 36"/>
+          <p:cNvGrpSpPr/>
+          <p:nvPr/>
+        </p:nvGrpSpPr>
+        <p:grpSpPr>
+          <a:xfrm>
+            <a:off x="304800" y="533400"/>
+            <a:ext cx="8382000" cy="5943600"/>
+            <a:chOff x="304800" y="533400"/>
+            <a:chExt cx="8382000" cy="5943600"/>
+          </a:xfrm>
+        </p:grpSpPr>
+        <p:sp>
+          <p:nvSpPr>
+            <p:cNvPr id="2" name="Rectangle 3"/>
+            <p:cNvSpPr txBox="1">
+              <a:spLocks noChangeArrowheads="1"/>
+            </p:cNvSpPr>
+            <p:nvPr/>
+          </p:nvSpPr>
+          <p:spPr>
+            <a:xfrm>
+              <a:off x="457200" y="1600200"/>
+              <a:ext cx="8229600" cy="4876800"/>
+            </a:xfrm>
+            <a:prstGeom prst="rect">
+              <a:avLst/>
+            </a:prstGeom>
+          </p:spPr>
+          <p:txBody>
+            <a:bodyPr/>
+            <a:lstStyle>
+              <a:lvl1pPr marL="91440" indent="-91440" algn="l" defTabSz="914400" rtl="0" eaLnBrk="1" latinLnBrk="0" hangingPunct="1">
+                <a:lnSpc>
+                  <a:spcPct val="90000"/>
+                </a:lnSpc>
+                <a:spcBef>
+                  <a:spcPts val="1200"/>
+                </a:spcBef>
+                <a:spcAft>
+                  <a:spcPts val="200"/>
+                </a:spcAft>
+                <a:buClr>
+                  <a:schemeClr val="accent1"/>
+                </a:buClr>
+                <a:buSzPct val="100000"/>
+                <a:buFont typeface="Calibri" panose="020F0502020204030204" pitchFamily="34" charset="0"/>
+                <a:buChar char=" "/>
+                <a:defRPr sz="2000" kern="1200">
+                  <a:solidFill>
+                    <a:schemeClr val="tx1">
+                      <a:lumMod val="75000"/>
+                      <a:lumOff val="25000"/>
+                    </a:schemeClr>
+                  </a:solidFill>
+                  <a:latin typeface="+mn-lt"/>
+                  <a:ea typeface="+mn-ea"/>
+                  <a:cs typeface="+mn-cs"/>
+                </a:defRPr>
+              </a:lvl1pPr>
+              <a:lvl2pPr marL="384048" indent="-182880" algn="l" defTabSz="914400" rtl="0" eaLnBrk="1" latinLnBrk="0" hangingPunct="1">
+                <a:lnSpc>
+                  <a:spcPct val="90000"/>
+                </a:lnSpc>
+                <a:spcBef>
+                  <a:spcPts val="200"/>
+                </a:spcBef>
+                <a:spcAft>
+                  <a:spcPts val="400"/>
+                </a:spcAft>
+                <a:buClr>
+                  <a:schemeClr val="accent1"/>
+                </a:buClr>
+                <a:buFont typeface="Calibri" pitchFamily="34" charset="0"/>
+                <a:buChar char="◦"/>
+                <a:defRPr sz="1800" kern="1200">
+                  <a:solidFill>
+                    <a:schemeClr val="tx1">
+                      <a:lumMod val="75000"/>
+                      <a:lumOff val="25000"/>
+                    </a:schemeClr>
+                  </a:solidFill>
+                  <a:latin typeface="+mn-lt"/>
+                  <a:ea typeface="+mn-ea"/>
+                  <a:cs typeface="+mn-cs"/>
+                </a:defRPr>
+              </a:lvl2pPr>
+              <a:lvl3pPr marL="566928" indent="-182880" algn="l" defTabSz="914400" rtl="0" eaLnBrk="1" latinLnBrk="0" hangingPunct="1">
+                <a:lnSpc>
+                  <a:spcPct val="90000"/>
+                </a:lnSpc>
+                <a:spcBef>
+                  <a:spcPts val="200"/>
+                </a:spcBef>
+                <a:spcAft>
+                  <a:spcPts val="400"/>
+                </a:spcAft>
+                <a:buClr>
+                  <a:schemeClr val="accent1"/>
+                </a:buClr>
+                <a:buFont typeface="Calibri" pitchFamily="34" charset="0"/>
+                <a:buChar char="◦"/>
+                <a:defRPr sz="1400" kern="1200">
+                  <a:solidFill>
+                    <a:schemeClr val="tx1">
+                      <a:lumMod val="75000"/>
+                      <a:lumOff val="25000"/>
+                    </a:schemeClr>
+                  </a:solidFill>
+                  <a:latin typeface="+mn-lt"/>
+                  <a:ea typeface="+mn-ea"/>
+                  <a:cs typeface="+mn-cs"/>
+                </a:defRPr>
+              </a:lvl3pPr>
+              <a:lvl4pPr marL="749808" indent="-182880" algn="l" defTabSz="914400" rtl="0" eaLnBrk="1" latinLnBrk="0" hangingPunct="1">
+                <a:lnSpc>
+                  <a:spcPct val="90000"/>
+                </a:lnSpc>
+                <a:spcBef>
+                  <a:spcPts val="200"/>
+                </a:spcBef>
+                <a:spcAft>
+                  <a:spcPts val="400"/>
+                </a:spcAft>
+                <a:buClr>
+                  <a:schemeClr val="accent1"/>
+                </a:buClr>
+                <a:buFont typeface="Calibri" pitchFamily="34" charset="0"/>
+                <a:buChar char="◦"/>
+                <a:defRPr sz="1400" kern="1200">
+                  <a:solidFill>
+                    <a:schemeClr val="tx1">
+                      <a:lumMod val="75000"/>
+                      <a:lumOff val="25000"/>
+                    </a:schemeClr>
+                  </a:solidFill>
+                  <a:latin typeface="+mn-lt"/>
+                  <a:ea typeface="+mn-ea"/>
+                  <a:cs typeface="+mn-cs"/>
+                </a:defRPr>
+              </a:lvl4pPr>
+              <a:lvl5pPr marL="932688" indent="-182880" algn="l" defTabSz="914400" rtl="0" eaLnBrk="1" latinLnBrk="0" hangingPunct="1">
+                <a:lnSpc>
+                  <a:spcPct val="90000"/>
+                </a:lnSpc>
+                <a:spcBef>
+                  <a:spcPts val="200"/>
+                </a:spcBef>
+                <a:spcAft>
+                  <a:spcPts val="400"/>
+                </a:spcAft>
+                <a:buClr>
+                  <a:schemeClr val="accent1"/>
+                </a:buClr>
+                <a:buFont typeface="Calibri" pitchFamily="34" charset="0"/>
+                <a:buChar char="◦"/>
+                <a:defRPr sz="1400" kern="1200">
+                  <a:solidFill>
+                    <a:schemeClr val="tx1">
+                      <a:lumMod val="75000"/>
+                      <a:lumOff val="25000"/>
+                    </a:schemeClr>
+                  </a:solidFill>
+                  <a:latin typeface="+mn-lt"/>
+                  <a:ea typeface="+mn-ea"/>
+                  <a:cs typeface="+mn-cs"/>
+                </a:defRPr>
+              </a:lvl5pPr>
+              <a:lvl6pPr marL="1100000" indent="-228600" algn="l" defTabSz="914400" rtl="0" eaLnBrk="1" latinLnBrk="0" hangingPunct="1">
+                <a:lnSpc>
+                  <a:spcPct val="90000"/>
+                </a:lnSpc>
+                <a:spcBef>
+                  <a:spcPts val="200"/>
+                </a:spcBef>
+                <a:spcAft>
+                  <a:spcPts val="400"/>
+                </a:spcAft>
+                <a:buClr>
+                  <a:schemeClr val="accent1"/>
+                </a:buClr>
+                <a:buFont typeface="Calibri" pitchFamily="34" charset="0"/>
+                <a:buChar char="◦"/>
+                <a:defRPr sz="1400" kern="1200">
+                  <a:solidFill>
+                    <a:schemeClr val="tx1">
+                      <a:lumMod val="75000"/>
+                      <a:lumOff val="25000"/>
+                    </a:schemeClr>
+                  </a:solidFill>
+                  <a:latin typeface="+mn-lt"/>
+                  <a:ea typeface="+mn-ea"/>
+                  <a:cs typeface="+mn-cs"/>
+                </a:defRPr>
+              </a:lvl6pPr>
+              <a:lvl7pPr marL="1300000" indent="-228600" algn="l" defTabSz="914400" rtl="0" eaLnBrk="1" latinLnBrk="0" hangingPunct="1">
+                <a:lnSpc>
+                  <a:spcPct val="90000"/>
+                </a:lnSpc>
+                <a:spcBef>
+                  <a:spcPts val="200"/>
+                </a:spcBef>
+                <a:spcAft>
+                  <a:spcPts val="400"/>
+                </a:spcAft>
+                <a:buClr>
+                  <a:schemeClr val="accent1"/>
+                </a:buClr>
+                <a:buFont typeface="Calibri" pitchFamily="34" charset="0"/>
+                <a:buChar char="◦"/>
+                <a:defRPr sz="1400" kern="1200">
+                  <a:solidFill>
+                    <a:schemeClr val="tx1">
+                      <a:lumMod val="75000"/>
+                      <a:lumOff val="25000"/>
+                    </a:schemeClr>
+                  </a:solidFill>
+                  <a:latin typeface="+mn-lt"/>
+                  <a:ea typeface="+mn-ea"/>
+                  <a:cs typeface="+mn-cs"/>
+                </a:defRPr>
+              </a:lvl7pPr>
+              <a:lvl8pPr marL="1500000" indent="-228600" algn="l" defTabSz="914400" rtl="0" eaLnBrk="1" latinLnBrk="0" hangingPunct="1">
+                <a:lnSpc>
+                  <a:spcPct val="90000"/>
+                </a:lnSpc>
+                <a:spcBef>
+                  <a:spcPts val="200"/>
+                </a:spcBef>
+                <a:spcAft>
+                  <a:spcPts val="400"/>
+                </a:spcAft>
+                <a:buClr>
+                  <a:schemeClr val="accent1"/>
+                </a:buClr>
+                <a:buFont typeface="Calibri" pitchFamily="34" charset="0"/>
+                <a:buChar char="◦"/>
+                <a:defRPr sz="1400" kern="1200">
+                  <a:solidFill>
+                    <a:schemeClr val="tx1">
+                      <a:lumMod val="75000"/>
+                      <a:lumOff val="25000"/>
+                    </a:schemeClr>
+                  </a:solidFill>
+                  <a:latin typeface="+mn-lt"/>
+                  <a:ea typeface="+mn-ea"/>
+                  <a:cs typeface="+mn-cs"/>
+                </a:defRPr>
+              </a:lvl8pPr>
+              <a:lvl9pPr marL="1700000" indent="-228600" algn="l" defTabSz="914400" rtl="0" eaLnBrk="1" latinLnBrk="0" hangingPunct="1">
+                <a:lnSpc>
+                  <a:spcPct val="90000"/>
+                </a:lnSpc>
+                <a:spcBef>
+                  <a:spcPts val="200"/>
+                </a:spcBef>
+                <a:spcAft>
+                  <a:spcPts val="400"/>
+                </a:spcAft>
+                <a:buClr>
+                  <a:schemeClr val="accent1"/>
+                </a:buClr>
+                <a:buFont typeface="Calibri" pitchFamily="34" charset="0"/>
+                <a:buChar char="◦"/>
+                <a:defRPr sz="1400" kern="1200">
+                  <a:solidFill>
+                    <a:schemeClr val="tx1">
+                      <a:lumMod val="75000"/>
+                      <a:lumOff val="25000"/>
+                    </a:schemeClr>
+                  </a:solidFill>
+                  <a:latin typeface="+mn-lt"/>
+                  <a:ea typeface="+mn-ea"/>
+                  <a:cs typeface="+mn-cs"/>
+                </a:defRPr>
+              </a:lvl9pPr>
+            </a:lstStyle>
+            <a:p>
+              <a:r>
+                <a:rPr lang="en-US"/>
+                <a:t>Basic idea:</a:t>
+              </a:r>
+            </a:p>
+            <a:p>
+              <a:pPr lvl="1"/>
+              <a:r>
+                <a:rPr lang="en-US"/>
+                <a:t>If it walks like a duck, quacks like a duck, then it’s probably a duck</a:t>
+              </a:r>
+              <a:endParaRPr lang="en-US" dirty="0"/>
+            </a:p>
+          </p:txBody>
+        </p:sp>
+        <p:sp>
+          <p:nvSpPr>
+            <p:cNvPr id="11" name="Rectangle 2"/>
+            <p:cNvSpPr txBox="1">
+              <a:spLocks noChangeArrowheads="1"/>
+            </p:cNvSpPr>
+            <p:nvPr/>
+          </p:nvSpPr>
+          <p:spPr>
+            <a:xfrm>
+              <a:off x="457200" y="533400"/>
+              <a:ext cx="8229600" cy="990600"/>
+            </a:xfrm>
+            <a:prstGeom prst="rect">
+              <a:avLst/>
+            </a:prstGeom>
+          </p:spPr>
+          <p:txBody>
+            <a:bodyPr/>
+            <a:lstStyle>
+              <a:lvl1pPr algn="l" defTabSz="914400" rtl="0" eaLnBrk="1" latinLnBrk="0" hangingPunct="1">
+                <a:lnSpc>
+                  <a:spcPct val="85000"/>
+                </a:lnSpc>
+                <a:spcBef>
+                  <a:spcPct val="0"/>
+                </a:spcBef>
+                <a:buNone/>
+                <a:defRPr sz="4800" kern="1200" spc="-50" baseline="0">
+                  <a:solidFill>
+                    <a:schemeClr val="tx1">
+                      <a:lumMod val="75000"/>
+                      <a:lumOff val="25000"/>
+                    </a:schemeClr>
+                  </a:solidFill>
+                  <a:latin typeface="+mj-lt"/>
+                  <a:ea typeface="+mj-ea"/>
+                  <a:cs typeface="+mj-cs"/>
+                </a:defRPr>
+              </a:lvl1pPr>
+            </a:lstStyle>
+            <a:p>
+              <a:r>
+                <a:rPr lang="en-US" dirty="0"/>
+                <a:t>Nearest Neighbor Classifiers</a:t>
+              </a:r>
+            </a:p>
+          </p:txBody>
+        </p:sp>
+        <p:sp>
+          <p:nvSpPr>
+            <p:cNvPr id="12" name="Rectangle 3"/>
+            <p:cNvSpPr txBox="1">
+              <a:spLocks noChangeArrowheads="1"/>
+            </p:cNvSpPr>
+            <p:nvPr/>
+          </p:nvSpPr>
+          <p:spPr>
+            <a:xfrm>
+              <a:off x="457200" y="1600200"/>
+              <a:ext cx="8229600" cy="4876800"/>
+            </a:xfrm>
+            <a:prstGeom prst="rect">
+              <a:avLst/>
+            </a:prstGeom>
+          </p:spPr>
+          <p:txBody>
+            <a:bodyPr/>
+            <a:lstStyle>
+              <a:lvl1pPr marL="91440" indent="-91440" algn="l" defTabSz="914400" rtl="0" eaLnBrk="1" latinLnBrk="0" hangingPunct="1">
+                <a:lnSpc>
+                  <a:spcPct val="90000"/>
+                </a:lnSpc>
+                <a:spcBef>
+                  <a:spcPts val="1200"/>
+                </a:spcBef>
+                <a:spcAft>
+                  <a:spcPts val="200"/>
+                </a:spcAft>
+                <a:buClr>
+                  <a:schemeClr val="accent1"/>
+                </a:buClr>
+                <a:buSzPct val="100000"/>
+                <a:buFont typeface="Calibri" panose="020F0502020204030204" pitchFamily="34" charset="0"/>
+                <a:buChar char=" "/>
+                <a:defRPr sz="2000" kern="1200">
+                  <a:solidFill>
+                    <a:schemeClr val="tx1">
+                      <a:lumMod val="75000"/>
+                      <a:lumOff val="25000"/>
+                    </a:schemeClr>
+                  </a:solidFill>
+                  <a:latin typeface="+mn-lt"/>
+                  <a:ea typeface="+mn-ea"/>
+                  <a:cs typeface="+mn-cs"/>
+                </a:defRPr>
+              </a:lvl1pPr>
+              <a:lvl2pPr marL="384048" indent="-182880" algn="l" defTabSz="914400" rtl="0" eaLnBrk="1" latinLnBrk="0" hangingPunct="1">
+                <a:lnSpc>
+                  <a:spcPct val="90000"/>
+                </a:lnSpc>
+                <a:spcBef>
+                  <a:spcPts val="200"/>
+                </a:spcBef>
+                <a:spcAft>
+                  <a:spcPts val="400"/>
+                </a:spcAft>
+                <a:buClr>
+                  <a:schemeClr val="accent1"/>
+                </a:buClr>
+                <a:buFont typeface="Calibri" pitchFamily="34" charset="0"/>
+                <a:buChar char="◦"/>
+                <a:defRPr sz="1800" kern="1200">
+                  <a:solidFill>
+                    <a:schemeClr val="tx1">
+                      <a:lumMod val="75000"/>
+                      <a:lumOff val="25000"/>
+                    </a:schemeClr>
+                  </a:solidFill>
+                  <a:latin typeface="+mn-lt"/>
+                  <a:ea typeface="+mn-ea"/>
+                  <a:cs typeface="+mn-cs"/>
+                </a:defRPr>
+              </a:lvl2pPr>
+              <a:lvl3pPr marL="566928" indent="-182880" algn="l" defTabSz="914400" rtl="0" eaLnBrk="1" latinLnBrk="0" hangingPunct="1">
+                <a:lnSpc>
+                  <a:spcPct val="90000"/>
+                </a:lnSpc>
+                <a:spcBef>
+                  <a:spcPts val="200"/>
+                </a:spcBef>
+                <a:spcAft>
+                  <a:spcPts val="400"/>
+                </a:spcAft>
+                <a:buClr>
+                  <a:schemeClr val="accent1"/>
+                </a:buClr>
+                <a:buFont typeface="Calibri" pitchFamily="34" charset="0"/>
+                <a:buChar char="◦"/>
+                <a:defRPr sz="1400" kern="1200">
+                  <a:solidFill>
+                    <a:schemeClr val="tx1">
+                      <a:lumMod val="75000"/>
+                      <a:lumOff val="25000"/>
+                    </a:schemeClr>
+                  </a:solidFill>
+                  <a:latin typeface="+mn-lt"/>
+                  <a:ea typeface="+mn-ea"/>
+                  <a:cs typeface="+mn-cs"/>
+                </a:defRPr>
+              </a:lvl3pPr>
+              <a:lvl4pPr marL="749808" indent="-182880" algn="l" defTabSz="914400" rtl="0" eaLnBrk="1" latinLnBrk="0" hangingPunct="1">
+                <a:lnSpc>
+                  <a:spcPct val="90000"/>
+                </a:lnSpc>
+                <a:spcBef>
+                  <a:spcPts val="200"/>
+                </a:spcBef>
+                <a:spcAft>
+                  <a:spcPts val="400"/>
+                </a:spcAft>
+                <a:buClr>
+                  <a:schemeClr val="accent1"/>
+                </a:buClr>
+                <a:buFont typeface="Calibri" pitchFamily="34" charset="0"/>
+                <a:buChar char="◦"/>
+                <a:defRPr sz="1400" kern="1200">
+                  <a:solidFill>
+                    <a:schemeClr val="tx1">
+                      <a:lumMod val="75000"/>
+                      <a:lumOff val="25000"/>
+                    </a:schemeClr>
+                  </a:solidFill>
+                  <a:latin typeface="+mn-lt"/>
+                  <a:ea typeface="+mn-ea"/>
+                  <a:cs typeface="+mn-cs"/>
+                </a:defRPr>
+              </a:lvl4pPr>
+              <a:lvl5pPr marL="932688" indent="-182880" algn="l" defTabSz="914400" rtl="0" eaLnBrk="1" latinLnBrk="0" hangingPunct="1">
+                <a:lnSpc>
+                  <a:spcPct val="90000"/>
+                </a:lnSpc>
+                <a:spcBef>
+                  <a:spcPts val="200"/>
+                </a:spcBef>
+                <a:spcAft>
+                  <a:spcPts val="400"/>
+                </a:spcAft>
+                <a:buClr>
+                  <a:schemeClr val="accent1"/>
+                </a:buClr>
+                <a:buFont typeface="Calibri" pitchFamily="34" charset="0"/>
+                <a:buChar char="◦"/>
+                <a:defRPr sz="1400" kern="1200">
+                  <a:solidFill>
+                    <a:schemeClr val="tx1">
+                      <a:lumMod val="75000"/>
+                      <a:lumOff val="25000"/>
+                    </a:schemeClr>
+                  </a:solidFill>
+                  <a:latin typeface="+mn-lt"/>
+                  <a:ea typeface="+mn-ea"/>
+                  <a:cs typeface="+mn-cs"/>
+                </a:defRPr>
+              </a:lvl5pPr>
+              <a:lvl6pPr marL="1100000" indent="-228600" algn="l" defTabSz="914400" rtl="0" eaLnBrk="1" latinLnBrk="0" hangingPunct="1">
+                <a:lnSpc>
+                  <a:spcPct val="90000"/>
+                </a:lnSpc>
+                <a:spcBef>
+                  <a:spcPts val="200"/>
+                </a:spcBef>
+                <a:spcAft>
+                  <a:spcPts val="400"/>
+                </a:spcAft>
+                <a:buClr>
+                  <a:schemeClr val="accent1"/>
+                </a:buClr>
+                <a:buFont typeface="Calibri" pitchFamily="34" charset="0"/>
+                <a:buChar char="◦"/>
+                <a:defRPr sz="1400" kern="1200">
+                  <a:solidFill>
+                    <a:schemeClr val="tx1">
+                      <a:lumMod val="75000"/>
+                      <a:lumOff val="25000"/>
+                    </a:schemeClr>
+                  </a:solidFill>
+                  <a:latin typeface="+mn-lt"/>
+                  <a:ea typeface="+mn-ea"/>
+                  <a:cs typeface="+mn-cs"/>
+                </a:defRPr>
+              </a:lvl6pPr>
+              <a:lvl7pPr marL="1300000" indent="-228600" algn="l" defTabSz="914400" rtl="0" eaLnBrk="1" latinLnBrk="0" hangingPunct="1">
+                <a:lnSpc>
+                  <a:spcPct val="90000"/>
+                </a:lnSpc>
+                <a:spcBef>
+                  <a:spcPts val="200"/>
+                </a:spcBef>
+                <a:spcAft>
+                  <a:spcPts val="400"/>
+                </a:spcAft>
+                <a:buClr>
+                  <a:schemeClr val="accent1"/>
+                </a:buClr>
+                <a:buFont typeface="Calibri" pitchFamily="34" charset="0"/>
+                <a:buChar char="◦"/>
+                <a:defRPr sz="1400" kern="1200">
+                  <a:solidFill>
+                    <a:schemeClr val="tx1">
+                      <a:lumMod val="75000"/>
+                      <a:lumOff val="25000"/>
+                    </a:schemeClr>
+                  </a:solidFill>
+                  <a:latin typeface="+mn-lt"/>
+                  <a:ea typeface="+mn-ea"/>
+                  <a:cs typeface="+mn-cs"/>
+                </a:defRPr>
+              </a:lvl7pPr>
+              <a:lvl8pPr marL="1500000" indent="-228600" algn="l" defTabSz="914400" rtl="0" eaLnBrk="1" latinLnBrk="0" hangingPunct="1">
+                <a:lnSpc>
+                  <a:spcPct val="90000"/>
+                </a:lnSpc>
+                <a:spcBef>
+                  <a:spcPts val="200"/>
+                </a:spcBef>
+                <a:spcAft>
+                  <a:spcPts val="400"/>
+                </a:spcAft>
+                <a:buClr>
+                  <a:schemeClr val="accent1"/>
+                </a:buClr>
+                <a:buFont typeface="Calibri" pitchFamily="34" charset="0"/>
+                <a:buChar char="◦"/>
+                <a:defRPr sz="1400" kern="1200">
+                  <a:solidFill>
+                    <a:schemeClr val="tx1">
+                      <a:lumMod val="75000"/>
+                      <a:lumOff val="25000"/>
+                    </a:schemeClr>
+                  </a:solidFill>
+                  <a:latin typeface="+mn-lt"/>
+                  <a:ea typeface="+mn-ea"/>
+                  <a:cs typeface="+mn-cs"/>
+                </a:defRPr>
+              </a:lvl8pPr>
+              <a:lvl9pPr marL="1700000" indent="-228600" algn="l" defTabSz="914400" rtl="0" eaLnBrk="1" latinLnBrk="0" hangingPunct="1">
+                <a:lnSpc>
+                  <a:spcPct val="90000"/>
+                </a:lnSpc>
+                <a:spcBef>
+                  <a:spcPts val="200"/>
+                </a:spcBef>
+                <a:spcAft>
+                  <a:spcPts val="400"/>
+                </a:spcAft>
+                <a:buClr>
+                  <a:schemeClr val="accent1"/>
+                </a:buClr>
+                <a:buFont typeface="Calibri" pitchFamily="34" charset="0"/>
+                <a:buChar char="◦"/>
+                <a:defRPr sz="1400" kern="1200">
+                  <a:solidFill>
+                    <a:schemeClr val="tx1">
+                      <a:lumMod val="75000"/>
+                      <a:lumOff val="25000"/>
+                    </a:schemeClr>
+                  </a:solidFill>
+                  <a:latin typeface="+mn-lt"/>
+                  <a:ea typeface="+mn-ea"/>
+                  <a:cs typeface="+mn-cs"/>
+                </a:defRPr>
+              </a:lvl9pPr>
+            </a:lstStyle>
+            <a:p>
+              <a:r>
+                <a:rPr lang="en-US"/>
+                <a:t>Basic idea:</a:t>
+              </a:r>
+            </a:p>
+            <a:p>
+              <a:pPr lvl="1"/>
+              <a:r>
+                <a:rPr lang="en-US"/>
+                <a:t>If it walks like a duck, quacks like a duck, then it’s probably a duck</a:t>
+              </a:r>
+              <a:endParaRPr lang="en-US" dirty="0"/>
+            </a:p>
+          </p:txBody>
+        </p:sp>
+        <p:grpSp>
+          <p:nvGrpSpPr>
+            <p:cNvPr id="13" name="Group 4"/>
+            <p:cNvGrpSpPr>
+              <a:grpSpLocks/>
+            </p:cNvGrpSpPr>
+            <p:nvPr/>
+          </p:nvGrpSpPr>
+          <p:grpSpPr bwMode="auto">
+            <a:xfrm>
+              <a:off x="304800" y="2819400"/>
+              <a:ext cx="8229600" cy="3429000"/>
+              <a:chOff x="192" y="1776"/>
+              <a:chExt cx="5184" cy="2160"/>
+            </a:xfrm>
+          </p:grpSpPr>
+          <p:pic>
+            <p:nvPicPr>
+              <p:cNvPr id="14" name="Picture 5" descr="j0345807"/>
+              <p:cNvPicPr>
+                <a:picLocks noChangeAspect="1" noChangeArrowheads="1"/>
+              </p:cNvPicPr>
+              <p:nvPr/>
+            </p:nvPicPr>
+            <p:blipFill>
+              <a:blip r:embed="rId2" cstate="print">
+                <a:extLst>
+                  <a:ext uri="{28A0092B-C50C-407E-A947-70E740481C1C}">
+                    <a14:useLocalDpi xmlns:a14="http://schemas.microsoft.com/office/drawing/2010/main" val="0"/>
+                  </a:ext>
+                </a:extLst>
+              </a:blip>
+              <a:srcRect/>
+              <a:stretch>
+                <a:fillRect/>
+              </a:stretch>
+            </p:blipFill>
+            <p:spPr bwMode="auto">
+              <a:xfrm>
+                <a:off x="1296" y="2160"/>
+                <a:ext cx="528" cy="409"/>
+              </a:xfrm>
+              <a:prstGeom prst="rect">
+                <a:avLst/>
+              </a:prstGeom>
+              <a:noFill/>
+              <a:ln>
+                <a:noFill/>
+              </a:ln>
+              <a:effectLst/>
+              <a:extLst>
+                <a:ext uri="{909E8E84-426E-40DD-AFC4-6F175D3DCCD1}">
+                  <a14:hiddenFill xmlns:a14="http://schemas.microsoft.com/office/drawing/2010/main">
+                    <a:solidFill>
+                      <a:srgbClr val="FFFFFF"/>
+                    </a:solidFill>
+                  </a14:hiddenFill>
+                </a:ext>
+                <a:ext uri="{91240B29-F687-4F45-9708-019B960494DF}">
+                  <a14:hiddenLine xmlns:a14="http://schemas.microsoft.com/office/drawing/2010/main" w="9525">
+                    <a:solidFill>
+                      <a:srgbClr val="000000"/>
+                    </a:solidFill>
+                    <a:miter lim="800000"/>
+                    <a:headEnd/>
+                    <a:tailEnd/>
+                  </a14:hiddenLine>
+                </a:ext>
+                <a:ext uri="{AF507438-7753-43E0-B8FC-AC1667EBCBE1}">
+                  <a14:hiddenEffects xmlns:a14="http://schemas.microsoft.com/office/drawing/2010/main">
+                    <a:effectLst>
+                      <a:outerShdw dist="35921" dir="2700000" algn="ctr" rotWithShape="0">
+                        <a:srgbClr val="808080"/>
+                      </a:outerShdw>
+                    </a:effectLst>
+                  </a14:hiddenEffects>
+                </a:ext>
+              </a:extLst>
+            </p:spPr>
+          </p:pic>
+          <p:pic>
+            <p:nvPicPr>
+              <p:cNvPr id="15" name="Picture 6" descr="j0239589"/>
+              <p:cNvPicPr>
+                <a:picLocks noChangeAspect="1" noChangeArrowheads="1"/>
+              </p:cNvPicPr>
+              <p:nvPr/>
+            </p:nvPicPr>
+            <p:blipFill>
+              <a:blip r:embed="rId3" cstate="print">
+                <a:extLst>
+                  <a:ext uri="{28A0092B-C50C-407E-A947-70E740481C1C}">
+                    <a14:useLocalDpi xmlns:a14="http://schemas.microsoft.com/office/drawing/2010/main" val="0"/>
+                  </a:ext>
+                </a:extLst>
+              </a:blip>
+              <a:srcRect/>
+              <a:stretch>
+                <a:fillRect/>
+              </a:stretch>
+            </p:blipFill>
+            <p:spPr bwMode="auto">
+              <a:xfrm>
+                <a:off x="4656" y="2640"/>
+                <a:ext cx="720" cy="474"/>
+              </a:xfrm>
+              <a:prstGeom prst="rect">
+                <a:avLst/>
+              </a:prstGeom>
+              <a:noFill/>
+              <a:ln>
+                <a:noFill/>
+              </a:ln>
+              <a:effectLst/>
+              <a:extLst>
+                <a:ext uri="{909E8E84-426E-40DD-AFC4-6F175D3DCCD1}">
+                  <a14:hiddenFill xmlns:a14="http://schemas.microsoft.com/office/drawing/2010/main">
+                    <a:solidFill>
+                      <a:srgbClr val="FFFFFF"/>
+                    </a:solidFill>
+                  </a14:hiddenFill>
+                </a:ext>
+                <a:ext uri="{91240B29-F687-4F45-9708-019B960494DF}">
+                  <a14:hiddenLine xmlns:a14="http://schemas.microsoft.com/office/drawing/2010/main" w="9525">
+                    <a:solidFill>
+                      <a:srgbClr val="000000"/>
+                    </a:solidFill>
+                    <a:miter lim="800000"/>
+                    <a:headEnd/>
+                    <a:tailEnd/>
+                  </a14:hiddenLine>
+                </a:ext>
+                <a:ext uri="{AF507438-7753-43E0-B8FC-AC1667EBCBE1}">
+                  <a14:hiddenEffects xmlns:a14="http://schemas.microsoft.com/office/drawing/2010/main">
+                    <a:effectLst>
+                      <a:outerShdw dist="35921" dir="2700000" algn="ctr" rotWithShape="0">
+                        <a:srgbClr val="808080"/>
+                      </a:outerShdw>
+                    </a:effectLst>
+                  </a14:hiddenEffects>
+                </a:ext>
+              </a:extLst>
+            </p:spPr>
+          </p:pic>
+          <p:pic>
+            <p:nvPicPr>
+              <p:cNvPr id="16" name="Picture 7" descr="j0350383"/>
+              <p:cNvPicPr>
+                <a:picLocks noChangeAspect="1" noChangeArrowheads="1"/>
+              </p:cNvPicPr>
+              <p:nvPr/>
+            </p:nvPicPr>
+            <p:blipFill>
+              <a:blip r:embed="rId4" cstate="print">
+                <a:extLst>
+                  <a:ext uri="{28A0092B-C50C-407E-A947-70E740481C1C}">
+                    <a14:useLocalDpi xmlns:a14="http://schemas.microsoft.com/office/drawing/2010/main" val="0"/>
+                  </a:ext>
+                </a:extLst>
+              </a:blip>
+              <a:srcRect/>
+              <a:stretch>
+                <a:fillRect/>
+              </a:stretch>
+            </p:blipFill>
+            <p:spPr bwMode="auto">
+              <a:xfrm>
+                <a:off x="2256" y="1968"/>
+                <a:ext cx="444" cy="480"/>
+              </a:xfrm>
+              <a:prstGeom prst="rect">
+                <a:avLst/>
+              </a:prstGeom>
+              <a:noFill/>
+              <a:ln>
+                <a:noFill/>
+              </a:ln>
+              <a:effectLst/>
+              <a:extLst>
+                <a:ext uri="{909E8E84-426E-40DD-AFC4-6F175D3DCCD1}">
+                  <a14:hiddenFill xmlns:a14="http://schemas.microsoft.com/office/drawing/2010/main">
+                    <a:solidFill>
+                      <a:srgbClr val="FFFFFF"/>
+                    </a:solidFill>
+                  </a14:hiddenFill>
+                </a:ext>
+                <a:ext uri="{91240B29-F687-4F45-9708-019B960494DF}">
+                  <a14:hiddenLine xmlns:a14="http://schemas.microsoft.com/office/drawing/2010/main" w="9525">
+                    <a:solidFill>
+                      <a:srgbClr val="000000"/>
+                    </a:solidFill>
+                    <a:miter lim="800000"/>
+                    <a:headEnd/>
+                    <a:tailEnd/>
+                  </a14:hiddenLine>
+                </a:ext>
+                <a:ext uri="{AF507438-7753-43E0-B8FC-AC1667EBCBE1}">
+                  <a14:hiddenEffects xmlns:a14="http://schemas.microsoft.com/office/drawing/2010/main">
+                    <a:effectLst>
+                      <a:outerShdw dist="35921" dir="2700000" algn="ctr" rotWithShape="0">
+                        <a:srgbClr val="808080"/>
+                      </a:outerShdw>
+                    </a:effectLst>
+                  </a14:hiddenEffects>
+                </a:ext>
+              </a:extLst>
+            </p:spPr>
+          </p:pic>
+          <p:pic>
+            <p:nvPicPr>
+              <p:cNvPr id="17" name="Picture 8" descr="j0330631"/>
+              <p:cNvPicPr>
+                <a:picLocks noChangeAspect="1" noChangeArrowheads="1"/>
+              </p:cNvPicPr>
+              <p:nvPr/>
+            </p:nvPicPr>
+            <p:blipFill>
+              <a:blip r:embed="rId5" cstate="print">
+                <a:extLst>
+                  <a:ext uri="{28A0092B-C50C-407E-A947-70E740481C1C}">
+                    <a14:useLocalDpi xmlns:a14="http://schemas.microsoft.com/office/drawing/2010/main" val="0"/>
+                  </a:ext>
+                </a:extLst>
+              </a:blip>
+              <a:srcRect/>
+              <a:stretch>
+                <a:fillRect/>
+              </a:stretch>
+            </p:blipFill>
+            <p:spPr bwMode="auto">
+              <a:xfrm>
+                <a:off x="1152" y="2976"/>
+                <a:ext cx="373" cy="424"/>
+              </a:xfrm>
+              <a:prstGeom prst="rect">
+                <a:avLst/>
+              </a:prstGeom>
+              <a:noFill/>
+              <a:ln>
+                <a:noFill/>
+              </a:ln>
+              <a:effectLst/>
+              <a:extLst>
+                <a:ext uri="{909E8E84-426E-40DD-AFC4-6F175D3DCCD1}">
+                  <a14:hiddenFill xmlns:a14="http://schemas.microsoft.com/office/drawing/2010/main">
+                    <a:solidFill>
+                      <a:srgbClr val="FFFFFF"/>
+                    </a:solidFill>
+                  </a14:hiddenFill>
+                </a:ext>
+                <a:ext uri="{91240B29-F687-4F45-9708-019B960494DF}">
+                  <a14:hiddenLine xmlns:a14="http://schemas.microsoft.com/office/drawing/2010/main" w="9525">
+                    <a:solidFill>
+                      <a:srgbClr val="000000"/>
+                    </a:solidFill>
+                    <a:miter lim="800000"/>
+                    <a:headEnd/>
+                    <a:tailEnd/>
+                  </a14:hiddenLine>
+                </a:ext>
+                <a:ext uri="{AF507438-7753-43E0-B8FC-AC1667EBCBE1}">
+                  <a14:hiddenEffects xmlns:a14="http://schemas.microsoft.com/office/drawing/2010/main">
+                    <a:effectLst>
+                      <a:outerShdw dist="35921" dir="2700000" algn="ctr" rotWithShape="0">
+                        <a:srgbClr val="808080"/>
+                      </a:outerShdw>
+                    </a:effectLst>
+                  </a14:hiddenEffects>
+                </a:ext>
+              </a:extLst>
+            </p:spPr>
+          </p:pic>
+          <p:pic>
+            <p:nvPicPr>
+              <p:cNvPr id="18" name="Picture 9" descr="j0350389"/>
+              <p:cNvPicPr>
+                <a:picLocks noChangeAspect="1" noChangeArrowheads="1"/>
+              </p:cNvPicPr>
+              <p:nvPr/>
+            </p:nvPicPr>
+            <p:blipFill>
+              <a:blip r:embed="rId6" cstate="print">
+                <a:extLst>
+                  <a:ext uri="{28A0092B-C50C-407E-A947-70E740481C1C}">
+                    <a14:useLocalDpi xmlns:a14="http://schemas.microsoft.com/office/drawing/2010/main" val="0"/>
+                  </a:ext>
+                </a:extLst>
+              </a:blip>
+              <a:srcRect/>
+              <a:stretch>
+                <a:fillRect/>
+              </a:stretch>
+            </p:blipFill>
+            <p:spPr bwMode="auto">
+              <a:xfrm>
+                <a:off x="2208" y="3168"/>
+                <a:ext cx="624" cy="440"/>
+              </a:xfrm>
+              <a:prstGeom prst="rect">
+                <a:avLst/>
+              </a:prstGeom>
+              <a:noFill/>
+              <a:extLst>
+                <a:ext uri="{909E8E84-426E-40DD-AFC4-6F175D3DCCD1}">
+                  <a14:hiddenFill xmlns:a14="http://schemas.microsoft.com/office/drawing/2010/main">
+                    <a:solidFill>
+                      <a:srgbClr val="FFFFFF"/>
+                    </a:solidFill>
+                  </a14:hiddenFill>
+                </a:ext>
+              </a:extLst>
+            </p:spPr>
+          </p:pic>
+          <p:pic>
+            <p:nvPicPr>
+              <p:cNvPr id="19" name="Picture 10" descr="j0350356"/>
+              <p:cNvPicPr>
+                <a:picLocks noChangeAspect="1" noChangeArrowheads="1"/>
+              </p:cNvPicPr>
+              <p:nvPr/>
+            </p:nvPicPr>
+            <p:blipFill>
+              <a:blip r:embed="rId7" cstate="print">
+                <a:extLst>
+                  <a:ext uri="{28A0092B-C50C-407E-A947-70E740481C1C}">
+                    <a14:useLocalDpi xmlns:a14="http://schemas.microsoft.com/office/drawing/2010/main" val="0"/>
+                  </a:ext>
+                </a:extLst>
+              </a:blip>
+              <a:srcRect/>
+              <a:stretch>
+                <a:fillRect/>
+              </a:stretch>
+            </p:blipFill>
+            <p:spPr bwMode="auto">
+              <a:xfrm>
+                <a:off x="1776" y="2448"/>
+                <a:ext cx="720" cy="658"/>
+              </a:xfrm>
+              <a:prstGeom prst="rect">
+                <a:avLst/>
+              </a:prstGeom>
+              <a:noFill/>
+              <a:ln>
+                <a:noFill/>
+              </a:ln>
+              <a:effectLst/>
+              <a:extLst>
+                <a:ext uri="{909E8E84-426E-40DD-AFC4-6F175D3DCCD1}">
+                  <a14:hiddenFill xmlns:a14="http://schemas.microsoft.com/office/drawing/2010/main">
+                    <a:solidFill>
+                      <a:srgbClr val="FFFFFF"/>
+                    </a:solidFill>
+                  </a14:hiddenFill>
+                </a:ext>
+                <a:ext uri="{91240B29-F687-4F45-9708-019B960494DF}">
+                  <a14:hiddenLine xmlns:a14="http://schemas.microsoft.com/office/drawing/2010/main" w="9525">
+                    <a:solidFill>
+                      <a:srgbClr val="000000"/>
+                    </a:solidFill>
+                    <a:miter lim="800000"/>
+                    <a:headEnd/>
+                    <a:tailEnd/>
+                  </a14:hiddenLine>
+                </a:ext>
+                <a:ext uri="{AF507438-7753-43E0-B8FC-AC1667EBCBE1}">
+                  <a14:hiddenEffects xmlns:a14="http://schemas.microsoft.com/office/drawing/2010/main">
+                    <a:effectLst>
+                      <a:outerShdw dist="35921" dir="2700000" algn="ctr" rotWithShape="0">
+                        <a:srgbClr val="808080"/>
+                      </a:outerShdw>
+                    </a:effectLst>
+                  </a14:hiddenEffects>
+                </a:ext>
+              </a:extLst>
+            </p:spPr>
+          </p:pic>
+          <p:sp>
+            <p:nvSpPr>
+              <p:cNvPr id="20" name="Oval 11"/>
+              <p:cNvSpPr>
+                <a:spLocks noChangeArrowheads="1"/>
+              </p:cNvSpPr>
+              <p:nvPr/>
+            </p:nvSpPr>
+            <p:spPr bwMode="auto">
+              <a:xfrm>
+                <a:off x="816" y="1776"/>
+                <a:ext cx="2544" cy="2160"/>
+              </a:xfrm>
+              <a:prstGeom prst="ellipse">
+                <a:avLst/>
+              </a:prstGeom>
+              <a:noFill/>
+              <a:ln w="12700">
+                <a:solidFill>
+                  <a:srgbClr val="FF0000"/>
+                </a:solidFill>
+                <a:prstDash val="dash"/>
+                <a:round/>
+                <a:headEnd/>
+                <a:tailEnd/>
+              </a:ln>
+              <a:effectLst/>
+              <a:extLst>
+                <a:ext uri="{909E8E84-426E-40DD-AFC4-6F175D3DCCD1}">
+                  <a14:hiddenFill xmlns:a14="http://schemas.microsoft.com/office/drawing/2010/main">
+                    <a:solidFill>
+                      <a:schemeClr val="accent1"/>
+                    </a:solidFill>
+                  </a14:hiddenFill>
+                </a:ext>
+                <a:ext uri="{AF507438-7753-43E0-B8FC-AC1667EBCBE1}">
+                  <a14:hiddenEffects xmlns:a14="http://schemas.microsoft.com/office/drawing/2010/main">
+                    <a:effectLst>
+                      <a:outerShdw dist="35921" dir="2700000" algn="ctr" rotWithShape="0">
+                        <a:schemeClr val="bg2"/>
+                      </a:outerShdw>
+                    </a:effectLst>
+                  </a14:hiddenEffects>
+                </a:ext>
+              </a:extLst>
+            </p:spPr>
+            <p:txBody>
+              <a:bodyPr wrap="none" anchor="ctr"/>
+              <a:lstStyle/>
+              <a:p>
+                <a:endParaRPr lang="en-US"/>
+              </a:p>
+            </p:txBody>
+          </p:sp>
+          <p:sp>
+            <p:nvSpPr>
+              <p:cNvPr id="21" name="Text Box 12"/>
+              <p:cNvSpPr txBox="1">
+                <a:spLocks noChangeArrowheads="1"/>
+              </p:cNvSpPr>
+              <p:nvPr/>
+            </p:nvSpPr>
+            <p:spPr bwMode="auto">
+              <a:xfrm>
+                <a:off x="192" y="3312"/>
+                <a:ext cx="864" cy="404"/>
+              </a:xfrm>
+              <a:prstGeom prst="rect">
+                <a:avLst/>
+              </a:prstGeom>
+              <a:noFill/>
+              <a:ln>
+                <a:noFill/>
+              </a:ln>
+              <a:effectLst/>
+              <a:extLst>
+                <a:ext uri="{909E8E84-426E-40DD-AFC4-6F175D3DCCD1}">
+                  <a14:hiddenFill xmlns:a14="http://schemas.microsoft.com/office/drawing/2010/main">
+                    <a:solidFill>
+                      <a:schemeClr val="accent1"/>
+                    </a:solidFill>
+                  </a14:hiddenFill>
+                </a:ext>
+                <a:ext uri="{91240B29-F687-4F45-9708-019B960494DF}">
+                  <a14:hiddenLine xmlns:a14="http://schemas.microsoft.com/office/drawing/2010/main" w="12700">
+                    <a:solidFill>
+                      <a:schemeClr val="tx1"/>
+                    </a:solidFill>
+                    <a:miter lim="800000"/>
+                    <a:headEnd/>
+                    <a:tailEnd/>
+                  </a14:hiddenLine>
+                </a:ext>
+                <a:ext uri="{AF507438-7753-43E0-B8FC-AC1667EBCBE1}">
+                  <a14:hiddenEffects xmlns:a14="http://schemas.microsoft.com/office/drawing/2010/main">
+                    <a:effectLst>
+                      <a:outerShdw dist="35921" dir="2700000" algn="ctr" rotWithShape="0">
+                        <a:schemeClr val="bg2"/>
+                      </a:outerShdw>
+                    </a:effectLst>
+                  </a14:hiddenEffects>
+                </a:ext>
+              </a:extLst>
+            </p:spPr>
+            <p:txBody>
+              <a:bodyPr>
+                <a:spAutoFit/>
+              </a:bodyPr>
+              <a:lstStyle/>
+              <a:p>
+                <a:pPr>
+                  <a:spcBef>
+                    <a:spcPct val="50000"/>
+                  </a:spcBef>
+                </a:pPr>
+                <a:r>
+                  <a:rPr lang="en-US" sz="1800"/>
+                  <a:t>Training Records</a:t>
+                </a:r>
+              </a:p>
+            </p:txBody>
+          </p:sp>
+          <p:sp>
+            <p:nvSpPr>
+              <p:cNvPr id="22" name="Text Box 13"/>
+              <p:cNvSpPr txBox="1">
+                <a:spLocks noChangeArrowheads="1"/>
+              </p:cNvSpPr>
+              <p:nvPr/>
+            </p:nvSpPr>
+            <p:spPr bwMode="auto">
+              <a:xfrm>
+                <a:off x="4512" y="2064"/>
+                <a:ext cx="864" cy="404"/>
+              </a:xfrm>
+              <a:prstGeom prst="rect">
+                <a:avLst/>
+              </a:prstGeom>
+              <a:noFill/>
+              <a:ln>
+                <a:noFill/>
+              </a:ln>
+              <a:effectLst/>
+              <a:extLst>
+                <a:ext uri="{909E8E84-426E-40DD-AFC4-6F175D3DCCD1}">
+                  <a14:hiddenFill xmlns:a14="http://schemas.microsoft.com/office/drawing/2010/main">
+                    <a:solidFill>
+                      <a:schemeClr val="accent1"/>
+                    </a:solidFill>
+                  </a14:hiddenFill>
+                </a:ext>
+                <a:ext uri="{91240B29-F687-4F45-9708-019B960494DF}">
+                  <a14:hiddenLine xmlns:a14="http://schemas.microsoft.com/office/drawing/2010/main" w="12700">
+                    <a:solidFill>
+                      <a:schemeClr val="tx1"/>
+                    </a:solidFill>
+                    <a:miter lim="800000"/>
+                    <a:headEnd/>
+                    <a:tailEnd/>
+                  </a14:hiddenLine>
+                </a:ext>
+                <a:ext uri="{AF507438-7753-43E0-B8FC-AC1667EBCBE1}">
+                  <a14:hiddenEffects xmlns:a14="http://schemas.microsoft.com/office/drawing/2010/main">
+                    <a:effectLst>
+                      <a:outerShdw dist="35921" dir="2700000" algn="ctr" rotWithShape="0">
+                        <a:schemeClr val="bg2"/>
+                      </a:outerShdw>
+                    </a:effectLst>
+                  </a14:hiddenEffects>
+                </a:ext>
+              </a:extLst>
+            </p:spPr>
+            <p:txBody>
+              <a:bodyPr>
+                <a:spAutoFit/>
+              </a:bodyPr>
+              <a:lstStyle/>
+              <a:p>
+                <a:pPr algn="ctr">
+                  <a:spcBef>
+                    <a:spcPct val="50000"/>
+                  </a:spcBef>
+                </a:pPr>
+                <a:r>
+                  <a:rPr lang="en-US" sz="1800"/>
+                  <a:t>Test Record</a:t>
+                </a:r>
+              </a:p>
+            </p:txBody>
+          </p:sp>
+        </p:grpSp>
+        <p:grpSp>
+          <p:nvGrpSpPr>
+            <p:cNvPr id="36" name="Group 35"/>
+            <p:cNvGrpSpPr/>
+            <p:nvPr/>
+          </p:nvGrpSpPr>
+          <p:grpSpPr>
+            <a:xfrm>
+              <a:off x="2667000" y="3048000"/>
+              <a:ext cx="4724400" cy="2851150"/>
+              <a:chOff x="2667000" y="3048000"/>
+              <a:chExt cx="4724400" cy="2851150"/>
+            </a:xfrm>
+          </p:grpSpPr>
+          <p:grpSp>
+            <p:nvGrpSpPr>
+              <p:cNvPr id="3" name="Group 14"/>
+              <p:cNvGrpSpPr>
+                <a:grpSpLocks/>
+              </p:cNvGrpSpPr>
+              <p:nvPr/>
+            </p:nvGrpSpPr>
+            <p:grpSpPr bwMode="auto">
+              <a:xfrm>
+                <a:off x="2667000" y="3048000"/>
+                <a:ext cx="4572000" cy="2286000"/>
+                <a:chOff x="1680" y="1920"/>
+                <a:chExt cx="2880" cy="1440"/>
+              </a:xfrm>
+            </p:grpSpPr>
+            <p:sp>
+              <p:nvSpPr>
+                <p:cNvPr id="4" name="Text Box 15"/>
+                <p:cNvSpPr txBox="1">
+                  <a:spLocks noChangeArrowheads="1"/>
+                </p:cNvSpPr>
+                <p:nvPr/>
+              </p:nvSpPr>
+              <p:spPr bwMode="auto">
+                <a:xfrm>
+                  <a:off x="3312" y="1920"/>
+                  <a:ext cx="864" cy="404"/>
+                </a:xfrm>
+                <a:prstGeom prst="rect">
+                  <a:avLst/>
+                </a:prstGeom>
+                <a:noFill/>
+                <a:ln>
+                  <a:noFill/>
+                </a:ln>
+                <a:effectLst/>
+                <a:extLst>
+                  <a:ext uri="{909E8E84-426E-40DD-AFC4-6F175D3DCCD1}">
+                    <a14:hiddenFill xmlns:a14="http://schemas.microsoft.com/office/drawing/2010/main">
+                      <a:solidFill>
+                        <a:schemeClr val="accent1"/>
+                      </a:solidFill>
+                    </a14:hiddenFill>
+                  </a:ext>
+                  <a:ext uri="{91240B29-F687-4F45-9708-019B960494DF}">
+                    <a14:hiddenLine xmlns:a14="http://schemas.microsoft.com/office/drawing/2010/main" w="12700">
+                      <a:solidFill>
+                        <a:schemeClr val="tx1"/>
+                      </a:solidFill>
+                      <a:miter lim="800000"/>
+                      <a:headEnd/>
+                      <a:tailEnd/>
+                    </a14:hiddenLine>
+                  </a:ext>
+                  <a:ext uri="{AF507438-7753-43E0-B8FC-AC1667EBCBE1}">
+                    <a14:hiddenEffects xmlns:a14="http://schemas.microsoft.com/office/drawing/2010/main">
+                      <a:effectLst>
+                        <a:outerShdw dist="35921" dir="2700000" algn="ctr" rotWithShape="0">
+                          <a:schemeClr val="bg2"/>
+                        </a:outerShdw>
+                      </a:effectLst>
+                    </a14:hiddenEffects>
+                  </a:ext>
+                </a:extLst>
+              </p:spPr>
+              <p:txBody>
+                <a:bodyPr>
+                  <a:spAutoFit/>
+                </a:bodyPr>
+                <a:lstStyle/>
+                <a:p>
+                  <a:pPr>
+                    <a:spcBef>
+                      <a:spcPct val="50000"/>
+                    </a:spcBef>
+                  </a:pPr>
+                  <a:r>
+                    <a:rPr lang="en-US" sz="1800"/>
+                    <a:t>Compute Distance</a:t>
+                  </a:r>
+                </a:p>
+              </p:txBody>
+            </p:sp>
+            <p:grpSp>
+              <p:nvGrpSpPr>
+                <p:cNvPr id="5" name="Group 16"/>
+                <p:cNvGrpSpPr>
+                  <a:grpSpLocks/>
+                </p:cNvGrpSpPr>
+                <p:nvPr/>
+              </p:nvGrpSpPr>
+              <p:grpSpPr bwMode="auto">
+                <a:xfrm>
+                  <a:off x="1680" y="2256"/>
+                  <a:ext cx="2880" cy="1104"/>
+                  <a:chOff x="1680" y="2256"/>
+                  <a:chExt cx="2880" cy="1104"/>
+                </a:xfrm>
+              </p:grpSpPr>
+              <p:sp>
+                <p:nvSpPr>
+                  <p:cNvPr id="6" name="Line 17"/>
+                  <p:cNvSpPr>
+                    <a:spLocks noChangeShapeType="1"/>
+                  </p:cNvSpPr>
+                  <p:nvPr/>
+                </p:nvSpPr>
+                <p:spPr bwMode="auto">
+                  <a:xfrm>
+                    <a:off x="2832" y="2256"/>
+                    <a:ext cx="1680" cy="576"/>
+                  </a:xfrm>
+                  <a:prstGeom prst="line">
+                    <a:avLst/>
+                  </a:prstGeom>
+                  <a:noFill/>
+                  <a:ln w="38100">
+                    <a:solidFill>
+                      <a:srgbClr val="FF0000"/>
+                    </a:solidFill>
+                    <a:round/>
+                    <a:headEnd/>
+                    <a:tailEnd type="triangle" w="med" len="med"/>
+                  </a:ln>
+                  <a:effectLst/>
+                  <a:extLst>
+                    <a:ext uri="{909E8E84-426E-40DD-AFC4-6F175D3DCCD1}">
+                      <a14:hiddenFill xmlns:a14="http://schemas.microsoft.com/office/drawing/2010/main">
+                        <a:noFill/>
+                      </a14:hiddenFill>
+                    </a:ext>
+                    <a:ext uri="{AF507438-7753-43E0-B8FC-AC1667EBCBE1}">
+                      <a14:hiddenEffects xmlns:a14="http://schemas.microsoft.com/office/drawing/2010/main">
+                        <a:effectLst>
+                          <a:outerShdw dist="35921" dir="2700000" algn="ctr" rotWithShape="0">
+                            <a:schemeClr val="bg2"/>
+                          </a:outerShdw>
+                        </a:effectLst>
+                      </a14:hiddenEffects>
+                    </a:ext>
+                  </a:extLst>
+                </p:spPr>
+                <p:txBody>
+                  <a:bodyPr/>
+                  <a:lstStyle/>
+                  <a:p>
+                    <a:endParaRPr lang="en-US"/>
+                  </a:p>
+                </p:txBody>
+              </p:sp>
+              <p:sp>
+                <p:nvSpPr>
+                  <p:cNvPr id="7" name="Line 18"/>
+                  <p:cNvSpPr>
+                    <a:spLocks noChangeShapeType="1"/>
+                  </p:cNvSpPr>
+                  <p:nvPr/>
+                </p:nvSpPr>
+                <p:spPr bwMode="auto">
+                  <a:xfrm>
+                    <a:off x="2544" y="2880"/>
+                    <a:ext cx="2016" cy="48"/>
+                  </a:xfrm>
+                  <a:prstGeom prst="line">
+                    <a:avLst/>
+                  </a:prstGeom>
+                  <a:noFill/>
+                  <a:ln w="38100">
+                    <a:solidFill>
+                      <a:srgbClr val="FF0000"/>
+                    </a:solidFill>
+                    <a:round/>
+                    <a:headEnd/>
+                    <a:tailEnd type="triangle" w="med" len="med"/>
+                  </a:ln>
+                  <a:effectLst/>
+                  <a:extLst>
+                    <a:ext uri="{909E8E84-426E-40DD-AFC4-6F175D3DCCD1}">
+                      <a14:hiddenFill xmlns:a14="http://schemas.microsoft.com/office/drawing/2010/main">
+                        <a:noFill/>
+                      </a14:hiddenFill>
+                    </a:ext>
+                    <a:ext uri="{AF507438-7753-43E0-B8FC-AC1667EBCBE1}">
+                      <a14:hiddenEffects xmlns:a14="http://schemas.microsoft.com/office/drawing/2010/main">
+                        <a:effectLst>
+                          <a:outerShdw dist="35921" dir="2700000" algn="ctr" rotWithShape="0">
+                            <a:schemeClr val="bg2"/>
+                          </a:outerShdw>
+                        </a:effectLst>
+                      </a14:hiddenEffects>
+                    </a:ext>
+                  </a:extLst>
+                </p:spPr>
+                <p:txBody>
+                  <a:bodyPr/>
+                  <a:lstStyle/>
+                  <a:p>
+                    <a:endParaRPr lang="en-US"/>
+                  </a:p>
+                </p:txBody>
+              </p:sp>
+              <p:sp>
+                <p:nvSpPr>
+                  <p:cNvPr id="8" name="Line 19"/>
+                  <p:cNvSpPr>
+                    <a:spLocks noChangeShapeType="1"/>
+                  </p:cNvSpPr>
+                  <p:nvPr/>
+                </p:nvSpPr>
+                <p:spPr bwMode="auto">
+                  <a:xfrm flipV="1">
+                    <a:off x="2928" y="3072"/>
+                    <a:ext cx="1584" cy="288"/>
+                  </a:xfrm>
+                  <a:prstGeom prst="line">
+                    <a:avLst/>
+                  </a:prstGeom>
+                  <a:noFill/>
+                  <a:ln w="38100">
+                    <a:solidFill>
+                      <a:srgbClr val="FF0000"/>
+                    </a:solidFill>
+                    <a:round/>
+                    <a:headEnd/>
+                    <a:tailEnd type="triangle" w="med" len="med"/>
+                  </a:ln>
+                  <a:effectLst/>
+                  <a:extLst>
+                    <a:ext uri="{909E8E84-426E-40DD-AFC4-6F175D3DCCD1}">
+                      <a14:hiddenFill xmlns:a14="http://schemas.microsoft.com/office/drawing/2010/main">
+                        <a:noFill/>
+                      </a14:hiddenFill>
+                    </a:ext>
+                    <a:ext uri="{AF507438-7753-43E0-B8FC-AC1667EBCBE1}">
+                      <a14:hiddenEffects xmlns:a14="http://schemas.microsoft.com/office/drawing/2010/main">
+                        <a:effectLst>
+                          <a:outerShdw dist="35921" dir="2700000" algn="ctr" rotWithShape="0">
+                            <a:schemeClr val="bg2"/>
+                          </a:outerShdw>
+                        </a:effectLst>
+                      </a14:hiddenEffects>
+                    </a:ext>
+                  </a:extLst>
+                </p:spPr>
+                <p:txBody>
+                  <a:bodyPr/>
+                  <a:lstStyle/>
+                  <a:p>
+                    <a:endParaRPr lang="en-US"/>
+                  </a:p>
+                </p:txBody>
+              </p:sp>
+              <p:sp>
+                <p:nvSpPr>
+                  <p:cNvPr id="9" name="Line 20"/>
+                  <p:cNvSpPr>
+                    <a:spLocks noChangeShapeType="1"/>
+                  </p:cNvSpPr>
+                  <p:nvPr/>
+                </p:nvSpPr>
+                <p:spPr bwMode="auto">
+                  <a:xfrm flipV="1">
+                    <a:off x="1680" y="3024"/>
+                    <a:ext cx="2832" cy="192"/>
+                  </a:xfrm>
+                  <a:prstGeom prst="line">
+                    <a:avLst/>
+                  </a:prstGeom>
+                  <a:noFill/>
+                  <a:ln w="38100">
+                    <a:solidFill>
+                      <a:srgbClr val="FF0000"/>
+                    </a:solidFill>
+                    <a:round/>
+                    <a:headEnd/>
+                    <a:tailEnd type="triangle" w="med" len="med"/>
+                  </a:ln>
+                  <a:effectLst/>
+                  <a:extLst>
+                    <a:ext uri="{909E8E84-426E-40DD-AFC4-6F175D3DCCD1}">
+                      <a14:hiddenFill xmlns:a14="http://schemas.microsoft.com/office/drawing/2010/main">
+                        <a:noFill/>
+                      </a14:hiddenFill>
+                    </a:ext>
+                    <a:ext uri="{AF507438-7753-43E0-B8FC-AC1667EBCBE1}">
+                      <a14:hiddenEffects xmlns:a14="http://schemas.microsoft.com/office/drawing/2010/main">
+                        <a:effectLst>
+                          <a:outerShdw dist="35921" dir="2700000" algn="ctr" rotWithShape="0">
+                            <a:schemeClr val="bg2"/>
+                          </a:outerShdw>
+                        </a:effectLst>
+                      </a14:hiddenEffects>
+                    </a:ext>
+                  </a:extLst>
+                </p:spPr>
+                <p:txBody>
+                  <a:bodyPr/>
+                  <a:lstStyle/>
+                  <a:p>
+                    <a:endParaRPr lang="en-US"/>
+                  </a:p>
+                </p:txBody>
+              </p:sp>
+              <p:sp>
+                <p:nvSpPr>
+                  <p:cNvPr id="10" name="Line 21"/>
+                  <p:cNvSpPr>
+                    <a:spLocks noChangeShapeType="1"/>
+                  </p:cNvSpPr>
+                  <p:nvPr/>
+                </p:nvSpPr>
+                <p:spPr bwMode="auto">
+                  <a:xfrm>
+                    <a:off x="1920" y="2352"/>
+                    <a:ext cx="2544" cy="528"/>
+                  </a:xfrm>
+                  <a:prstGeom prst="line">
+                    <a:avLst/>
+                  </a:prstGeom>
+                  <a:noFill/>
+                  <a:ln w="38100">
+                    <a:solidFill>
+                      <a:srgbClr val="FF0000"/>
+                    </a:solidFill>
+                    <a:round/>
+                    <a:headEnd/>
+                    <a:tailEnd type="triangle" w="med" len="med"/>
+                  </a:ln>
+                  <a:effectLst/>
+                  <a:extLst>
+                    <a:ext uri="{909E8E84-426E-40DD-AFC4-6F175D3DCCD1}">
+                      <a14:hiddenFill xmlns:a14="http://schemas.microsoft.com/office/drawing/2010/main">
+                        <a:noFill/>
+                      </a14:hiddenFill>
+                    </a:ext>
+                    <a:ext uri="{AF507438-7753-43E0-B8FC-AC1667EBCBE1}">
+                      <a14:hiddenEffects xmlns:a14="http://schemas.microsoft.com/office/drawing/2010/main">
+                        <a:effectLst>
+                          <a:outerShdw dist="35921" dir="2700000" algn="ctr" rotWithShape="0">
+                            <a:schemeClr val="bg2"/>
+                          </a:outerShdw>
+                        </a:effectLst>
+                      </a14:hiddenEffects>
+                    </a:ext>
+                  </a:extLst>
+                </p:spPr>
+                <p:txBody>
+                  <a:bodyPr/>
+                  <a:lstStyle/>
+                  <a:p>
+                    <a:endParaRPr lang="en-US"/>
+                  </a:p>
+                </p:txBody>
+              </p:sp>
+            </p:grpSp>
+          </p:grpSp>
+          <p:grpSp>
+            <p:nvGrpSpPr>
+              <p:cNvPr id="23" name="Group 14"/>
+              <p:cNvGrpSpPr>
+                <a:grpSpLocks/>
+              </p:cNvGrpSpPr>
+              <p:nvPr/>
+            </p:nvGrpSpPr>
+            <p:grpSpPr bwMode="auto">
+              <a:xfrm>
+                <a:off x="2667000" y="3048000"/>
+                <a:ext cx="4572000" cy="2286000"/>
+                <a:chOff x="1680" y="1920"/>
+                <a:chExt cx="2880" cy="1440"/>
+              </a:xfrm>
+            </p:grpSpPr>
+            <p:sp>
+              <p:nvSpPr>
+                <p:cNvPr id="24" name="Text Box 15"/>
+                <p:cNvSpPr txBox="1">
+                  <a:spLocks noChangeArrowheads="1"/>
+                </p:cNvSpPr>
+                <p:nvPr/>
+              </p:nvSpPr>
+              <p:spPr bwMode="auto">
+                <a:xfrm>
+                  <a:off x="3312" y="1920"/>
+                  <a:ext cx="864" cy="404"/>
+                </a:xfrm>
+                <a:prstGeom prst="rect">
+                  <a:avLst/>
+                </a:prstGeom>
+                <a:noFill/>
+                <a:ln>
+                  <a:noFill/>
+                </a:ln>
+                <a:effectLst/>
+                <a:extLst>
+                  <a:ext uri="{909E8E84-426E-40DD-AFC4-6F175D3DCCD1}">
+                    <a14:hiddenFill xmlns:a14="http://schemas.microsoft.com/office/drawing/2010/main">
+                      <a:solidFill>
+                        <a:schemeClr val="accent1"/>
+                      </a:solidFill>
+                    </a14:hiddenFill>
+                  </a:ext>
+                  <a:ext uri="{91240B29-F687-4F45-9708-019B960494DF}">
+                    <a14:hiddenLine xmlns:a14="http://schemas.microsoft.com/office/drawing/2010/main" w="12700">
+                      <a:solidFill>
+                        <a:schemeClr val="tx1"/>
+                      </a:solidFill>
+                      <a:miter lim="800000"/>
+                      <a:headEnd/>
+                      <a:tailEnd/>
+                    </a14:hiddenLine>
+                  </a:ext>
+                  <a:ext uri="{AF507438-7753-43E0-B8FC-AC1667EBCBE1}">
+                    <a14:hiddenEffects xmlns:a14="http://schemas.microsoft.com/office/drawing/2010/main">
+                      <a:effectLst>
+                        <a:outerShdw dist="35921" dir="2700000" algn="ctr" rotWithShape="0">
+                          <a:schemeClr val="bg2"/>
+                        </a:outerShdw>
+                      </a:effectLst>
+                    </a14:hiddenEffects>
+                  </a:ext>
+                </a:extLst>
+              </p:spPr>
+              <p:txBody>
+                <a:bodyPr>
+                  <a:spAutoFit/>
+                </a:bodyPr>
+                <a:lstStyle/>
+                <a:p>
+                  <a:pPr>
+                    <a:spcBef>
+                      <a:spcPct val="50000"/>
+                    </a:spcBef>
+                  </a:pPr>
+                  <a:r>
+                    <a:rPr lang="en-US" sz="1800"/>
+                    <a:t>Compute Distance</a:t>
+                  </a:r>
+                </a:p>
+              </p:txBody>
+            </p:sp>
+            <p:grpSp>
+              <p:nvGrpSpPr>
+                <p:cNvPr id="25" name="Group 16"/>
+                <p:cNvGrpSpPr>
+                  <a:grpSpLocks/>
+                </p:cNvGrpSpPr>
+                <p:nvPr/>
+              </p:nvGrpSpPr>
+              <p:grpSpPr bwMode="auto">
+                <a:xfrm>
+                  <a:off x="1680" y="2256"/>
+                  <a:ext cx="2880" cy="1104"/>
+                  <a:chOff x="1680" y="2256"/>
+                  <a:chExt cx="2880" cy="1104"/>
+                </a:xfrm>
+              </p:grpSpPr>
+              <p:sp>
+                <p:nvSpPr>
+                  <p:cNvPr id="26" name="Line 17"/>
+                  <p:cNvSpPr>
+                    <a:spLocks noChangeShapeType="1"/>
+                  </p:cNvSpPr>
+                  <p:nvPr/>
+                </p:nvSpPr>
+                <p:spPr bwMode="auto">
+                  <a:xfrm>
+                    <a:off x="2832" y="2256"/>
+                    <a:ext cx="1680" cy="576"/>
+                  </a:xfrm>
+                  <a:prstGeom prst="line">
+                    <a:avLst/>
+                  </a:prstGeom>
+                  <a:noFill/>
+                  <a:ln w="38100">
+                    <a:solidFill>
+                      <a:srgbClr val="FF0000"/>
+                    </a:solidFill>
+                    <a:round/>
+                    <a:headEnd/>
+                    <a:tailEnd type="triangle" w="med" len="med"/>
+                  </a:ln>
+                  <a:effectLst/>
+                  <a:extLst>
+                    <a:ext uri="{909E8E84-426E-40DD-AFC4-6F175D3DCCD1}">
+                      <a14:hiddenFill xmlns:a14="http://schemas.microsoft.com/office/drawing/2010/main">
+                        <a:noFill/>
+                      </a14:hiddenFill>
+                    </a:ext>
+                    <a:ext uri="{AF507438-7753-43E0-B8FC-AC1667EBCBE1}">
+                      <a14:hiddenEffects xmlns:a14="http://schemas.microsoft.com/office/drawing/2010/main">
+                        <a:effectLst>
+                          <a:outerShdw dist="35921" dir="2700000" algn="ctr" rotWithShape="0">
+                            <a:schemeClr val="bg2"/>
+                          </a:outerShdw>
+                        </a:effectLst>
+                      </a14:hiddenEffects>
+                    </a:ext>
+                  </a:extLst>
+                </p:spPr>
+                <p:txBody>
+                  <a:bodyPr/>
+                  <a:lstStyle/>
+                  <a:p>
+                    <a:endParaRPr lang="en-US"/>
+                  </a:p>
+                </p:txBody>
+              </p:sp>
+              <p:sp>
+                <p:nvSpPr>
+                  <p:cNvPr id="27" name="Line 18"/>
+                  <p:cNvSpPr>
+                    <a:spLocks noChangeShapeType="1"/>
+                  </p:cNvSpPr>
+                  <p:nvPr/>
+                </p:nvSpPr>
+                <p:spPr bwMode="auto">
+                  <a:xfrm>
+                    <a:off x="2544" y="2880"/>
+                    <a:ext cx="2016" cy="48"/>
+                  </a:xfrm>
+                  <a:prstGeom prst="line">
+                    <a:avLst/>
+                  </a:prstGeom>
+                  <a:noFill/>
+                  <a:ln w="38100">
+                    <a:solidFill>
+                      <a:srgbClr val="FF0000"/>
+                    </a:solidFill>
+                    <a:round/>
+                    <a:headEnd/>
+                    <a:tailEnd type="triangle" w="med" len="med"/>
+                  </a:ln>
+                  <a:effectLst/>
+                  <a:extLst>
+                    <a:ext uri="{909E8E84-426E-40DD-AFC4-6F175D3DCCD1}">
+                      <a14:hiddenFill xmlns:a14="http://schemas.microsoft.com/office/drawing/2010/main">
+                        <a:noFill/>
+                      </a14:hiddenFill>
+                    </a:ext>
+                    <a:ext uri="{AF507438-7753-43E0-B8FC-AC1667EBCBE1}">
+                      <a14:hiddenEffects xmlns:a14="http://schemas.microsoft.com/office/drawing/2010/main">
+                        <a:effectLst>
+                          <a:outerShdw dist="35921" dir="2700000" algn="ctr" rotWithShape="0">
+                            <a:schemeClr val="bg2"/>
+                          </a:outerShdw>
+                        </a:effectLst>
+                      </a14:hiddenEffects>
+                    </a:ext>
+                  </a:extLst>
+                </p:spPr>
+                <p:txBody>
+                  <a:bodyPr/>
+                  <a:lstStyle/>
+                  <a:p>
+                    <a:endParaRPr lang="en-US"/>
+                  </a:p>
+                </p:txBody>
+              </p:sp>
+              <p:sp>
+                <p:nvSpPr>
+                  <p:cNvPr id="28" name="Line 19"/>
+                  <p:cNvSpPr>
+                    <a:spLocks noChangeShapeType="1"/>
+                  </p:cNvSpPr>
+                  <p:nvPr/>
+                </p:nvSpPr>
+                <p:spPr bwMode="auto">
+                  <a:xfrm flipV="1">
+                    <a:off x="2928" y="3072"/>
+                    <a:ext cx="1584" cy="288"/>
+                  </a:xfrm>
+                  <a:prstGeom prst="line">
+                    <a:avLst/>
+                  </a:prstGeom>
+                  <a:noFill/>
+                  <a:ln w="38100">
+                    <a:solidFill>
+                      <a:srgbClr val="FF0000"/>
+                    </a:solidFill>
+                    <a:round/>
+                    <a:headEnd/>
+                    <a:tailEnd type="triangle" w="med" len="med"/>
+                  </a:ln>
+                  <a:effectLst/>
+                  <a:extLst>
+                    <a:ext uri="{909E8E84-426E-40DD-AFC4-6F175D3DCCD1}">
+                      <a14:hiddenFill xmlns:a14="http://schemas.microsoft.com/office/drawing/2010/main">
+                        <a:noFill/>
+                      </a14:hiddenFill>
+                    </a:ext>
+                    <a:ext uri="{AF507438-7753-43E0-B8FC-AC1667EBCBE1}">
+                      <a14:hiddenEffects xmlns:a14="http://schemas.microsoft.com/office/drawing/2010/main">
+                        <a:effectLst>
+                          <a:outerShdw dist="35921" dir="2700000" algn="ctr" rotWithShape="0">
+                            <a:schemeClr val="bg2"/>
+                          </a:outerShdw>
+                        </a:effectLst>
+                      </a14:hiddenEffects>
+                    </a:ext>
+                  </a:extLst>
+                </p:spPr>
+                <p:txBody>
+                  <a:bodyPr/>
+                  <a:lstStyle/>
+                  <a:p>
+                    <a:endParaRPr lang="en-US"/>
+                  </a:p>
+                </p:txBody>
+              </p:sp>
+              <p:sp>
+                <p:nvSpPr>
+                  <p:cNvPr id="29" name="Line 20"/>
+                  <p:cNvSpPr>
+                    <a:spLocks noChangeShapeType="1"/>
+                  </p:cNvSpPr>
+                  <p:nvPr/>
+                </p:nvSpPr>
+                <p:spPr bwMode="auto">
+                  <a:xfrm flipV="1">
+                    <a:off x="1680" y="3024"/>
+                    <a:ext cx="2832" cy="192"/>
+                  </a:xfrm>
+                  <a:prstGeom prst="line">
+                    <a:avLst/>
+                  </a:prstGeom>
+                  <a:noFill/>
+                  <a:ln w="38100">
+                    <a:solidFill>
+                      <a:srgbClr val="FF0000"/>
+                    </a:solidFill>
+                    <a:round/>
+                    <a:headEnd/>
+                    <a:tailEnd type="triangle" w="med" len="med"/>
+                  </a:ln>
+                  <a:effectLst/>
+                  <a:extLst>
+                    <a:ext uri="{909E8E84-426E-40DD-AFC4-6F175D3DCCD1}">
+                      <a14:hiddenFill xmlns:a14="http://schemas.microsoft.com/office/drawing/2010/main">
+                        <a:noFill/>
+                      </a14:hiddenFill>
+                    </a:ext>
+                    <a:ext uri="{AF507438-7753-43E0-B8FC-AC1667EBCBE1}">
+                      <a14:hiddenEffects xmlns:a14="http://schemas.microsoft.com/office/drawing/2010/main">
+                        <a:effectLst>
+                          <a:outerShdw dist="35921" dir="2700000" algn="ctr" rotWithShape="0">
+                            <a:schemeClr val="bg2"/>
+                          </a:outerShdw>
+                        </a:effectLst>
+                      </a14:hiddenEffects>
+                    </a:ext>
+                  </a:extLst>
+                </p:spPr>
+                <p:txBody>
+                  <a:bodyPr/>
+                  <a:lstStyle/>
+                  <a:p>
+                    <a:endParaRPr lang="en-US"/>
+                  </a:p>
+                </p:txBody>
+              </p:sp>
+              <p:sp>
+                <p:nvSpPr>
+                  <p:cNvPr id="30" name="Line 21"/>
+                  <p:cNvSpPr>
+                    <a:spLocks noChangeShapeType="1"/>
+                  </p:cNvSpPr>
+                  <p:nvPr/>
+                </p:nvSpPr>
+                <p:spPr bwMode="auto">
+                  <a:xfrm>
+                    <a:off x="1920" y="2352"/>
+                    <a:ext cx="2544" cy="528"/>
+                  </a:xfrm>
+                  <a:prstGeom prst="line">
+                    <a:avLst/>
+                  </a:prstGeom>
+                  <a:noFill/>
+                  <a:ln w="38100">
+                    <a:solidFill>
+                      <a:srgbClr val="FF0000"/>
+                    </a:solidFill>
+                    <a:round/>
+                    <a:headEnd/>
+                    <a:tailEnd type="triangle" w="med" len="med"/>
+                  </a:ln>
+                  <a:effectLst/>
+                  <a:extLst>
+                    <a:ext uri="{909E8E84-426E-40DD-AFC4-6F175D3DCCD1}">
+                      <a14:hiddenFill xmlns:a14="http://schemas.microsoft.com/office/drawing/2010/main">
+                        <a:noFill/>
+                      </a14:hiddenFill>
+                    </a:ext>
+                    <a:ext uri="{AF507438-7753-43E0-B8FC-AC1667EBCBE1}">
+                      <a14:hiddenEffects xmlns:a14="http://schemas.microsoft.com/office/drawing/2010/main">
+                        <a:effectLst>
+                          <a:outerShdw dist="35921" dir="2700000" algn="ctr" rotWithShape="0">
+                            <a:schemeClr val="bg2"/>
+                          </a:outerShdw>
+                        </a:effectLst>
+                      </a14:hiddenEffects>
+                    </a:ext>
+                  </a:extLst>
+                </p:spPr>
+                <p:txBody>
+                  <a:bodyPr/>
+                  <a:lstStyle/>
+                  <a:p>
+                    <a:endParaRPr lang="en-US"/>
+                  </a:p>
+                </p:txBody>
+              </p:sp>
+            </p:grpSp>
+          </p:grpSp>
+          <p:grpSp>
+            <p:nvGrpSpPr>
+              <p:cNvPr id="31" name="Group 22"/>
+              <p:cNvGrpSpPr>
+                <a:grpSpLocks/>
+              </p:cNvGrpSpPr>
+              <p:nvPr/>
+            </p:nvGrpSpPr>
+            <p:grpSpPr bwMode="auto">
+              <a:xfrm>
+                <a:off x="4038600" y="4572000"/>
+                <a:ext cx="3352800" cy="1327150"/>
+                <a:chOff x="2544" y="2880"/>
+                <a:chExt cx="2112" cy="836"/>
+              </a:xfrm>
+            </p:grpSpPr>
+            <p:sp>
+              <p:nvSpPr>
+                <p:cNvPr id="32" name="Text Box 23"/>
+                <p:cNvSpPr txBox="1">
+                  <a:spLocks noChangeArrowheads="1"/>
+                </p:cNvSpPr>
+                <p:nvPr/>
+              </p:nvSpPr>
+              <p:spPr bwMode="auto">
+                <a:xfrm>
+                  <a:off x="3264" y="3312"/>
+                  <a:ext cx="1392" cy="404"/>
+                </a:xfrm>
+                <a:prstGeom prst="rect">
+                  <a:avLst/>
+                </a:prstGeom>
+                <a:noFill/>
+                <a:ln>
+                  <a:noFill/>
+                </a:ln>
+                <a:effectLst/>
+                <a:extLst>
+                  <a:ext uri="{909E8E84-426E-40DD-AFC4-6F175D3DCCD1}">
+                    <a14:hiddenFill xmlns:a14="http://schemas.microsoft.com/office/drawing/2010/main">
+                      <a:solidFill>
+                        <a:schemeClr val="accent1"/>
+                      </a:solidFill>
+                    </a14:hiddenFill>
+                  </a:ext>
+                  <a:ext uri="{91240B29-F687-4F45-9708-019B960494DF}">
+                    <a14:hiddenLine xmlns:a14="http://schemas.microsoft.com/office/drawing/2010/main" w="12700">
+                      <a:solidFill>
+                        <a:schemeClr val="tx1"/>
+                      </a:solidFill>
+                      <a:miter lim="800000"/>
+                      <a:headEnd/>
+                      <a:tailEnd/>
+                    </a14:hiddenLine>
+                  </a:ext>
+                  <a:ext uri="{AF507438-7753-43E0-B8FC-AC1667EBCBE1}">
+                    <a14:hiddenEffects xmlns:a14="http://schemas.microsoft.com/office/drawing/2010/main">
+                      <a:effectLst>
+                        <a:outerShdw dist="35921" dir="2700000" algn="ctr" rotWithShape="0">
+                          <a:schemeClr val="bg2"/>
+                        </a:outerShdw>
+                      </a:effectLst>
+                    </a14:hiddenEffects>
+                  </a:ext>
+                </a:extLst>
+              </p:spPr>
+              <p:txBody>
+                <a:bodyPr>
+                  <a:spAutoFit/>
+                </a:bodyPr>
+                <a:lstStyle/>
+                <a:p>
+                  <a:pPr>
+                    <a:spcBef>
+                      <a:spcPct val="50000"/>
+                    </a:spcBef>
+                  </a:pPr>
+                  <a:r>
+                    <a:rPr lang="en-US" sz="1800"/>
+                    <a:t>Choose k of the “nearest” records</a:t>
+                  </a:r>
+                </a:p>
+              </p:txBody>
+            </p:sp>
+            <p:grpSp>
+              <p:nvGrpSpPr>
+                <p:cNvPr id="33" name="Group 24"/>
+                <p:cNvGrpSpPr>
+                  <a:grpSpLocks/>
+                </p:cNvGrpSpPr>
+                <p:nvPr/>
+              </p:nvGrpSpPr>
+              <p:grpSpPr bwMode="auto">
+                <a:xfrm>
+                  <a:off x="2544" y="2880"/>
+                  <a:ext cx="2016" cy="480"/>
+                  <a:chOff x="2544" y="2880"/>
+                  <a:chExt cx="2016" cy="480"/>
+                </a:xfrm>
+              </p:grpSpPr>
+              <p:sp>
+                <p:nvSpPr>
+                  <p:cNvPr id="34" name="Line 25"/>
+                  <p:cNvSpPr>
+                    <a:spLocks noChangeShapeType="1"/>
+                  </p:cNvSpPr>
+                  <p:nvPr/>
+                </p:nvSpPr>
+                <p:spPr bwMode="auto">
+                  <a:xfrm>
+                    <a:off x="2544" y="2880"/>
+                    <a:ext cx="2016" cy="48"/>
+                  </a:xfrm>
+                  <a:prstGeom prst="line">
+                    <a:avLst/>
+                  </a:prstGeom>
+                  <a:noFill/>
+                  <a:ln w="44450">
+                    <a:solidFill>
+                      <a:srgbClr val="0000FF"/>
+                    </a:solidFill>
+                    <a:round/>
+                    <a:headEnd/>
+                    <a:tailEnd type="triangle" w="med" len="med"/>
+                  </a:ln>
+                  <a:effectLst/>
+                  <a:extLst>
+                    <a:ext uri="{909E8E84-426E-40DD-AFC4-6F175D3DCCD1}">
+                      <a14:hiddenFill xmlns:a14="http://schemas.microsoft.com/office/drawing/2010/main">
+                        <a:noFill/>
+                      </a14:hiddenFill>
+                    </a:ext>
+                    <a:ext uri="{AF507438-7753-43E0-B8FC-AC1667EBCBE1}">
+                      <a14:hiddenEffects xmlns:a14="http://schemas.microsoft.com/office/drawing/2010/main">
+                        <a:effectLst>
+                          <a:outerShdw dist="35921" dir="2700000" algn="ctr" rotWithShape="0">
+                            <a:schemeClr val="bg2"/>
+                          </a:outerShdw>
+                        </a:effectLst>
+                      </a14:hiddenEffects>
+                    </a:ext>
+                  </a:extLst>
+                </p:spPr>
+                <p:txBody>
+                  <a:bodyPr/>
+                  <a:lstStyle/>
+                  <a:p>
+                    <a:endParaRPr lang="en-US"/>
+                  </a:p>
+                </p:txBody>
+              </p:sp>
+              <p:sp>
+                <p:nvSpPr>
+                  <p:cNvPr id="35" name="Line 26"/>
+                  <p:cNvSpPr>
+                    <a:spLocks noChangeShapeType="1"/>
+                  </p:cNvSpPr>
+                  <p:nvPr/>
+                </p:nvSpPr>
+                <p:spPr bwMode="auto">
+                  <a:xfrm flipV="1">
+                    <a:off x="2928" y="3072"/>
+                    <a:ext cx="1584" cy="288"/>
+                  </a:xfrm>
+                  <a:prstGeom prst="line">
+                    <a:avLst/>
+                  </a:prstGeom>
+                  <a:noFill/>
+                  <a:ln w="44450">
+                    <a:solidFill>
+                      <a:srgbClr val="0000FF"/>
+                    </a:solidFill>
+                    <a:round/>
+                    <a:headEnd/>
+                    <a:tailEnd type="triangle" w="med" len="med"/>
+                  </a:ln>
+                  <a:effectLst/>
+                  <a:extLst>
+                    <a:ext uri="{909E8E84-426E-40DD-AFC4-6F175D3DCCD1}">
+                      <a14:hiddenFill xmlns:a14="http://schemas.microsoft.com/office/drawing/2010/main">
+                        <a:noFill/>
+                      </a14:hiddenFill>
+                    </a:ext>
+                    <a:ext uri="{AF507438-7753-43E0-B8FC-AC1667EBCBE1}">
+                      <a14:hiddenEffects xmlns:a14="http://schemas.microsoft.com/office/drawing/2010/main">
+                        <a:effectLst>
+                          <a:outerShdw dist="35921" dir="2700000" algn="ctr" rotWithShape="0">
+                            <a:schemeClr val="bg2"/>
+                          </a:outerShdw>
+                        </a:effectLst>
+                      </a14:hiddenEffects>
+                    </a:ext>
+                  </a:extLst>
+                </p:spPr>
+                <p:txBody>
+                  <a:bodyPr/>
+                  <a:lstStyle/>
+                  <a:p>
+                    <a:endParaRPr lang="en-US"/>
+                  </a:p>
+                </p:txBody>
+              </p:sp>
+            </p:grpSp>
+          </p:grpSp>
+        </p:grpSp>
+      </p:grpSp>
+    </p:spTree>
+    <p:extLst>
+      <p:ext uri="{BB962C8B-B14F-4D97-AF65-F5344CB8AC3E}">
+        <p14:creationId xmlns:p14="http://schemas.microsoft.com/office/powerpoint/2010/main" val="3898894161"/>
+      </p:ext>
+    </p:extLst>
+  </p:cSld>
+  <p:clrMapOvr>
+    <a:masterClrMapping/>
+  </p:clrMapOvr>
+</p:sld>
+</file>
+
+<file path=ppt/slides/slide9.xml><?xml version="1.0" encoding="utf-8"?>
+<p:sld xmlns:a="http://schemas.openxmlformats.org/drawingml/2006/main" xmlns:r="http://schemas.openxmlformats.org/officeDocument/2006/relationships" xmlns:p="http://schemas.openxmlformats.org/presentationml/2006/main">
+  <p:cSld>
+    <p:spTree>
+      <p:nvGrpSpPr>
+        <p:cNvPr id="1" name=""/>
+        <p:cNvGrpSpPr/>
+        <p:nvPr/>
+      </p:nvGrpSpPr>
+      <p:grpSpPr>
+        <a:xfrm>
+          <a:off x="0" y="0"/>
+          <a:ext cx="0" cy="0"/>
+          <a:chOff x="0" y="0"/>
+          <a:chExt cx="0" cy="0"/>
+        </a:xfrm>
+      </p:grpSpPr>
+      <p:pic>
+        <p:nvPicPr>
+          <p:cNvPr id="3" name="Picture 2"/>
+          <p:cNvPicPr>
+            <a:picLocks noChangeAspect="1"/>
+          </p:cNvPicPr>
+          <p:nvPr/>
+        </p:nvPicPr>
+        <p:blipFill>
+          <a:blip r:embed="rId2"/>
+          <a:stretch>
+            <a:fillRect/>
+          </a:stretch>
+        </p:blipFill>
+        <p:spPr>
+          <a:xfrm>
+            <a:off x="1546291" y="2205037"/>
+            <a:ext cx="2171700" cy="2447925"/>
+          </a:xfrm>
+          <a:prstGeom prst="rect">
+            <a:avLst/>
+          </a:prstGeom>
+        </p:spPr>
+      </p:pic>
+      <p:sp>
+        <p:nvSpPr>
+          <p:cNvPr id="4" name="Rectangle 2"/>
+          <p:cNvSpPr txBox="1">
+            <a:spLocks noChangeArrowheads="1"/>
+          </p:cNvSpPr>
+          <p:nvPr/>
+        </p:nvSpPr>
+        <p:spPr>
+          <a:xfrm>
+            <a:off x="457200" y="533400"/>
+            <a:ext cx="8229600" cy="990600"/>
+          </a:xfrm>
+          <a:prstGeom prst="rect">
+            <a:avLst/>
+          </a:prstGeom>
+        </p:spPr>
+        <p:txBody>
+          <a:bodyPr/>
+          <a:lstStyle>
+            <a:lvl1pPr algn="l" defTabSz="914400" rtl="0" eaLnBrk="1" latinLnBrk="0" hangingPunct="1">
+              <a:lnSpc>
+                <a:spcPct val="85000"/>
+              </a:lnSpc>
+              <a:spcBef>
+                <a:spcPct val="0"/>
+              </a:spcBef>
+              <a:buNone/>
+              <a:defRPr sz="4800" kern="1200" spc="-50" baseline="0">
+                <a:solidFill>
+                  <a:schemeClr val="tx1">
+                    <a:lumMod val="75000"/>
+                    <a:lumOff val="25000"/>
+                  </a:schemeClr>
+                </a:solidFill>
+                <a:latin typeface="+mj-lt"/>
+                <a:ea typeface="+mj-ea"/>
+                <a:cs typeface="+mj-cs"/>
+              </a:defRPr>
+            </a:lvl1pPr>
+          </a:lstStyle>
+          <a:p>
+            <a:r>
+              <a:rPr lang="en-US"/>
+              <a:t>Definition of Nearest Neighbor</a:t>
+            </a:r>
+            <a:endParaRPr lang="en-US" dirty="0"/>
+          </a:p>
+        </p:txBody>
+      </p:sp>
+    </p:spTree>
+    <p:extLst>
+      <p:ext uri="{BB962C8B-B14F-4D97-AF65-F5344CB8AC3E}">
+        <p14:creationId xmlns:p14="http://schemas.microsoft.com/office/powerpoint/2010/main" val="1754575863"/>
       </p:ext>
     </p:extLst>
   </p:cSld>
